--- a/Module 4 -- pandas.DataFrame/Module 4 DataFrame.pptx
+++ b/Module 4 -- pandas.DataFrame/Module 4 DataFrame.pptx
@@ -5,7 +5,7 @@
     <p:sldMasterId id="2147483648" r:id="rId1"/>
   </p:sldMasterIdLst>
   <p:notesMasterIdLst>
-    <p:notesMasterId r:id="rId19"/>
+    <p:notesMasterId r:id="rId23"/>
   </p:notesMasterIdLst>
   <p:sldIdLst>
     <p:sldId id="361" r:id="rId2"/>
@@ -13,18 +13,22 @@
     <p:sldId id="402" r:id="rId4"/>
     <p:sldId id="403" r:id="rId5"/>
     <p:sldId id="405" r:id="rId6"/>
-    <p:sldId id="407" r:id="rId7"/>
-    <p:sldId id="408" r:id="rId8"/>
-    <p:sldId id="409" r:id="rId9"/>
-    <p:sldId id="410" r:id="rId10"/>
-    <p:sldId id="420" r:id="rId11"/>
-    <p:sldId id="412" r:id="rId12"/>
-    <p:sldId id="414" r:id="rId13"/>
-    <p:sldId id="416" r:id="rId14"/>
-    <p:sldId id="417" r:id="rId15"/>
-    <p:sldId id="418" r:id="rId16"/>
-    <p:sldId id="421" r:id="rId17"/>
-    <p:sldId id="422" r:id="rId18"/>
+    <p:sldId id="408" r:id="rId7"/>
+    <p:sldId id="424" r:id="rId8"/>
+    <p:sldId id="423" r:id="rId9"/>
+    <p:sldId id="427" r:id="rId10"/>
+    <p:sldId id="426" r:id="rId11"/>
+    <p:sldId id="425" r:id="rId12"/>
+    <p:sldId id="428" r:id="rId13"/>
+    <p:sldId id="409" r:id="rId14"/>
+    <p:sldId id="420" r:id="rId15"/>
+    <p:sldId id="412" r:id="rId16"/>
+    <p:sldId id="414" r:id="rId17"/>
+    <p:sldId id="416" r:id="rId18"/>
+    <p:sldId id="417" r:id="rId19"/>
+    <p:sldId id="418" r:id="rId20"/>
+    <p:sldId id="421" r:id="rId21"/>
+    <p:sldId id="422" r:id="rId22"/>
   </p:sldIdLst>
   <p:sldSz cx="12192000" cy="6858000"/>
   <p:notesSz cx="6858000" cy="9144000"/>
@@ -213,7 +217,7 @@
           <a:p>
             <a:fld id="{E871FE31-3812-3944-9707-6ECC70AFADCA}" type="datetimeFigureOut">
               <a:rPr lang="en-US" smtClean="0"/>
-              <a:t>5/1/2017</a:t>
+              <a:t>10/3/2017</a:t>
             </a:fld>
             <a:endParaRPr lang="en-US"/>
           </a:p>
@@ -546,7 +550,7 @@
           <a:p>
             <a:fld id="{FD422BC7-4D1F-CD41-902C-26B1CD8F6694}" type="slidenum">
               <a:rPr lang="en-US" smtClean="0"/>
-              <a:t>12</a:t>
+              <a:t>16</a:t>
             </a:fld>
             <a:endParaRPr lang="en-US"/>
           </a:p>
@@ -630,7 +634,7 @@
           <a:p>
             <a:fld id="{FD422BC7-4D1F-CD41-902C-26B1CD8F6694}" type="slidenum">
               <a:rPr lang="en-US" smtClean="0"/>
-              <a:t>13</a:t>
+              <a:t>17</a:t>
             </a:fld>
             <a:endParaRPr lang="en-US"/>
           </a:p>
@@ -714,7 +718,7 @@
           <a:p>
             <a:fld id="{FD422BC7-4D1F-CD41-902C-26B1CD8F6694}" type="slidenum">
               <a:rPr lang="en-US" smtClean="0"/>
-              <a:t>14</a:t>
+              <a:t>18</a:t>
             </a:fld>
             <a:endParaRPr lang="en-US"/>
           </a:p>
@@ -798,7 +802,7 @@
           <a:p>
             <a:fld id="{FD422BC7-4D1F-CD41-902C-26B1CD8F6694}" type="slidenum">
               <a:rPr lang="en-US" smtClean="0"/>
-              <a:t>16</a:t>
+              <a:t>20</a:t>
             </a:fld>
             <a:endParaRPr lang="en-US"/>
           </a:p>
@@ -948,7 +952,7 @@
           <a:p>
             <a:fld id="{1C1DD42B-93F3-48C8-8BF3-D3ABB4409479}" type="datetime1">
               <a:rPr lang="en-US" smtClean="0"/>
-              <a:t>5/1/2017</a:t>
+              <a:t>10/3/2017</a:t>
             </a:fld>
             <a:endParaRPr lang="en-US"/>
           </a:p>
@@ -1122,7 +1126,7 @@
           <a:p>
             <a:fld id="{33E8C97A-5F9E-4F87-9D85-56F1696F2429}" type="datetime1">
               <a:rPr lang="en-US" smtClean="0"/>
-              <a:t>5/1/2017</a:t>
+              <a:t>10/3/2017</a:t>
             </a:fld>
             <a:endParaRPr lang="en-US"/>
           </a:p>
@@ -1306,7 +1310,7 @@
           <a:p>
             <a:fld id="{0C14B3F4-6D0C-4B73-A0A5-00687E31CE97}" type="datetime1">
               <a:rPr lang="en-US" smtClean="0"/>
-              <a:t>5/1/2017</a:t>
+              <a:t>10/3/2017</a:t>
             </a:fld>
             <a:endParaRPr lang="en-US"/>
           </a:p>
@@ -1480,7 +1484,7 @@
           <a:p>
             <a:fld id="{6A260710-C78D-4164-9C2B-059453D143E0}" type="datetime1">
               <a:rPr lang="en-US" smtClean="0"/>
-              <a:t>5/1/2017</a:t>
+              <a:t>10/3/2017</a:t>
             </a:fld>
             <a:endParaRPr lang="en-US"/>
           </a:p>
@@ -1730,7 +1734,7 @@
           <a:p>
             <a:fld id="{91AA7139-4F95-4939-8395-316C50DE9D19}" type="datetime1">
               <a:rPr lang="en-US" smtClean="0"/>
-              <a:t>5/1/2017</a:t>
+              <a:t>10/3/2017</a:t>
             </a:fld>
             <a:endParaRPr lang="en-US"/>
           </a:p>
@@ -1966,7 +1970,7 @@
           <a:p>
             <a:fld id="{CBEEB308-D950-4AFC-8394-CA87FC9B861E}" type="datetime1">
               <a:rPr lang="en-US" smtClean="0"/>
-              <a:t>5/1/2017</a:t>
+              <a:t>10/3/2017</a:t>
             </a:fld>
             <a:endParaRPr lang="en-US"/>
           </a:p>
@@ -2337,7 +2341,7 @@
           <a:p>
             <a:fld id="{E7F92790-62ED-4FDF-911F-921F0F97FA44}" type="datetime1">
               <a:rPr lang="en-US" smtClean="0"/>
-              <a:t>5/1/2017</a:t>
+              <a:t>10/3/2017</a:t>
             </a:fld>
             <a:endParaRPr lang="en-US"/>
           </a:p>
@@ -2459,7 +2463,7 @@
           <a:p>
             <a:fld id="{525252C6-BC27-4614-966C-AA8FD57192B8}" type="datetime1">
               <a:rPr lang="en-US" smtClean="0"/>
-              <a:t>5/1/2017</a:t>
+              <a:t>10/3/2017</a:t>
             </a:fld>
             <a:endParaRPr lang="en-US"/>
           </a:p>
@@ -2558,7 +2562,7 @@
           <a:p>
             <a:fld id="{FFD89083-445C-4A3D-B03B-C74A2F021CA1}" type="datetime1">
               <a:rPr lang="en-US" smtClean="0"/>
-              <a:t>5/1/2017</a:t>
+              <a:t>10/3/2017</a:t>
             </a:fld>
             <a:endParaRPr lang="en-US"/>
           </a:p>
@@ -2839,7 +2843,7 @@
           <a:p>
             <a:fld id="{276B2E50-602E-471E-B416-014B8B54D312}" type="datetime1">
               <a:rPr lang="en-US" smtClean="0"/>
-              <a:t>5/1/2017</a:t>
+              <a:t>10/3/2017</a:t>
             </a:fld>
             <a:endParaRPr lang="en-US"/>
           </a:p>
@@ -3096,7 +3100,7 @@
           <a:p>
             <a:fld id="{DA839796-F891-48F8-B38D-50058B2B15FD}" type="datetime1">
               <a:rPr lang="en-US" smtClean="0"/>
-              <a:t>5/1/2017</a:t>
+              <a:t>10/3/2017</a:t>
             </a:fld>
             <a:endParaRPr lang="en-US"/>
           </a:p>
@@ -3313,7 +3317,7 @@
           <a:p>
             <a:fld id="{7E67DCBF-10AA-4FC8-8039-7A244F947C9B}" type="datetime1">
               <a:rPr lang="en-US" smtClean="0"/>
-              <a:t>5/1/2017</a:t>
+              <a:t>10/3/2017</a:t>
             </a:fld>
             <a:endParaRPr lang="en-US"/>
           </a:p>
@@ -3956,7 +3960,7 @@
           <a:p>
             <a:r>
               <a:rPr lang="en-US" sz="5400" b="1" dirty="0" err="1" smtClean="0"/>
-              <a:t>df.ix</a:t>
+              <a:t>df.loc</a:t>
             </a:r>
             <a:r>
               <a:rPr lang="en-US" sz="5400" b="1" dirty="0" smtClean="0"/>
@@ -3968,9 +3972,204 @@
             </a:r>
             <a:r>
               <a:rPr lang="en-US" sz="5400" b="1" dirty="0" smtClean="0"/>
-              <a:t>] – using Boolean masks</a:t>
+              <a:t>]</a:t>
             </a:r>
             <a:endParaRPr lang="en-US" sz="5400" b="1" dirty="0"/>
+          </a:p>
+        </p:txBody>
+      </p:sp>
+      <p:sp>
+        <p:nvSpPr>
+          <p:cNvPr id="16" name="TextBox 15"/>
+          <p:cNvSpPr txBox="1"/>
+          <p:nvPr/>
+        </p:nvSpPr>
+        <p:spPr>
+          <a:xfrm>
+            <a:off x="457821" y="1443832"/>
+            <a:ext cx="7079228" cy="2339102"/>
+          </a:xfrm>
+          <a:prstGeom prst="rect">
+            <a:avLst/>
+          </a:prstGeom>
+          <a:noFill/>
+        </p:spPr>
+        <p:txBody>
+          <a:bodyPr wrap="square" rtlCol="0">
+            <a:spAutoFit/>
+          </a:bodyPr>
+          <a:lstStyle/>
+          <a:p>
+            <a:r>
+              <a:rPr lang="en-US" dirty="0" smtClean="0">
+                <a:solidFill>
+                  <a:srgbClr val="000000"/>
+                </a:solidFill>
+                <a:latin typeface="Helvetica Neue"/>
+              </a:rPr>
+              <a:t>Access </a:t>
+            </a:r>
+            <a:r>
+              <a:rPr lang="en-US" dirty="0">
+                <a:solidFill>
+                  <a:srgbClr val="000000"/>
+                </a:solidFill>
+                <a:latin typeface="Helvetica Neue"/>
+              </a:rPr>
+              <a:t>using the </a:t>
+            </a:r>
+            <a:r>
+              <a:rPr lang="en-US" dirty="0" smtClean="0">
+                <a:solidFill>
+                  <a:srgbClr val="000000"/>
+                </a:solidFill>
+                <a:latin typeface="Helvetica Neue"/>
+              </a:rPr>
+              <a:t>index labels.</a:t>
+            </a:r>
+            <a:endParaRPr lang="en-US" dirty="0" smtClean="0">
+              <a:solidFill>
+                <a:srgbClr val="000000"/>
+              </a:solidFill>
+              <a:latin typeface="Helvetica Neue"/>
+            </a:endParaRPr>
+          </a:p>
+          <a:p>
+            <a:endParaRPr lang="en-US" dirty="0">
+              <a:solidFill>
+                <a:srgbClr val="000000"/>
+              </a:solidFill>
+              <a:latin typeface="Helvetica Neue"/>
+            </a:endParaRPr>
+          </a:p>
+          <a:p>
+            <a:pPr>
+              <a:buFont typeface="Arial" panose="020B0604020202020204" pitchFamily="34" charset="0"/>
+              <a:buChar char="•"/>
+            </a:pPr>
+            <a:r>
+              <a:rPr lang="en-US" b="1" dirty="0">
+                <a:solidFill>
+                  <a:srgbClr val="000000"/>
+                </a:solidFill>
+                <a:latin typeface="Helvetica Neue"/>
+              </a:rPr>
+              <a:t>x</a:t>
+            </a:r>
+            <a:r>
+              <a:rPr lang="en-US" dirty="0">
+                <a:solidFill>
+                  <a:srgbClr val="000000"/>
+                </a:solidFill>
+                <a:latin typeface="Helvetica Neue"/>
+              </a:rPr>
+              <a:t> </a:t>
+            </a:r>
+            <a:r>
+              <a:rPr lang="en-US" dirty="0">
+                <a:solidFill>
+                  <a:srgbClr val="000000"/>
+                </a:solidFill>
+                <a:latin typeface="Helvetica Neue"/>
+              </a:rPr>
+              <a:t>s the information needed to select the rows: label index, range of index labels, or </a:t>
+            </a:r>
+            <a:r>
+              <a:rPr lang="en-US" dirty="0" err="1">
+                <a:solidFill>
+                  <a:srgbClr val="000000"/>
+                </a:solidFill>
+                <a:latin typeface="Helvetica Neue"/>
+              </a:rPr>
+              <a:t>boolean</a:t>
+            </a:r>
+            <a:r>
+              <a:rPr lang="en-US" dirty="0">
+                <a:solidFill>
+                  <a:srgbClr val="000000"/>
+                </a:solidFill>
+                <a:latin typeface="Helvetica Neue"/>
+              </a:rPr>
+              <a:t> masks</a:t>
+            </a:r>
+            <a:endParaRPr lang="en-US" dirty="0" smtClean="0">
+              <a:solidFill>
+                <a:srgbClr val="000000"/>
+              </a:solidFill>
+              <a:latin typeface="Helvetica Neue"/>
+            </a:endParaRPr>
+          </a:p>
+          <a:p>
+            <a:pPr>
+              <a:buFont typeface="Arial" panose="020B0604020202020204" pitchFamily="34" charset="0"/>
+              <a:buChar char="•"/>
+            </a:pPr>
+            <a:endParaRPr lang="en-US" dirty="0">
+              <a:solidFill>
+                <a:srgbClr val="000000"/>
+              </a:solidFill>
+              <a:latin typeface="Helvetica Neue"/>
+            </a:endParaRPr>
+          </a:p>
+          <a:p>
+            <a:pPr>
+              <a:buFont typeface="Arial" panose="020B0604020202020204" pitchFamily="34" charset="0"/>
+              <a:buChar char="•"/>
+            </a:pPr>
+            <a:r>
+              <a:rPr lang="en-US" b="1" dirty="0">
+                <a:solidFill>
+                  <a:srgbClr val="000000"/>
+                </a:solidFill>
+                <a:latin typeface="Helvetica Neue"/>
+              </a:rPr>
+              <a:t>y (optional)</a:t>
+            </a:r>
+            <a:r>
+              <a:rPr lang="en-US" dirty="0">
+                <a:solidFill>
+                  <a:srgbClr val="000000"/>
+                </a:solidFill>
+                <a:latin typeface="Helvetica Neue"/>
+              </a:rPr>
+              <a:t> </a:t>
+            </a:r>
+            <a:r>
+              <a:rPr lang="en-US" dirty="0">
+                <a:solidFill>
+                  <a:srgbClr val="000000"/>
+                </a:solidFill>
+                <a:latin typeface="Helvetica Neue"/>
+              </a:rPr>
+              <a:t>is the information needed to select the columns: label index, range of index labels, or </a:t>
+            </a:r>
+            <a:r>
+              <a:rPr lang="en-US" dirty="0" err="1">
+                <a:solidFill>
+                  <a:srgbClr val="000000"/>
+                </a:solidFill>
+                <a:latin typeface="Helvetica Neue"/>
+              </a:rPr>
+              <a:t>boolean</a:t>
+            </a:r>
+            <a:r>
+              <a:rPr lang="en-US" dirty="0">
+                <a:solidFill>
+                  <a:srgbClr val="000000"/>
+                </a:solidFill>
+                <a:latin typeface="Helvetica Neue"/>
+              </a:rPr>
+              <a:t> masks</a:t>
+            </a:r>
+            <a:endParaRPr lang="en-US" dirty="0">
+              <a:solidFill>
+                <a:srgbClr val="000000"/>
+              </a:solidFill>
+              <a:latin typeface="Helvetica Neue"/>
+            </a:endParaRPr>
+          </a:p>
+          <a:p>
+            <a:endParaRPr lang="en-US" sz="2000" dirty="0" smtClean="0"/>
           </a:p>
         </p:txBody>
       </p:sp>
@@ -4195,60 +4394,22 @@
       </p:sp>
       <p:sp>
         <p:nvSpPr>
-          <p:cNvPr id="21" name="TextBox 20"/>
-          <p:cNvSpPr txBox="1"/>
-          <p:nvPr/>
-        </p:nvSpPr>
-        <p:spPr>
-          <a:xfrm>
-            <a:off x="9753896" y="1734453"/>
-            <a:ext cx="1540806" cy="369332"/>
+          <p:cNvPr id="20" name="Rectangle 19"/>
+          <p:cNvSpPr/>
+          <p:nvPr/>
+        </p:nvSpPr>
+        <p:spPr>
+          <a:xfrm>
+            <a:off x="9747929" y="2466863"/>
+            <a:ext cx="1552354" cy="3521503"/>
           </a:xfrm>
           <a:prstGeom prst="rect">
             <a:avLst/>
           </a:prstGeom>
           <a:solidFill>
-            <a:schemeClr val="accent6">
-              <a:lumMod val="20000"/>
-              <a:lumOff val="80000"/>
-            </a:schemeClr>
-          </a:solidFill>
-        </p:spPr>
-        <p:txBody>
-          <a:bodyPr wrap="none" rtlCol="0">
-            <a:spAutoFit/>
-          </a:bodyPr>
-          <a:lstStyle/>
-          <a:p>
-            <a:pPr>
-              <a:spcBef>
-                <a:spcPts val="300"/>
-              </a:spcBef>
-            </a:pPr>
-            <a:r>
-              <a:rPr lang="en-US" dirty="0" smtClean="0"/>
-              <a:t>0      1       2      </a:t>
-            </a:r>
-            <a:endParaRPr lang="en-US" dirty="0"/>
-          </a:p>
-        </p:txBody>
-      </p:sp>
-      <p:sp>
-        <p:nvSpPr>
-          <p:cNvPr id="22" name="Rectangle 21"/>
-          <p:cNvSpPr/>
-          <p:nvPr/>
-        </p:nvSpPr>
-        <p:spPr>
-          <a:xfrm>
-            <a:off x="9747928" y="2119535"/>
-            <a:ext cx="1552355" cy="338105"/>
-          </a:xfrm>
-          <a:prstGeom prst="rect">
-            <a:avLst/>
-          </a:prstGeom>
-          <a:solidFill>
-            <a:schemeClr val="accent1">
+            <a:schemeClr val="accent2">
+              <a:lumMod val="40000"/>
+              <a:lumOff val="60000"/>
               <a:alpha val="33000"/>
             </a:schemeClr>
           </a:solidFill>
@@ -4280,19 +4441,24 @@
       </p:sp>
       <p:sp>
         <p:nvSpPr>
-          <p:cNvPr id="23" name="TextBox 22"/>
+          <p:cNvPr id="21" name="TextBox 20"/>
           <p:cNvSpPr txBox="1"/>
           <p:nvPr/>
         </p:nvSpPr>
         <p:spPr>
           <a:xfrm>
-            <a:off x="9576351" y="1088122"/>
-            <a:ext cx="1805301" cy="584775"/>
-          </a:xfrm>
-          <a:prstGeom prst="rect">
-            <a:avLst/>
-          </a:prstGeom>
-          <a:noFill/>
+            <a:off x="9753896" y="1734453"/>
+            <a:ext cx="1540806" cy="369332"/>
+          </a:xfrm>
+          <a:prstGeom prst="rect">
+            <a:avLst/>
+          </a:prstGeom>
+          <a:solidFill>
+            <a:schemeClr val="accent6">
+              <a:lumMod val="20000"/>
+              <a:lumOff val="80000"/>
+            </a:schemeClr>
+          </a:solidFill>
         </p:spPr>
         <p:txBody>
           <a:bodyPr wrap="none" rtlCol="0">
@@ -4300,203 +4466,38 @@
           </a:bodyPr>
           <a:lstStyle/>
           <a:p>
-            <a:pPr algn="ctr"/>
-            <a:r>
-              <a:rPr lang="en-US" sz="1600" b="1" dirty="0">
-                <a:solidFill>
-                  <a:schemeClr val="accent6">
-                    <a:lumMod val="75000"/>
-                  </a:schemeClr>
-                </a:solidFill>
-              </a:rPr>
-              <a:t>POSITIONAL INDEX</a:t>
-            </a:r>
-            <a:endParaRPr lang="en-US" sz="1600" b="1" dirty="0" smtClean="0">
-              <a:solidFill>
-                <a:schemeClr val="accent6">
-                  <a:lumMod val="75000"/>
-                </a:schemeClr>
-              </a:solidFill>
-            </a:endParaRPr>
-          </a:p>
-          <a:p>
-            <a:pPr algn="ctr"/>
-            <a:r>
-              <a:rPr lang="en-US" sz="1600" b="1" dirty="0" smtClean="0">
-                <a:solidFill>
-                  <a:schemeClr val="accent6">
-                    <a:lumMod val="75000"/>
-                  </a:schemeClr>
-                </a:solidFill>
-              </a:rPr>
-              <a:t>ON THE COLUMNS</a:t>
-            </a:r>
-            <a:endParaRPr lang="en-US" sz="1600" b="1" dirty="0">
-              <a:solidFill>
-                <a:schemeClr val="accent6">
-                  <a:lumMod val="75000"/>
-                </a:schemeClr>
-              </a:solidFill>
-            </a:endParaRPr>
-          </a:p>
-        </p:txBody>
-      </p:sp>
-      <p:sp>
-        <p:nvSpPr>
-          <p:cNvPr id="24" name="TextBox 23"/>
-          <p:cNvSpPr txBox="1"/>
-          <p:nvPr/>
-        </p:nvSpPr>
-        <p:spPr>
-          <a:xfrm>
-            <a:off x="11300283" y="2173081"/>
-            <a:ext cx="948401" cy="307777"/>
-          </a:xfrm>
-          <a:prstGeom prst="rect">
-            <a:avLst/>
-          </a:prstGeom>
-          <a:noFill/>
-        </p:spPr>
-        <p:txBody>
-          <a:bodyPr wrap="none" rtlCol="0">
-            <a:spAutoFit/>
-          </a:bodyPr>
-          <a:lstStyle/>
-          <a:p>
-            <a:r>
-              <a:rPr lang="en-US" sz="1400" b="1" dirty="0" smtClean="0">
-                <a:solidFill>
-                  <a:srgbClr val="0070C0"/>
-                </a:solidFill>
-              </a:rPr>
-              <a:t>COLUMNS</a:t>
-            </a:r>
-          </a:p>
-        </p:txBody>
-      </p:sp>
-      <p:sp>
-        <p:nvSpPr>
-          <p:cNvPr id="25" name="TextBox 24"/>
-          <p:cNvSpPr txBox="1"/>
-          <p:nvPr/>
-        </p:nvSpPr>
-        <p:spPr>
-          <a:xfrm rot="1405271">
-            <a:off x="8347505" y="2081337"/>
-            <a:ext cx="652743" cy="307777"/>
-          </a:xfrm>
-          <a:prstGeom prst="rect">
-            <a:avLst/>
-          </a:prstGeom>
-          <a:noFill/>
-        </p:spPr>
-        <p:txBody>
-          <a:bodyPr wrap="none" rtlCol="0">
-            <a:spAutoFit/>
-          </a:bodyPr>
-          <a:lstStyle/>
-          <a:p>
-            <a:r>
-              <a:rPr lang="en-US" sz="1400" b="1" dirty="0" smtClean="0">
-                <a:solidFill>
-                  <a:srgbClr val="0070C0"/>
-                </a:solidFill>
-              </a:rPr>
-              <a:t>INDEX</a:t>
-            </a:r>
-          </a:p>
-        </p:txBody>
-      </p:sp>
-      <p:sp>
-        <p:nvSpPr>
-          <p:cNvPr id="26" name="TextBox 25"/>
-          <p:cNvSpPr txBox="1"/>
-          <p:nvPr/>
-        </p:nvSpPr>
-        <p:spPr>
-          <a:xfrm>
-            <a:off x="7428823" y="3325211"/>
-            <a:ext cx="1164101" cy="584775"/>
-          </a:xfrm>
-          <a:prstGeom prst="rect">
-            <a:avLst/>
-          </a:prstGeom>
-          <a:noFill/>
-        </p:spPr>
-        <p:txBody>
-          <a:bodyPr wrap="none" rtlCol="0">
-            <a:spAutoFit/>
-          </a:bodyPr>
-          <a:lstStyle/>
-          <a:p>
-            <a:pPr algn="ctr"/>
-            <a:r>
-              <a:rPr lang="en-US" sz="1600" b="1" dirty="0">
-                <a:solidFill>
-                  <a:schemeClr val="accent6">
-                    <a:lumMod val="75000"/>
-                  </a:schemeClr>
-                </a:solidFill>
-              </a:rPr>
-              <a:t>POS. </a:t>
-            </a:r>
-            <a:r>
-              <a:rPr lang="en-US" sz="1600" b="1" dirty="0" smtClean="0">
-                <a:solidFill>
-                  <a:schemeClr val="accent6">
-                    <a:lumMod val="75000"/>
-                  </a:schemeClr>
-                </a:solidFill>
-              </a:rPr>
-              <a:t>INDEX</a:t>
-            </a:r>
-          </a:p>
-          <a:p>
-            <a:pPr algn="ctr"/>
-            <a:r>
-              <a:rPr lang="en-US" sz="1600" b="1" dirty="0" smtClean="0">
-                <a:solidFill>
-                  <a:schemeClr val="accent6">
-                    <a:lumMod val="75000"/>
-                  </a:schemeClr>
-                </a:solidFill>
-              </a:rPr>
-              <a:t>ON ROWS</a:t>
-            </a:r>
-            <a:endParaRPr lang="en-US" sz="1600" b="1" dirty="0">
-              <a:solidFill>
-                <a:schemeClr val="accent6">
-                  <a:lumMod val="75000"/>
-                </a:schemeClr>
-              </a:solidFill>
-            </a:endParaRPr>
-          </a:p>
-        </p:txBody>
-      </p:sp>
-      <p:sp>
-        <p:nvSpPr>
-          <p:cNvPr id="4" name="Oval 3"/>
+            <a:pPr>
+              <a:spcBef>
+                <a:spcPts val="300"/>
+              </a:spcBef>
+            </a:pPr>
+            <a:r>
+              <a:rPr lang="en-US" dirty="0" smtClean="0"/>
+              <a:t>0      1       2      </a:t>
+            </a:r>
+            <a:endParaRPr lang="en-US" dirty="0"/>
+          </a:p>
+        </p:txBody>
+      </p:sp>
+      <p:sp>
+        <p:nvSpPr>
+          <p:cNvPr id="22" name="Rectangle 21"/>
           <p:cNvSpPr/>
           <p:nvPr/>
         </p:nvSpPr>
         <p:spPr>
           <a:xfrm>
-            <a:off x="9539067" y="3655829"/>
-            <a:ext cx="1790336" cy="1114454"/>
-          </a:xfrm>
-          <a:prstGeom prst="ellipse">
+            <a:off x="9747928" y="2119535"/>
+            <a:ext cx="1552355" cy="338105"/>
+          </a:xfrm>
+          <a:prstGeom prst="rect">
             <a:avLst/>
           </a:prstGeom>
           <a:solidFill>
-            <a:srgbClr val="FF0000">
-              <a:alpha val="35000"/>
-            </a:srgbClr>
+            <a:schemeClr val="accent1">
+              <a:alpha val="33000"/>
+            </a:schemeClr>
           </a:solidFill>
-          <a:ln>
-            <a:solidFill>
-              <a:srgbClr val="C00000"/>
-            </a:solidFill>
-          </a:ln>
         </p:spPr>
         <p:style>
           <a:lnRef idx="2">
@@ -4523,57 +4524,246 @@
           </a:p>
         </p:txBody>
       </p:sp>
-      <p:pic>
-        <p:nvPicPr>
-          <p:cNvPr id="2" name="Picture 1"/>
-          <p:cNvPicPr>
-            <a:picLocks noChangeAspect="1"/>
-          </p:cNvPicPr>
-          <p:nvPr/>
-        </p:nvPicPr>
-        <p:blipFill>
-          <a:blip r:embed="rId3"/>
-          <a:stretch>
-            <a:fillRect/>
-          </a:stretch>
-        </p:blipFill>
-        <p:spPr>
-          <a:xfrm>
-            <a:off x="510497" y="1759193"/>
-            <a:ext cx="5163117" cy="952064"/>
-          </a:xfrm>
-          <a:prstGeom prst="rect">
-            <a:avLst/>
-          </a:prstGeom>
-        </p:spPr>
-      </p:pic>
-      <p:pic>
-        <p:nvPicPr>
-          <p:cNvPr id="3" name="Picture 2"/>
-          <p:cNvPicPr>
-            <a:picLocks noChangeAspect="1"/>
-          </p:cNvPicPr>
-          <p:nvPr/>
-        </p:nvPicPr>
-        <p:blipFill>
-          <a:blip r:embed="rId4"/>
-          <a:stretch>
-            <a:fillRect/>
-          </a:stretch>
-        </p:blipFill>
-        <p:spPr>
-          <a:xfrm>
-            <a:off x="537126" y="1376927"/>
-            <a:ext cx="4578596" cy="494402"/>
-          </a:xfrm>
-          <a:prstGeom prst="rect">
-            <a:avLst/>
-          </a:prstGeom>
-        </p:spPr>
-      </p:pic>
-      <p:sp>
-        <p:nvSpPr>
-          <p:cNvPr id="5" name="Footer Placeholder 4"/>
+      <p:sp>
+        <p:nvSpPr>
+          <p:cNvPr id="23" name="TextBox 22"/>
+          <p:cNvSpPr txBox="1"/>
+          <p:nvPr/>
+        </p:nvSpPr>
+        <p:spPr>
+          <a:xfrm>
+            <a:off x="9576351" y="1088122"/>
+            <a:ext cx="1805301" cy="584775"/>
+          </a:xfrm>
+          <a:prstGeom prst="rect">
+            <a:avLst/>
+          </a:prstGeom>
+          <a:noFill/>
+        </p:spPr>
+        <p:txBody>
+          <a:bodyPr wrap="none" rtlCol="0">
+            <a:spAutoFit/>
+          </a:bodyPr>
+          <a:lstStyle/>
+          <a:p>
+            <a:pPr algn="ctr"/>
+            <a:r>
+              <a:rPr lang="en-US" sz="1600" b="1" dirty="0">
+                <a:solidFill>
+                  <a:schemeClr val="accent6">
+                    <a:lumMod val="75000"/>
+                  </a:schemeClr>
+                </a:solidFill>
+              </a:rPr>
+              <a:t>POSITIONAL INDEX</a:t>
+            </a:r>
+            <a:endParaRPr lang="en-US" sz="1600" b="1" dirty="0" smtClean="0">
+              <a:solidFill>
+                <a:schemeClr val="accent6">
+                  <a:lumMod val="75000"/>
+                </a:schemeClr>
+              </a:solidFill>
+            </a:endParaRPr>
+          </a:p>
+          <a:p>
+            <a:pPr algn="ctr"/>
+            <a:r>
+              <a:rPr lang="en-US" sz="1600" b="1" dirty="0" smtClean="0">
+                <a:solidFill>
+                  <a:schemeClr val="accent6">
+                    <a:lumMod val="75000"/>
+                  </a:schemeClr>
+                </a:solidFill>
+              </a:rPr>
+              <a:t>ON THE COLUMNS</a:t>
+            </a:r>
+            <a:endParaRPr lang="en-US" sz="1600" b="1" dirty="0">
+              <a:solidFill>
+                <a:schemeClr val="accent6">
+                  <a:lumMod val="75000"/>
+                </a:schemeClr>
+              </a:solidFill>
+            </a:endParaRPr>
+          </a:p>
+        </p:txBody>
+      </p:sp>
+      <p:sp>
+        <p:nvSpPr>
+          <p:cNvPr id="24" name="TextBox 23"/>
+          <p:cNvSpPr txBox="1"/>
+          <p:nvPr/>
+        </p:nvSpPr>
+        <p:spPr>
+          <a:xfrm>
+            <a:off x="11300283" y="2173081"/>
+            <a:ext cx="948401" cy="307777"/>
+          </a:xfrm>
+          <a:prstGeom prst="rect">
+            <a:avLst/>
+          </a:prstGeom>
+          <a:noFill/>
+        </p:spPr>
+        <p:txBody>
+          <a:bodyPr wrap="none" rtlCol="0">
+            <a:spAutoFit/>
+          </a:bodyPr>
+          <a:lstStyle/>
+          <a:p>
+            <a:r>
+              <a:rPr lang="en-US" sz="1400" b="1" dirty="0" smtClean="0">
+                <a:solidFill>
+                  <a:srgbClr val="0070C0"/>
+                </a:solidFill>
+              </a:rPr>
+              <a:t>COLUMNS</a:t>
+            </a:r>
+          </a:p>
+        </p:txBody>
+      </p:sp>
+      <p:sp>
+        <p:nvSpPr>
+          <p:cNvPr id="25" name="TextBox 24"/>
+          <p:cNvSpPr txBox="1"/>
+          <p:nvPr/>
+        </p:nvSpPr>
+        <p:spPr>
+          <a:xfrm rot="1405271">
+            <a:off x="8347505" y="2081337"/>
+            <a:ext cx="652743" cy="307777"/>
+          </a:xfrm>
+          <a:prstGeom prst="rect">
+            <a:avLst/>
+          </a:prstGeom>
+          <a:noFill/>
+        </p:spPr>
+        <p:txBody>
+          <a:bodyPr wrap="none" rtlCol="0">
+            <a:spAutoFit/>
+          </a:bodyPr>
+          <a:lstStyle/>
+          <a:p>
+            <a:r>
+              <a:rPr lang="en-US" sz="1400" b="1" dirty="0" smtClean="0">
+                <a:solidFill>
+                  <a:srgbClr val="0070C0"/>
+                </a:solidFill>
+              </a:rPr>
+              <a:t>INDEX</a:t>
+            </a:r>
+          </a:p>
+        </p:txBody>
+      </p:sp>
+      <p:sp>
+        <p:nvSpPr>
+          <p:cNvPr id="26" name="TextBox 25"/>
+          <p:cNvSpPr txBox="1"/>
+          <p:nvPr/>
+        </p:nvSpPr>
+        <p:spPr>
+          <a:xfrm>
+            <a:off x="7428823" y="3325211"/>
+            <a:ext cx="1164101" cy="584775"/>
+          </a:xfrm>
+          <a:prstGeom prst="rect">
+            <a:avLst/>
+          </a:prstGeom>
+          <a:noFill/>
+        </p:spPr>
+        <p:txBody>
+          <a:bodyPr wrap="none" rtlCol="0">
+            <a:spAutoFit/>
+          </a:bodyPr>
+          <a:lstStyle/>
+          <a:p>
+            <a:pPr algn="ctr"/>
+            <a:r>
+              <a:rPr lang="en-US" sz="1600" b="1" dirty="0">
+                <a:solidFill>
+                  <a:schemeClr val="accent6">
+                    <a:lumMod val="75000"/>
+                  </a:schemeClr>
+                </a:solidFill>
+              </a:rPr>
+              <a:t>POS. </a:t>
+            </a:r>
+            <a:r>
+              <a:rPr lang="en-US" sz="1600" b="1" dirty="0" smtClean="0">
+                <a:solidFill>
+                  <a:schemeClr val="accent6">
+                    <a:lumMod val="75000"/>
+                  </a:schemeClr>
+                </a:solidFill>
+              </a:rPr>
+              <a:t>INDEX</a:t>
+            </a:r>
+          </a:p>
+          <a:p>
+            <a:pPr algn="ctr"/>
+            <a:r>
+              <a:rPr lang="en-US" sz="1600" b="1" dirty="0" smtClean="0">
+                <a:solidFill>
+                  <a:schemeClr val="accent6">
+                    <a:lumMod val="75000"/>
+                  </a:schemeClr>
+                </a:solidFill>
+              </a:rPr>
+              <a:t>ON ROWS</a:t>
+            </a:r>
+            <a:endParaRPr lang="en-US" sz="1600" b="1" dirty="0">
+              <a:solidFill>
+                <a:schemeClr val="accent6">
+                  <a:lumMod val="75000"/>
+                </a:schemeClr>
+              </a:solidFill>
+            </a:endParaRPr>
+          </a:p>
+        </p:txBody>
+      </p:sp>
+      <p:sp>
+        <p:nvSpPr>
+          <p:cNvPr id="27" name="TextBox 26"/>
+          <p:cNvSpPr txBox="1"/>
+          <p:nvPr/>
+        </p:nvSpPr>
+        <p:spPr>
+          <a:xfrm>
+            <a:off x="10193942" y="6002766"/>
+            <a:ext cx="909864" cy="369332"/>
+          </a:xfrm>
+          <a:prstGeom prst="rect">
+            <a:avLst/>
+          </a:prstGeom>
+          <a:noFill/>
+        </p:spPr>
+        <p:txBody>
+          <a:bodyPr wrap="none" rtlCol="0">
+            <a:spAutoFit/>
+          </a:bodyPr>
+          <a:lstStyle/>
+          <a:p>
+            <a:r>
+              <a:rPr lang="en-US" b="1" dirty="0" smtClean="0">
+                <a:solidFill>
+                  <a:schemeClr val="accent2">
+                    <a:lumMod val="75000"/>
+                  </a:schemeClr>
+                </a:solidFill>
+              </a:rPr>
+              <a:t>VALUES</a:t>
+            </a:r>
+            <a:endParaRPr lang="en-US" b="1" dirty="0">
+              <a:solidFill>
+                <a:schemeClr val="accent2">
+                  <a:lumMod val="75000"/>
+                </a:schemeClr>
+              </a:solidFill>
+            </a:endParaRPr>
+          </a:p>
+        </p:txBody>
+      </p:sp>
+      <p:sp>
+        <p:nvSpPr>
+          <p:cNvPr id="2" name="Footer Placeholder 1"/>
           <p:cNvSpPr>
             <a:spLocks noGrp="1"/>
           </p:cNvSpPr>
@@ -4597,7 +4787,7 @@
     </p:spTree>
     <p:extLst>
       <p:ext uri="{BB962C8B-B14F-4D97-AF65-F5344CB8AC3E}">
-        <p14:creationId xmlns:p14="http://schemas.microsoft.com/office/powerpoint/2010/main" val="4024098454"/>
+        <p14:creationId xmlns:p14="http://schemas.microsoft.com/office/powerpoint/2010/main" val="2913440826"/>
       </p:ext>
     </p:extLst>
   </p:cSld>
@@ -4633,7 +4823,7 @@
       </p:grpSpPr>
       <p:sp>
         <p:nvSpPr>
-          <p:cNvPr id="2" name="Title 1"/>
+          <p:cNvPr id="14" name="Title 1"/>
           <p:cNvSpPr>
             <a:spLocks noGrp="1"/>
           </p:cNvSpPr>
@@ -4643,17 +4833,205 @@
         </p:nvSpPr>
         <p:spPr>
           <a:xfrm>
-            <a:off x="838200" y="365125"/>
-            <a:ext cx="10515600" cy="715099"/>
-          </a:xfrm>
-        </p:spPr>
-        <p:txBody>
-          <a:bodyPr/>
-          <a:lstStyle/>
-          <a:p>
-            <a:r>
-              <a:rPr lang="en-US" dirty="0" smtClean="0"/>
-              <a:t>Problems</a:t>
+            <a:off x="621748" y="188552"/>
+            <a:ext cx="10515600" cy="723297"/>
+          </a:xfrm>
+        </p:spPr>
+        <p:txBody>
+          <a:bodyPr>
+            <a:normAutofit fontScale="90000"/>
+          </a:bodyPr>
+          <a:lstStyle/>
+          <a:p>
+            <a:r>
+              <a:rPr lang="en-US" sz="5400" b="1" dirty="0" err="1" smtClean="0"/>
+              <a:t>df.loc</a:t>
+            </a:r>
+            <a:r>
+              <a:rPr lang="en-US" sz="5400" b="1" dirty="0" smtClean="0"/>
+              <a:t>[</a:t>
+            </a:r>
+            <a:r>
+              <a:rPr lang="en-US" sz="5400" b="1" dirty="0" err="1" smtClean="0"/>
+              <a:t>x,y</a:t>
+            </a:r>
+            <a:r>
+              <a:rPr lang="en-US" sz="5400" b="1" dirty="0" smtClean="0"/>
+              <a:t>] – one specific value	</a:t>
+            </a:r>
+            <a:endParaRPr lang="en-US" sz="5400" b="1" dirty="0"/>
+          </a:p>
+        </p:txBody>
+      </p:sp>
+      <p:pic>
+        <p:nvPicPr>
+          <p:cNvPr id="17" name="Picture 16"/>
+          <p:cNvPicPr>
+            <a:picLocks noChangeAspect="1"/>
+          </p:cNvPicPr>
+          <p:nvPr/>
+        </p:nvPicPr>
+        <p:blipFill>
+          <a:blip r:embed="rId2"/>
+          <a:stretch>
+            <a:fillRect/>
+          </a:stretch>
+        </p:blipFill>
+        <p:spPr>
+          <a:xfrm>
+            <a:off x="8883228" y="2110038"/>
+            <a:ext cx="2446175" cy="3938286"/>
+          </a:xfrm>
+          <a:prstGeom prst="rect">
+            <a:avLst/>
+          </a:prstGeom>
+        </p:spPr>
+      </p:pic>
+      <p:sp>
+        <p:nvSpPr>
+          <p:cNvPr id="18" name="TextBox 17"/>
+          <p:cNvSpPr txBox="1"/>
+          <p:nvPr/>
+        </p:nvSpPr>
+        <p:spPr>
+          <a:xfrm>
+            <a:off x="8464524" y="2457640"/>
+            <a:ext cx="418704" cy="3652282"/>
+          </a:xfrm>
+          <a:prstGeom prst="rect">
+            <a:avLst/>
+          </a:prstGeom>
+          <a:solidFill>
+            <a:schemeClr val="accent6">
+              <a:lumMod val="20000"/>
+              <a:lumOff val="80000"/>
+            </a:schemeClr>
+          </a:solidFill>
+        </p:spPr>
+        <p:txBody>
+          <a:bodyPr wrap="none" rtlCol="0">
+            <a:spAutoFit/>
+          </a:bodyPr>
+          <a:lstStyle/>
+          <a:p>
+            <a:pPr algn="ctr">
+              <a:spcBef>
+                <a:spcPts val="300"/>
+              </a:spcBef>
+            </a:pPr>
+            <a:r>
+              <a:rPr lang="en-US" dirty="0" smtClean="0"/>
+              <a:t>0</a:t>
+            </a:r>
+          </a:p>
+          <a:p>
+            <a:pPr algn="ctr">
+              <a:spcBef>
+                <a:spcPts val="300"/>
+              </a:spcBef>
+            </a:pPr>
+            <a:r>
+              <a:rPr lang="en-US" dirty="0" smtClean="0"/>
+              <a:t>1</a:t>
+            </a:r>
+          </a:p>
+          <a:p>
+            <a:pPr algn="ctr">
+              <a:spcBef>
+                <a:spcPts val="300"/>
+              </a:spcBef>
+            </a:pPr>
+            <a:r>
+              <a:rPr lang="en-US" dirty="0" smtClean="0"/>
+              <a:t>2</a:t>
+            </a:r>
+          </a:p>
+          <a:p>
+            <a:pPr algn="ctr">
+              <a:spcBef>
+                <a:spcPts val="300"/>
+              </a:spcBef>
+            </a:pPr>
+            <a:r>
+              <a:rPr lang="en-US" dirty="0" smtClean="0"/>
+              <a:t>3</a:t>
+            </a:r>
+          </a:p>
+          <a:p>
+            <a:pPr algn="ctr">
+              <a:spcBef>
+                <a:spcPts val="300"/>
+              </a:spcBef>
+            </a:pPr>
+            <a:r>
+              <a:rPr lang="en-US" dirty="0" smtClean="0"/>
+              <a:t>4</a:t>
+            </a:r>
+          </a:p>
+          <a:p>
+            <a:pPr algn="ctr">
+              <a:spcBef>
+                <a:spcPts val="300"/>
+              </a:spcBef>
+            </a:pPr>
+            <a:r>
+              <a:rPr lang="en-US" dirty="0" smtClean="0"/>
+              <a:t>5</a:t>
+            </a:r>
+          </a:p>
+          <a:p>
+            <a:pPr algn="ctr">
+              <a:spcBef>
+                <a:spcPts val="300"/>
+              </a:spcBef>
+            </a:pPr>
+            <a:r>
+              <a:rPr lang="en-US" dirty="0" smtClean="0"/>
+              <a:t>6</a:t>
+            </a:r>
+          </a:p>
+          <a:p>
+            <a:pPr algn="ctr">
+              <a:spcBef>
+                <a:spcPts val="300"/>
+              </a:spcBef>
+            </a:pPr>
+            <a:r>
+              <a:rPr lang="en-US" dirty="0" smtClean="0"/>
+              <a:t>7</a:t>
+            </a:r>
+          </a:p>
+          <a:p>
+            <a:pPr algn="ctr">
+              <a:spcBef>
+                <a:spcPts val="300"/>
+              </a:spcBef>
+            </a:pPr>
+            <a:r>
+              <a:rPr lang="en-US" dirty="0" smtClean="0"/>
+              <a:t>8</a:t>
+            </a:r>
+          </a:p>
+          <a:p>
+            <a:pPr algn="ctr">
+              <a:spcBef>
+                <a:spcPts val="300"/>
+              </a:spcBef>
+            </a:pPr>
+            <a:r>
+              <a:rPr lang="en-US" dirty="0" smtClean="0"/>
+              <a:t>9</a:t>
+            </a:r>
+          </a:p>
+          <a:p>
+            <a:pPr algn="ctr">
+              <a:spcBef>
+                <a:spcPts val="300"/>
+              </a:spcBef>
+            </a:pPr>
+            <a:r>
+              <a:rPr lang="en-US" dirty="0" smtClean="0"/>
+              <a:t>10</a:t>
             </a:r>
             <a:endParaRPr lang="en-US" dirty="0"/>
           </a:p>
@@ -4661,98 +5039,382 @@
       </p:sp>
       <p:sp>
         <p:nvSpPr>
-          <p:cNvPr id="3" name="Content Placeholder 2"/>
-          <p:cNvSpPr>
-            <a:spLocks noGrp="1"/>
-          </p:cNvSpPr>
-          <p:nvPr>
-            <p:ph idx="1"/>
-          </p:nvPr>
-        </p:nvSpPr>
-        <p:spPr>
-          <a:xfrm>
-            <a:off x="838200" y="1198669"/>
-            <a:ext cx="10515600" cy="4978294"/>
-          </a:xfrm>
-        </p:spPr>
-        <p:txBody>
-          <a:bodyPr/>
-          <a:lstStyle/>
-          <a:p>
-            <a:pPr marL="514350" indent="-514350">
-              <a:buFont typeface="+mj-lt"/>
-              <a:buAutoNum type="arabicPeriod"/>
-            </a:pPr>
-            <a:r>
-              <a:rPr lang="en-US" dirty="0"/>
-              <a:t>Retrieve Shelby's hw1 </a:t>
-            </a:r>
-            <a:r>
-              <a:rPr lang="en-US" dirty="0" smtClean="0"/>
-              <a:t>grade</a:t>
-            </a:r>
-          </a:p>
-          <a:p>
-            <a:pPr marL="514350" indent="-514350">
-              <a:buFont typeface="+mj-lt"/>
-              <a:buAutoNum type="arabicPeriod"/>
-            </a:pPr>
-            <a:r>
-              <a:rPr lang="en-US" dirty="0"/>
-              <a:t>Retrieve Shelby's </a:t>
-            </a:r>
-            <a:r>
-              <a:rPr lang="en-US" dirty="0" smtClean="0"/>
-              <a:t>information</a:t>
-            </a:r>
-          </a:p>
-          <a:p>
-            <a:pPr marL="514350" indent="-514350">
-              <a:buFont typeface="+mj-lt"/>
-              <a:buAutoNum type="arabicPeriod"/>
-            </a:pPr>
-            <a:r>
-              <a:rPr lang="en-US" dirty="0"/>
-              <a:t>Who obtained the highest grade in hw2</a:t>
-            </a:r>
-            <a:r>
-              <a:rPr lang="en-US" dirty="0" smtClean="0"/>
-              <a:t>? Note that there are ties</a:t>
-            </a:r>
-          </a:p>
-          <a:p>
-            <a:pPr marL="514350" indent="-514350">
-              <a:buFont typeface="+mj-lt"/>
-              <a:buAutoNum type="arabicPeriod"/>
-            </a:pPr>
-            <a:r>
-              <a:rPr lang="en-US" dirty="0" smtClean="0"/>
-              <a:t>Find </a:t>
-            </a:r>
-            <a:r>
-              <a:rPr lang="en-US" dirty="0"/>
-              <a:t>those students who obtained the same score in hw1 and in hw2</a:t>
-            </a:r>
-            <a:r>
-              <a:rPr lang="en-US" dirty="0" smtClean="0"/>
-              <a:t>.</a:t>
-            </a:r>
-          </a:p>
-          <a:p>
-            <a:pPr marL="514350" indent="-514350">
-              <a:buFont typeface="+mj-lt"/>
-              <a:buAutoNum type="arabicPeriod"/>
-            </a:pPr>
-            <a:r>
-              <a:rPr lang="en-US" dirty="0"/>
-              <a:t>Find the average hw1 score of those students who got a hw2 score greater than 5.</a:t>
-            </a:r>
-          </a:p>
-        </p:txBody>
-      </p:sp>
-      <p:sp>
-        <p:nvSpPr>
-          <p:cNvPr id="4" name="Footer Placeholder 3"/>
+          <p:cNvPr id="19" name="Rectangle 18"/>
+          <p:cNvSpPr/>
+          <p:nvPr/>
+        </p:nvSpPr>
+        <p:spPr>
+          <a:xfrm>
+            <a:off x="8912845" y="2466863"/>
+            <a:ext cx="835083" cy="3521503"/>
+          </a:xfrm>
+          <a:prstGeom prst="rect">
+            <a:avLst/>
+          </a:prstGeom>
+          <a:solidFill>
+            <a:schemeClr val="accent1">
+              <a:alpha val="33000"/>
+            </a:schemeClr>
+          </a:solidFill>
+        </p:spPr>
+        <p:style>
+          <a:lnRef idx="2">
+            <a:schemeClr val="accent1">
+              <a:shade val="50000"/>
+            </a:schemeClr>
+          </a:lnRef>
+          <a:fillRef idx="1">
+            <a:schemeClr val="accent1"/>
+          </a:fillRef>
+          <a:effectRef idx="0">
+            <a:schemeClr val="accent1"/>
+          </a:effectRef>
+          <a:fontRef idx="minor">
+            <a:schemeClr val="lt1"/>
+          </a:fontRef>
+        </p:style>
+        <p:txBody>
+          <a:bodyPr rtlCol="0" anchor="ctr"/>
+          <a:lstStyle/>
+          <a:p>
+            <a:pPr algn="ctr"/>
+            <a:endParaRPr lang="en-US"/>
+          </a:p>
+        </p:txBody>
+      </p:sp>
+      <p:sp>
+        <p:nvSpPr>
+          <p:cNvPr id="21" name="TextBox 20"/>
+          <p:cNvSpPr txBox="1"/>
+          <p:nvPr/>
+        </p:nvSpPr>
+        <p:spPr>
+          <a:xfrm>
+            <a:off x="9753896" y="1734453"/>
+            <a:ext cx="1540806" cy="369332"/>
+          </a:xfrm>
+          <a:prstGeom prst="rect">
+            <a:avLst/>
+          </a:prstGeom>
+          <a:solidFill>
+            <a:schemeClr val="accent6">
+              <a:lumMod val="20000"/>
+              <a:lumOff val="80000"/>
+            </a:schemeClr>
+          </a:solidFill>
+        </p:spPr>
+        <p:txBody>
+          <a:bodyPr wrap="none" rtlCol="0">
+            <a:spAutoFit/>
+          </a:bodyPr>
+          <a:lstStyle/>
+          <a:p>
+            <a:pPr>
+              <a:spcBef>
+                <a:spcPts val="300"/>
+              </a:spcBef>
+            </a:pPr>
+            <a:r>
+              <a:rPr lang="en-US" dirty="0" smtClean="0"/>
+              <a:t>0      1       2      </a:t>
+            </a:r>
+            <a:endParaRPr lang="en-US" dirty="0"/>
+          </a:p>
+        </p:txBody>
+      </p:sp>
+      <p:sp>
+        <p:nvSpPr>
+          <p:cNvPr id="22" name="Rectangle 21"/>
+          <p:cNvSpPr/>
+          <p:nvPr/>
+        </p:nvSpPr>
+        <p:spPr>
+          <a:xfrm>
+            <a:off x="9747928" y="2119535"/>
+            <a:ext cx="1552355" cy="338105"/>
+          </a:xfrm>
+          <a:prstGeom prst="rect">
+            <a:avLst/>
+          </a:prstGeom>
+          <a:solidFill>
+            <a:schemeClr val="accent1">
+              <a:alpha val="33000"/>
+            </a:schemeClr>
+          </a:solidFill>
+        </p:spPr>
+        <p:style>
+          <a:lnRef idx="2">
+            <a:schemeClr val="accent1">
+              <a:shade val="50000"/>
+            </a:schemeClr>
+          </a:lnRef>
+          <a:fillRef idx="1">
+            <a:schemeClr val="accent1"/>
+          </a:fillRef>
+          <a:effectRef idx="0">
+            <a:schemeClr val="accent1"/>
+          </a:effectRef>
+          <a:fontRef idx="minor">
+            <a:schemeClr val="lt1"/>
+          </a:fontRef>
+        </p:style>
+        <p:txBody>
+          <a:bodyPr rtlCol="0" anchor="ctr"/>
+          <a:lstStyle/>
+          <a:p>
+            <a:pPr algn="ctr"/>
+            <a:endParaRPr lang="en-US"/>
+          </a:p>
+        </p:txBody>
+      </p:sp>
+      <p:sp>
+        <p:nvSpPr>
+          <p:cNvPr id="23" name="TextBox 22"/>
+          <p:cNvSpPr txBox="1"/>
+          <p:nvPr/>
+        </p:nvSpPr>
+        <p:spPr>
+          <a:xfrm>
+            <a:off x="9576351" y="1088122"/>
+            <a:ext cx="1805301" cy="584775"/>
+          </a:xfrm>
+          <a:prstGeom prst="rect">
+            <a:avLst/>
+          </a:prstGeom>
+          <a:noFill/>
+        </p:spPr>
+        <p:txBody>
+          <a:bodyPr wrap="none" rtlCol="0">
+            <a:spAutoFit/>
+          </a:bodyPr>
+          <a:lstStyle/>
+          <a:p>
+            <a:pPr algn="ctr"/>
+            <a:r>
+              <a:rPr lang="en-US" sz="1600" b="1" dirty="0">
+                <a:solidFill>
+                  <a:schemeClr val="accent6">
+                    <a:lumMod val="75000"/>
+                  </a:schemeClr>
+                </a:solidFill>
+              </a:rPr>
+              <a:t>POSITIONAL INDEX</a:t>
+            </a:r>
+            <a:endParaRPr lang="en-US" sz="1600" b="1" dirty="0" smtClean="0">
+              <a:solidFill>
+                <a:schemeClr val="accent6">
+                  <a:lumMod val="75000"/>
+                </a:schemeClr>
+              </a:solidFill>
+            </a:endParaRPr>
+          </a:p>
+          <a:p>
+            <a:pPr algn="ctr"/>
+            <a:r>
+              <a:rPr lang="en-US" sz="1600" b="1" dirty="0" smtClean="0">
+                <a:solidFill>
+                  <a:schemeClr val="accent6">
+                    <a:lumMod val="75000"/>
+                  </a:schemeClr>
+                </a:solidFill>
+              </a:rPr>
+              <a:t>ON THE COLUMNS</a:t>
+            </a:r>
+            <a:endParaRPr lang="en-US" sz="1600" b="1" dirty="0">
+              <a:solidFill>
+                <a:schemeClr val="accent6">
+                  <a:lumMod val="75000"/>
+                </a:schemeClr>
+              </a:solidFill>
+            </a:endParaRPr>
+          </a:p>
+        </p:txBody>
+      </p:sp>
+      <p:sp>
+        <p:nvSpPr>
+          <p:cNvPr id="24" name="TextBox 23"/>
+          <p:cNvSpPr txBox="1"/>
+          <p:nvPr/>
+        </p:nvSpPr>
+        <p:spPr>
+          <a:xfrm>
+            <a:off x="11300283" y="2173081"/>
+            <a:ext cx="948401" cy="307777"/>
+          </a:xfrm>
+          <a:prstGeom prst="rect">
+            <a:avLst/>
+          </a:prstGeom>
+          <a:noFill/>
+        </p:spPr>
+        <p:txBody>
+          <a:bodyPr wrap="none" rtlCol="0">
+            <a:spAutoFit/>
+          </a:bodyPr>
+          <a:lstStyle/>
+          <a:p>
+            <a:r>
+              <a:rPr lang="en-US" sz="1400" b="1" dirty="0" smtClean="0">
+                <a:solidFill>
+                  <a:srgbClr val="0070C0"/>
+                </a:solidFill>
+              </a:rPr>
+              <a:t>COLUMNS</a:t>
+            </a:r>
+          </a:p>
+        </p:txBody>
+      </p:sp>
+      <p:sp>
+        <p:nvSpPr>
+          <p:cNvPr id="25" name="TextBox 24"/>
+          <p:cNvSpPr txBox="1"/>
+          <p:nvPr/>
+        </p:nvSpPr>
+        <p:spPr>
+          <a:xfrm rot="1405271">
+            <a:off x="8347505" y="2081337"/>
+            <a:ext cx="652743" cy="307777"/>
+          </a:xfrm>
+          <a:prstGeom prst="rect">
+            <a:avLst/>
+          </a:prstGeom>
+          <a:noFill/>
+        </p:spPr>
+        <p:txBody>
+          <a:bodyPr wrap="none" rtlCol="0">
+            <a:spAutoFit/>
+          </a:bodyPr>
+          <a:lstStyle/>
+          <a:p>
+            <a:r>
+              <a:rPr lang="en-US" sz="1400" b="1" dirty="0" smtClean="0">
+                <a:solidFill>
+                  <a:srgbClr val="0070C0"/>
+                </a:solidFill>
+              </a:rPr>
+              <a:t>INDEX</a:t>
+            </a:r>
+          </a:p>
+        </p:txBody>
+      </p:sp>
+      <p:sp>
+        <p:nvSpPr>
+          <p:cNvPr id="26" name="TextBox 25"/>
+          <p:cNvSpPr txBox="1"/>
+          <p:nvPr/>
+        </p:nvSpPr>
+        <p:spPr>
+          <a:xfrm>
+            <a:off x="7428823" y="3325211"/>
+            <a:ext cx="1164101" cy="584775"/>
+          </a:xfrm>
+          <a:prstGeom prst="rect">
+            <a:avLst/>
+          </a:prstGeom>
+          <a:noFill/>
+        </p:spPr>
+        <p:txBody>
+          <a:bodyPr wrap="none" rtlCol="0">
+            <a:spAutoFit/>
+          </a:bodyPr>
+          <a:lstStyle/>
+          <a:p>
+            <a:pPr algn="ctr"/>
+            <a:r>
+              <a:rPr lang="en-US" sz="1600" b="1" dirty="0">
+                <a:solidFill>
+                  <a:schemeClr val="accent6">
+                    <a:lumMod val="75000"/>
+                  </a:schemeClr>
+                </a:solidFill>
+              </a:rPr>
+              <a:t>POS. </a:t>
+            </a:r>
+            <a:r>
+              <a:rPr lang="en-US" sz="1600" b="1" dirty="0" smtClean="0">
+                <a:solidFill>
+                  <a:schemeClr val="accent6">
+                    <a:lumMod val="75000"/>
+                  </a:schemeClr>
+                </a:solidFill>
+              </a:rPr>
+              <a:t>INDEX</a:t>
+            </a:r>
+          </a:p>
+          <a:p>
+            <a:pPr algn="ctr"/>
+            <a:r>
+              <a:rPr lang="en-US" sz="1600" b="1" dirty="0" smtClean="0">
+                <a:solidFill>
+                  <a:schemeClr val="accent6">
+                    <a:lumMod val="75000"/>
+                  </a:schemeClr>
+                </a:solidFill>
+              </a:rPr>
+              <a:t>ON ROWS</a:t>
+            </a:r>
+            <a:endParaRPr lang="en-US" sz="1600" b="1" dirty="0">
+              <a:solidFill>
+                <a:schemeClr val="accent6">
+                  <a:lumMod val="75000"/>
+                </a:schemeClr>
+              </a:solidFill>
+            </a:endParaRPr>
+          </a:p>
+        </p:txBody>
+      </p:sp>
+      <p:sp>
+        <p:nvSpPr>
+          <p:cNvPr id="4" name="Oval 3"/>
+          <p:cNvSpPr/>
+          <p:nvPr/>
+        </p:nvSpPr>
+        <p:spPr>
+          <a:xfrm>
+            <a:off x="10074300" y="3051446"/>
+            <a:ext cx="513484" cy="463579"/>
+          </a:xfrm>
+          <a:prstGeom prst="ellipse">
+            <a:avLst/>
+          </a:prstGeom>
+          <a:solidFill>
+            <a:srgbClr val="FF0000">
+              <a:alpha val="35000"/>
+            </a:srgbClr>
+          </a:solidFill>
+          <a:ln>
+            <a:solidFill>
+              <a:srgbClr val="C00000"/>
+            </a:solidFill>
+          </a:ln>
+        </p:spPr>
+        <p:style>
+          <a:lnRef idx="2">
+            <a:schemeClr val="accent1">
+              <a:shade val="50000"/>
+            </a:schemeClr>
+          </a:lnRef>
+          <a:fillRef idx="1">
+            <a:schemeClr val="accent1"/>
+          </a:fillRef>
+          <a:effectRef idx="0">
+            <a:schemeClr val="accent1"/>
+          </a:effectRef>
+          <a:fontRef idx="minor">
+            <a:schemeClr val="lt1"/>
+          </a:fontRef>
+        </p:style>
+        <p:txBody>
+          <a:bodyPr rtlCol="0" anchor="ctr"/>
+          <a:lstStyle/>
+          <a:p>
+            <a:pPr algn="ctr"/>
+            <a:endParaRPr lang="en-US"/>
+          </a:p>
+        </p:txBody>
+      </p:sp>
+      <p:sp>
+        <p:nvSpPr>
+          <p:cNvPr id="5" name="Footer Placeholder 4"/>
           <p:cNvSpPr>
             <a:spLocks noGrp="1"/>
           </p:cNvSpPr>
@@ -4773,10 +5435,34 @@
           </a:p>
         </p:txBody>
       </p:sp>
+      <p:pic>
+        <p:nvPicPr>
+          <p:cNvPr id="6" name="Picture 5"/>
+          <p:cNvPicPr>
+            <a:picLocks noChangeAspect="1"/>
+          </p:cNvPicPr>
+          <p:nvPr/>
+        </p:nvPicPr>
+        <p:blipFill>
+          <a:blip r:embed="rId3"/>
+          <a:stretch>
+            <a:fillRect/>
+          </a:stretch>
+        </p:blipFill>
+        <p:spPr>
+          <a:xfrm>
+            <a:off x="1322247" y="2540738"/>
+            <a:ext cx="3771900" cy="1181100"/>
+          </a:xfrm>
+          <a:prstGeom prst="rect">
+            <a:avLst/>
+          </a:prstGeom>
+        </p:spPr>
+      </p:pic>
     </p:spTree>
     <p:extLst>
       <p:ext uri="{BB962C8B-B14F-4D97-AF65-F5344CB8AC3E}">
-        <p14:creationId xmlns:p14="http://schemas.microsoft.com/office/powerpoint/2010/main" val="2110405293"/>
+        <p14:creationId xmlns:p14="http://schemas.microsoft.com/office/powerpoint/2010/main" val="1873557377"/>
       </p:ext>
     </p:extLst>
   </p:cSld>
@@ -4810,35 +5496,6 @@
           <a:chExt cx="0" cy="0"/>
         </a:xfrm>
       </p:grpSpPr>
-      <p:pic>
-        <p:nvPicPr>
-          <p:cNvPr id="7" name="Picture 6"/>
-          <p:cNvPicPr>
-            <a:picLocks noChangeAspect="1"/>
-          </p:cNvPicPr>
-          <p:nvPr/>
-        </p:nvPicPr>
-        <p:blipFill>
-          <a:blip r:embed="rId3"/>
-          <a:stretch>
-            <a:fillRect/>
-          </a:stretch>
-        </p:blipFill>
-        <p:spPr>
-          <a:xfrm>
-            <a:off x="3691665" y="2338653"/>
-            <a:ext cx="4326867" cy="3890256"/>
-          </a:xfrm>
-          <a:prstGeom prst="rect">
-            <a:avLst/>
-          </a:prstGeom>
-          <a:ln>
-            <a:solidFill>
-              <a:srgbClr val="C00000"/>
-            </a:solidFill>
-          </a:ln>
-        </p:spPr>
-      </p:pic>
       <p:sp>
         <p:nvSpPr>
           <p:cNvPr id="14" name="Title 1"/>
@@ -4863,7 +5520,19 @@
           <a:p>
             <a:r>
               <a:rPr lang="en-US" sz="5400" b="1" dirty="0" err="1" smtClean="0"/>
-              <a:t>sort_values</a:t>
+              <a:t>df.loc</a:t>
+            </a:r>
+            <a:r>
+              <a:rPr lang="en-US" sz="5400" b="1" dirty="0" smtClean="0"/>
+              <a:t>[</a:t>
+            </a:r>
+            <a:r>
+              <a:rPr lang="en-US" sz="5400" b="1" dirty="0" err="1" smtClean="0"/>
+              <a:t>x,y</a:t>
+            </a:r>
+            <a:r>
+              <a:rPr lang="en-US" sz="5400" b="1" dirty="0" smtClean="0"/>
+              <a:t>] – one row</a:t>
             </a:r>
             <a:endParaRPr lang="en-US" sz="5400" b="1" dirty="0"/>
           </a:p>
@@ -4878,7 +5547,7 @@
           <p:nvPr/>
         </p:nvPicPr>
         <p:blipFill>
-          <a:blip r:embed="rId4"/>
+          <a:blip r:embed="rId2"/>
           <a:stretch>
             <a:fillRect/>
           </a:stretch>
@@ -5370,14 +6039,92 @@
       </p:sp>
       <p:sp>
         <p:nvSpPr>
-          <p:cNvPr id="16" name="TextBox 15"/>
+          <p:cNvPr id="4" name="Oval 3"/>
+          <p:cNvSpPr/>
+          <p:nvPr/>
+        </p:nvSpPr>
+        <p:spPr>
+          <a:xfrm>
+            <a:off x="8390686" y="3051446"/>
+            <a:ext cx="3003780" cy="463579"/>
+          </a:xfrm>
+          <a:prstGeom prst="ellipse">
+            <a:avLst/>
+          </a:prstGeom>
+          <a:solidFill>
+            <a:srgbClr val="FF0000">
+              <a:alpha val="35000"/>
+            </a:srgbClr>
+          </a:solidFill>
+          <a:ln>
+            <a:solidFill>
+              <a:srgbClr val="C00000"/>
+            </a:solidFill>
+          </a:ln>
+        </p:spPr>
+        <p:style>
+          <a:lnRef idx="2">
+            <a:schemeClr val="accent1">
+              <a:shade val="50000"/>
+            </a:schemeClr>
+          </a:lnRef>
+          <a:fillRef idx="1">
+            <a:schemeClr val="accent1"/>
+          </a:fillRef>
+          <a:effectRef idx="0">
+            <a:schemeClr val="accent1"/>
+          </a:effectRef>
+          <a:fontRef idx="minor">
+            <a:schemeClr val="lt1"/>
+          </a:fontRef>
+        </p:style>
+        <p:txBody>
+          <a:bodyPr rtlCol="0" anchor="ctr"/>
+          <a:lstStyle/>
+          <a:p>
+            <a:pPr algn="ctr"/>
+            <a:endParaRPr lang="en-US"/>
+          </a:p>
+        </p:txBody>
+      </p:sp>
+      <p:pic>
+        <p:nvPicPr>
+          <p:cNvPr id="20" name="Picture 19"/>
+          <p:cNvPicPr>
+            <a:picLocks noChangeAspect="1"/>
+          </p:cNvPicPr>
+          <p:nvPr/>
+        </p:nvPicPr>
+        <p:blipFill rotWithShape="1">
+          <a:blip r:embed="rId3"/>
+          <a:srcRect t="36846"/>
+          <a:stretch/>
+        </p:blipFill>
+        <p:spPr>
+          <a:xfrm>
+            <a:off x="549461" y="4499995"/>
+            <a:ext cx="3656832" cy="1109346"/>
+          </a:xfrm>
+          <a:prstGeom prst="rect">
+            <a:avLst/>
+          </a:prstGeom>
+          <a:ln>
+            <a:solidFill>
+              <a:srgbClr val="C00000"/>
+            </a:solidFill>
+          </a:ln>
+        </p:spPr>
+      </p:pic>
+      <p:sp>
+        <p:nvSpPr>
+          <p:cNvPr id="8" name="TextBox 7"/>
           <p:cNvSpPr txBox="1"/>
           <p:nvPr/>
         </p:nvSpPr>
         <p:spPr>
           <a:xfrm>
-            <a:off x="367714" y="1207246"/>
-            <a:ext cx="7079228" cy="369332"/>
+            <a:off x="549461" y="4050730"/>
+            <a:ext cx="2883676" cy="369332"/>
           </a:xfrm>
           <a:prstGeom prst="rect">
             <a:avLst/>
@@ -5391,17 +6138,123 @@
           <a:lstStyle/>
           <a:p>
             <a:r>
-              <a:rPr lang="en-US" dirty="0" smtClean="0">
-                <a:solidFill>
-                  <a:srgbClr val="000000"/>
-                </a:solidFill>
-                <a:latin typeface="Helvetica Neue"/>
-              </a:rPr>
-              <a:t>Sort the rows based on the value of a column</a:t>
-            </a:r>
-          </a:p>
-        </p:txBody>
-      </p:sp>
+              <a:rPr lang="en-US" dirty="0" smtClean="0"/>
+              <a:t>RESULT:</a:t>
+            </a:r>
+            <a:endParaRPr lang="en-US" dirty="0"/>
+          </a:p>
+        </p:txBody>
+      </p:sp>
+      <p:cxnSp>
+        <p:nvCxnSpPr>
+          <p:cNvPr id="10" name="Straight Arrow Connector 9"/>
+          <p:cNvCxnSpPr/>
+          <p:nvPr/>
+        </p:nvCxnSpPr>
+        <p:spPr>
+          <a:xfrm flipH="1" flipV="1">
+            <a:off x="4420390" y="5064734"/>
+            <a:ext cx="1141815" cy="14213"/>
+          </a:xfrm>
+          <a:prstGeom prst="straightConnector1">
+            <a:avLst/>
+          </a:prstGeom>
+          <a:ln>
+            <a:tailEnd type="triangle"/>
+          </a:ln>
+        </p:spPr>
+        <p:style>
+          <a:lnRef idx="1">
+            <a:schemeClr val="accent1"/>
+          </a:lnRef>
+          <a:fillRef idx="0">
+            <a:schemeClr val="accent1"/>
+          </a:fillRef>
+          <a:effectRef idx="0">
+            <a:schemeClr val="accent1"/>
+          </a:effectRef>
+          <a:fontRef idx="minor">
+            <a:schemeClr val="tx1"/>
+          </a:fontRef>
+        </p:style>
+      </p:cxnSp>
+      <p:sp>
+        <p:nvSpPr>
+          <p:cNvPr id="11" name="TextBox 10"/>
+          <p:cNvSpPr txBox="1"/>
+          <p:nvPr/>
+        </p:nvSpPr>
+        <p:spPr>
+          <a:xfrm>
+            <a:off x="5713503" y="4823105"/>
+            <a:ext cx="1005403" cy="369332"/>
+          </a:xfrm>
+          <a:prstGeom prst="rect">
+            <a:avLst/>
+          </a:prstGeom>
+          <a:noFill/>
+        </p:spPr>
+        <p:txBody>
+          <a:bodyPr wrap="none" rtlCol="0">
+            <a:spAutoFit/>
+          </a:bodyPr>
+          <a:lstStyle/>
+          <a:p>
+            <a:r>
+              <a:rPr lang="en-US" dirty="0" smtClean="0"/>
+              <a:t>A Series!</a:t>
+            </a:r>
+            <a:endParaRPr lang="en-US" dirty="0"/>
+          </a:p>
+        </p:txBody>
+      </p:sp>
+      <p:sp>
+        <p:nvSpPr>
+          <p:cNvPr id="2" name="Footer Placeholder 1"/>
+          <p:cNvSpPr>
+            <a:spLocks noGrp="1"/>
+          </p:cNvSpPr>
+          <p:nvPr>
+            <p:ph type="ftr" sz="quarter" idx="11"/>
+          </p:nvPr>
+        </p:nvSpPr>
+        <p:spPr/>
+        <p:txBody>
+          <a:bodyPr/>
+          <a:lstStyle/>
+          <a:p>
+            <a:r>
+              <a:rPr lang="en-US" smtClean="0"/>
+              <a:t>Michele Samorani - Data Science Analysis with Python</a:t>
+            </a:r>
+            <a:endParaRPr lang="en-US"/>
+          </a:p>
+        </p:txBody>
+      </p:sp>
+      <p:pic>
+        <p:nvPicPr>
+          <p:cNvPr id="5" name="Picture 4"/>
+          <p:cNvPicPr>
+            <a:picLocks noChangeAspect="1"/>
+          </p:cNvPicPr>
+          <p:nvPr/>
+        </p:nvPicPr>
+        <p:blipFill>
+          <a:blip r:embed="rId4"/>
+          <a:stretch>
+            <a:fillRect/>
+          </a:stretch>
+        </p:blipFill>
+        <p:spPr>
+          <a:xfrm>
+            <a:off x="549461" y="1266852"/>
+            <a:ext cx="3095625" cy="809625"/>
+          </a:xfrm>
+          <a:prstGeom prst="rect">
+            <a:avLst/>
+          </a:prstGeom>
+        </p:spPr>
+      </p:pic>
       <p:pic>
         <p:nvPicPr>
           <p:cNvPr id="6" name="Picture 5"/>
@@ -5418,46 +6271,18 @@
         </p:blipFill>
         <p:spPr>
           <a:xfrm>
-            <a:off x="367714" y="2289980"/>
-            <a:ext cx="3124284" cy="3875268"/>
-          </a:xfrm>
-          <a:prstGeom prst="rect">
-            <a:avLst/>
-          </a:prstGeom>
-          <a:ln>
-            <a:solidFill>
-              <a:srgbClr val="C00000"/>
-            </a:solidFill>
-          </a:ln>
+            <a:off x="504825" y="2207241"/>
+            <a:ext cx="2819400" cy="781050"/>
+          </a:xfrm>
+          <a:prstGeom prst="rect">
+            <a:avLst/>
+          </a:prstGeom>
         </p:spPr>
       </p:pic>
-      <p:sp>
-        <p:nvSpPr>
-          <p:cNvPr id="2" name="Footer Placeholder 1"/>
-          <p:cNvSpPr>
-            <a:spLocks noGrp="1"/>
-          </p:cNvSpPr>
-          <p:nvPr>
-            <p:ph type="ftr" sz="quarter" idx="11"/>
-          </p:nvPr>
-        </p:nvSpPr>
-        <p:spPr/>
-        <p:txBody>
-          <a:bodyPr/>
-          <a:lstStyle/>
-          <a:p>
-            <a:r>
-              <a:rPr lang="en-US" smtClean="0"/>
-              <a:t>Michele Samorani - Data Science Analysis with Python</a:t>
-            </a:r>
-            <a:endParaRPr lang="en-US"/>
-          </a:p>
-        </p:txBody>
-      </p:sp>
     </p:spTree>
     <p:extLst>
       <p:ext uri="{BB962C8B-B14F-4D97-AF65-F5344CB8AC3E}">
-        <p14:creationId xmlns:p14="http://schemas.microsoft.com/office/powerpoint/2010/main" val="3045591779"/>
+        <p14:creationId xmlns:p14="http://schemas.microsoft.com/office/powerpoint/2010/main" val="2699643584"/>
       </p:ext>
     </p:extLst>
   </p:cSld>
@@ -5515,7 +6340,19 @@
           <a:p>
             <a:r>
               <a:rPr lang="en-US" sz="5400" b="1" dirty="0" err="1" smtClean="0"/>
-              <a:t>sort_index</a:t>
+              <a:t>df.loc</a:t>
+            </a:r>
+            <a:r>
+              <a:rPr lang="en-US" sz="5400" b="1" dirty="0" smtClean="0"/>
+              <a:t>[</a:t>
+            </a:r>
+            <a:r>
+              <a:rPr lang="en-US" sz="5400" b="1" dirty="0" err="1" smtClean="0"/>
+              <a:t>x,y</a:t>
+            </a:r>
+            <a:r>
+              <a:rPr lang="en-US" sz="5400" b="1" dirty="0" smtClean="0"/>
+              <a:t>] – one column</a:t>
             </a:r>
             <a:endParaRPr lang="en-US" sz="5400" b="1" dirty="0"/>
           </a:p>
@@ -5530,7 +6367,7 @@
           <p:nvPr/>
         </p:nvPicPr>
         <p:blipFill>
-          <a:blip r:embed="rId3"/>
+          <a:blip r:embed="rId2"/>
           <a:stretch>
             <a:fillRect/>
           </a:stretch>
@@ -6022,14 +6859,64 @@
       </p:sp>
       <p:sp>
         <p:nvSpPr>
-          <p:cNvPr id="16" name="TextBox 15"/>
+          <p:cNvPr id="4" name="Oval 3"/>
+          <p:cNvSpPr/>
+          <p:nvPr/>
+        </p:nvSpPr>
+        <p:spPr>
+          <a:xfrm>
+            <a:off x="9664190" y="1749924"/>
+            <a:ext cx="573277" cy="4320124"/>
+          </a:xfrm>
+          <a:prstGeom prst="ellipse">
+            <a:avLst/>
+          </a:prstGeom>
+          <a:solidFill>
+            <a:srgbClr val="FF0000">
+              <a:alpha val="35000"/>
+            </a:srgbClr>
+          </a:solidFill>
+          <a:ln>
+            <a:solidFill>
+              <a:srgbClr val="C00000"/>
+            </a:solidFill>
+          </a:ln>
+        </p:spPr>
+        <p:style>
+          <a:lnRef idx="2">
+            <a:schemeClr val="accent1">
+              <a:shade val="50000"/>
+            </a:schemeClr>
+          </a:lnRef>
+          <a:fillRef idx="1">
+            <a:schemeClr val="accent1"/>
+          </a:fillRef>
+          <a:effectRef idx="0">
+            <a:schemeClr val="accent1"/>
+          </a:effectRef>
+          <a:fontRef idx="minor">
+            <a:schemeClr val="lt1"/>
+          </a:fontRef>
+        </p:style>
+        <p:txBody>
+          <a:bodyPr rtlCol="0" anchor="ctr"/>
+          <a:lstStyle/>
+          <a:p>
+            <a:pPr algn="ctr"/>
+            <a:endParaRPr lang="en-US"/>
+          </a:p>
+        </p:txBody>
+      </p:sp>
+      <p:sp>
+        <p:nvSpPr>
+          <p:cNvPr id="8" name="TextBox 7"/>
           <p:cNvSpPr txBox="1"/>
           <p:nvPr/>
         </p:nvSpPr>
         <p:spPr>
           <a:xfrm>
-            <a:off x="457821" y="1114902"/>
-            <a:ext cx="7079228" cy="369332"/>
+            <a:off x="4413907" y="2823695"/>
+            <a:ext cx="2883676" cy="369332"/>
           </a:xfrm>
           <a:prstGeom prst="rect">
             <a:avLst/>
@@ -6043,20 +6930,132 @@
           <a:lstStyle/>
           <a:p>
             <a:r>
-              <a:rPr lang="en-US" dirty="0" smtClean="0">
-                <a:solidFill>
-                  <a:srgbClr val="000000"/>
-                </a:solidFill>
-                <a:latin typeface="Helvetica Neue"/>
-              </a:rPr>
-              <a:t>Sort by the index labels</a:t>
-            </a:r>
+              <a:rPr lang="en-US" dirty="0" smtClean="0"/>
+              <a:t>RESULT:</a:t>
+            </a:r>
+            <a:endParaRPr lang="en-US" dirty="0"/>
+          </a:p>
+        </p:txBody>
+      </p:sp>
+      <p:sp>
+        <p:nvSpPr>
+          <p:cNvPr id="6" name="Right Brace 5"/>
+          <p:cNvSpPr/>
+          <p:nvPr/>
+        </p:nvSpPr>
+        <p:spPr>
+          <a:xfrm>
+            <a:off x="2296038" y="3316042"/>
+            <a:ext cx="193999" cy="1592775"/>
+          </a:xfrm>
+          <a:prstGeom prst="rightBrace">
+            <a:avLst/>
+          </a:prstGeom>
+          <a:ln w="28575"/>
+        </p:spPr>
+        <p:style>
+          <a:lnRef idx="1">
+            <a:schemeClr val="accent1"/>
+          </a:lnRef>
+          <a:fillRef idx="0">
+            <a:schemeClr val="accent1"/>
+          </a:fillRef>
+          <a:effectRef idx="0">
+            <a:schemeClr val="accent1"/>
+          </a:effectRef>
+          <a:fontRef idx="minor">
+            <a:schemeClr val="tx1"/>
+          </a:fontRef>
+        </p:style>
+        <p:txBody>
+          <a:bodyPr rtlCol="0" anchor="ctr"/>
+          <a:lstStyle/>
+          <a:p>
+            <a:pPr algn="ctr"/>
+            <a:endParaRPr lang="en-US" dirty="0"/>
+          </a:p>
+        </p:txBody>
+      </p:sp>
+      <p:sp>
+        <p:nvSpPr>
+          <p:cNvPr id="7" name="TextBox 6"/>
+          <p:cNvSpPr txBox="1"/>
+          <p:nvPr/>
+        </p:nvSpPr>
+        <p:spPr>
+          <a:xfrm>
+            <a:off x="2317648" y="4126343"/>
+            <a:ext cx="1768818" cy="369332"/>
+          </a:xfrm>
+          <a:prstGeom prst="rect">
+            <a:avLst/>
+          </a:prstGeom>
+          <a:noFill/>
+        </p:spPr>
+        <p:txBody>
+          <a:bodyPr wrap="none" rtlCol="0">
+            <a:spAutoFit/>
+          </a:bodyPr>
+          <a:lstStyle/>
+          <a:p>
+            <a:r>
+              <a:rPr lang="en-US" b="1" dirty="0" smtClean="0"/>
+              <a:t>COOL NOTATION</a:t>
+            </a:r>
+            <a:endParaRPr lang="en-US" b="1" dirty="0"/>
+          </a:p>
+        </p:txBody>
+      </p:sp>
+      <p:sp>
+        <p:nvSpPr>
+          <p:cNvPr id="10" name="Footer Placeholder 9"/>
+          <p:cNvSpPr>
+            <a:spLocks noGrp="1"/>
+          </p:cNvSpPr>
+          <p:nvPr>
+            <p:ph type="ftr" sz="quarter" idx="11"/>
+          </p:nvPr>
+        </p:nvSpPr>
+        <p:spPr/>
+        <p:txBody>
+          <a:bodyPr/>
+          <a:lstStyle/>
+          <a:p>
+            <a:r>
+              <a:rPr lang="en-US" smtClean="0"/>
+              <a:t>Michele Samorani - Data Science Analysis with Python</a:t>
+            </a:r>
+            <a:endParaRPr lang="en-US"/>
           </a:p>
         </p:txBody>
       </p:sp>
       <p:pic>
         <p:nvPicPr>
-          <p:cNvPr id="4" name="Picture 3"/>
+          <p:cNvPr id="11" name="Picture 10"/>
+          <p:cNvPicPr>
+            <a:picLocks noChangeAspect="1"/>
+          </p:cNvPicPr>
+          <p:nvPr/>
+        </p:nvPicPr>
+        <p:blipFill>
+          <a:blip r:embed="rId3"/>
+          <a:stretch>
+            <a:fillRect/>
+          </a:stretch>
+        </p:blipFill>
+        <p:spPr>
+          <a:xfrm>
+            <a:off x="353760" y="2053726"/>
+            <a:ext cx="2466975" cy="904875"/>
+          </a:xfrm>
+          <a:prstGeom prst="rect">
+            <a:avLst/>
+          </a:prstGeom>
+        </p:spPr>
+      </p:pic>
+      <p:pic>
+        <p:nvPicPr>
+          <p:cNvPr id="12" name="Picture 11"/>
           <p:cNvPicPr>
             <a:picLocks noChangeAspect="1"/>
           </p:cNvPicPr>
@@ -6070,41 +7069,71 @@
         </p:blipFill>
         <p:spPr>
           <a:xfrm>
-            <a:off x="1492268" y="1778955"/>
-            <a:ext cx="2663419" cy="4600451"/>
+            <a:off x="404566" y="4148253"/>
+            <a:ext cx="1333500" cy="800100"/>
           </a:xfrm>
           <a:prstGeom prst="rect">
             <a:avLst/>
           </a:prstGeom>
         </p:spPr>
       </p:pic>
-      <p:sp>
-        <p:nvSpPr>
-          <p:cNvPr id="2" name="Footer Placeholder 1"/>
-          <p:cNvSpPr>
-            <a:spLocks noGrp="1"/>
-          </p:cNvSpPr>
-          <p:nvPr>
-            <p:ph type="ftr" sz="quarter" idx="11"/>
-          </p:nvPr>
-        </p:nvSpPr>
-        <p:spPr/>
-        <p:txBody>
-          <a:bodyPr/>
-          <a:lstStyle/>
-          <a:p>
-            <a:r>
-              <a:rPr lang="en-US" smtClean="0"/>
-              <a:t>Michele Samorani - Data Science Analysis with Python</a:t>
-            </a:r>
-            <a:endParaRPr lang="en-US"/>
-          </a:p>
-        </p:txBody>
-      </p:sp>
+      <p:pic>
+        <p:nvPicPr>
+          <p:cNvPr id="13" name="Picture 12"/>
+          <p:cNvPicPr>
+            <a:picLocks noChangeAspect="1"/>
+          </p:cNvPicPr>
+          <p:nvPr/>
+        </p:nvPicPr>
+        <p:blipFill>
+          <a:blip r:embed="rId5"/>
+          <a:stretch>
+            <a:fillRect/>
+          </a:stretch>
+        </p:blipFill>
+        <p:spPr>
+          <a:xfrm>
+            <a:off x="428155" y="3250043"/>
+            <a:ext cx="1571625" cy="876300"/>
+          </a:xfrm>
+          <a:prstGeom prst="rect">
+            <a:avLst/>
+          </a:prstGeom>
+        </p:spPr>
+      </p:pic>
+      <p:pic>
+        <p:nvPicPr>
+          <p:cNvPr id="15" name="Picture 14"/>
+          <p:cNvPicPr>
+            <a:picLocks noChangeAspect="1"/>
+          </p:cNvPicPr>
+          <p:nvPr/>
+        </p:nvPicPr>
+        <p:blipFill>
+          <a:blip r:embed="rId6"/>
+          <a:stretch>
+            <a:fillRect/>
+          </a:stretch>
+        </p:blipFill>
+        <p:spPr>
+          <a:xfrm>
+            <a:off x="4489569" y="3215065"/>
+            <a:ext cx="2808014" cy="3119247"/>
+          </a:xfrm>
+          <a:prstGeom prst="rect">
+            <a:avLst/>
+          </a:prstGeom>
+          <a:ln>
+            <a:solidFill>
+              <a:srgbClr val="C00000"/>
+            </a:solidFill>
+          </a:ln>
+        </p:spPr>
+      </p:pic>
     </p:spTree>
     <p:extLst>
       <p:ext uri="{BB962C8B-B14F-4D97-AF65-F5344CB8AC3E}">
-        <p14:creationId xmlns:p14="http://schemas.microsoft.com/office/powerpoint/2010/main" val="2958178335"/>
+        <p14:creationId xmlns:p14="http://schemas.microsoft.com/office/powerpoint/2010/main" val="4108967740"/>
       </p:ext>
     </p:extLst>
   </p:cSld>
@@ -6161,8 +7190,20 @@
           <a:lstStyle/>
           <a:p>
             <a:r>
+              <a:rPr lang="en-US" sz="5400" b="1" dirty="0" err="1" smtClean="0"/>
+              <a:t>df.loc</a:t>
+            </a:r>
+            <a:r>
               <a:rPr lang="en-US" sz="5400" b="1" dirty="0" smtClean="0"/>
-              <a:t>head and tail</a:t>
+              <a:t>[</a:t>
+            </a:r>
+            <a:r>
+              <a:rPr lang="en-US" sz="5400" b="1" dirty="0" err="1" smtClean="0"/>
+              <a:t>x,y</a:t>
+            </a:r>
+            <a:r>
+              <a:rPr lang="en-US" sz="5400" b="1" dirty="0" smtClean="0"/>
+              <a:t>] – using Boolean masks</a:t>
             </a:r>
             <a:endParaRPr lang="en-US" sz="5400" b="1" dirty="0"/>
           </a:p>
@@ -6177,7 +7218,7 @@
           <p:nvPr/>
         </p:nvPicPr>
         <p:blipFill>
-          <a:blip r:embed="rId3"/>
+          <a:blip r:embed="rId2"/>
           <a:stretch>
             <a:fillRect/>
           </a:stretch>
@@ -6669,41 +7710,104 @@
       </p:sp>
       <p:sp>
         <p:nvSpPr>
-          <p:cNvPr id="16" name="TextBox 15"/>
-          <p:cNvSpPr txBox="1"/>
-          <p:nvPr/>
-        </p:nvSpPr>
-        <p:spPr>
-          <a:xfrm>
-            <a:off x="457821" y="1457819"/>
-            <a:ext cx="7079228" cy="369332"/>
-          </a:xfrm>
-          <a:prstGeom prst="rect">
-            <a:avLst/>
-          </a:prstGeom>
-          <a:noFill/>
-        </p:spPr>
-        <p:txBody>
-          <a:bodyPr wrap="square" rtlCol="0">
-            <a:spAutoFit/>
-          </a:bodyPr>
-          <a:lstStyle/>
-          <a:p>
-            <a:r>
-              <a:rPr lang="en-US" dirty="0" smtClean="0">
-                <a:solidFill>
-                  <a:srgbClr val="000000"/>
-                </a:solidFill>
-                <a:latin typeface="Helvetica Neue"/>
-              </a:rPr>
-              <a:t>Return the first or last rows</a:t>
-            </a:r>
+          <p:cNvPr id="4" name="Oval 3"/>
+          <p:cNvSpPr/>
+          <p:nvPr/>
+        </p:nvSpPr>
+        <p:spPr>
+          <a:xfrm>
+            <a:off x="9539067" y="3655829"/>
+            <a:ext cx="1790336" cy="1114454"/>
+          </a:xfrm>
+          <a:prstGeom prst="ellipse">
+            <a:avLst/>
+          </a:prstGeom>
+          <a:solidFill>
+            <a:srgbClr val="FF0000">
+              <a:alpha val="35000"/>
+            </a:srgbClr>
+          </a:solidFill>
+          <a:ln>
+            <a:solidFill>
+              <a:srgbClr val="C00000"/>
+            </a:solidFill>
+          </a:ln>
+        </p:spPr>
+        <p:style>
+          <a:lnRef idx="2">
+            <a:schemeClr val="accent1">
+              <a:shade val="50000"/>
+            </a:schemeClr>
+          </a:lnRef>
+          <a:fillRef idx="1">
+            <a:schemeClr val="accent1"/>
+          </a:fillRef>
+          <a:effectRef idx="0">
+            <a:schemeClr val="accent1"/>
+          </a:effectRef>
+          <a:fontRef idx="minor">
+            <a:schemeClr val="lt1"/>
+          </a:fontRef>
+        </p:style>
+        <p:txBody>
+          <a:bodyPr rtlCol="0" anchor="ctr"/>
+          <a:lstStyle/>
+          <a:p>
+            <a:pPr algn="ctr"/>
+            <a:endParaRPr lang="en-US"/>
           </a:p>
         </p:txBody>
       </p:sp>
       <p:pic>
         <p:nvPicPr>
-          <p:cNvPr id="2" name="Picture 1"/>
+          <p:cNvPr id="3" name="Picture 2"/>
+          <p:cNvPicPr>
+            <a:picLocks noChangeAspect="1"/>
+          </p:cNvPicPr>
+          <p:nvPr/>
+        </p:nvPicPr>
+        <p:blipFill>
+          <a:blip r:embed="rId3"/>
+          <a:stretch>
+            <a:fillRect/>
+          </a:stretch>
+        </p:blipFill>
+        <p:spPr>
+          <a:xfrm>
+            <a:off x="537126" y="1376927"/>
+            <a:ext cx="4578596" cy="494402"/>
+          </a:xfrm>
+          <a:prstGeom prst="rect">
+            <a:avLst/>
+          </a:prstGeom>
+        </p:spPr>
+      </p:pic>
+      <p:sp>
+        <p:nvSpPr>
+          <p:cNvPr id="5" name="Footer Placeholder 4"/>
+          <p:cNvSpPr>
+            <a:spLocks noGrp="1"/>
+          </p:cNvSpPr>
+          <p:nvPr>
+            <p:ph type="ftr" sz="quarter" idx="11"/>
+          </p:nvPr>
+        </p:nvSpPr>
+        <p:spPr/>
+        <p:txBody>
+          <a:bodyPr/>
+          <a:lstStyle/>
+          <a:p>
+            <a:r>
+              <a:rPr lang="en-US" smtClean="0"/>
+              <a:t>Michele Samorani - Data Science Analysis with Python</a:t>
+            </a:r>
+            <a:endParaRPr lang="en-US"/>
+          </a:p>
+        </p:txBody>
+      </p:sp>
+      <p:pic>
+        <p:nvPicPr>
+          <p:cNvPr id="6" name="Picture 5"/>
           <p:cNvPicPr>
             <a:picLocks noChangeAspect="1"/>
           </p:cNvPicPr>
@@ -6717,8 +7821,8 @@
         </p:blipFill>
         <p:spPr>
           <a:xfrm>
-            <a:off x="341123" y="3222021"/>
-            <a:ext cx="3009135" cy="2519276"/>
+            <a:off x="537126" y="1919119"/>
+            <a:ext cx="5405438" cy="900906"/>
           </a:xfrm>
           <a:prstGeom prst="rect">
             <a:avLst/>
@@ -6727,7 +7831,7 @@
       </p:pic>
       <p:pic>
         <p:nvPicPr>
-          <p:cNvPr id="3" name="Picture 2"/>
+          <p:cNvPr id="7" name="Picture 6"/>
           <p:cNvPicPr>
             <a:picLocks noChangeAspect="1"/>
           </p:cNvPicPr>
@@ -6741,41 +7845,23 @@
         </p:blipFill>
         <p:spPr>
           <a:xfrm>
-            <a:off x="3874589" y="3423440"/>
-            <a:ext cx="2677488" cy="2029910"/>
-          </a:xfrm>
-          <a:prstGeom prst="rect">
-            <a:avLst/>
-          </a:prstGeom>
+            <a:off x="621748" y="3114675"/>
+            <a:ext cx="3615843" cy="2495550"/>
+          </a:xfrm>
+          <a:prstGeom prst="rect">
+            <a:avLst/>
+          </a:prstGeom>
+          <a:ln>
+            <a:solidFill>
+              <a:srgbClr val="C00000"/>
+            </a:solidFill>
+          </a:ln>
         </p:spPr>
       </p:pic>
-      <p:sp>
-        <p:nvSpPr>
-          <p:cNvPr id="4" name="Footer Placeholder 3"/>
-          <p:cNvSpPr>
-            <a:spLocks noGrp="1"/>
-          </p:cNvSpPr>
-          <p:nvPr>
-            <p:ph type="ftr" sz="quarter" idx="11"/>
-          </p:nvPr>
-        </p:nvSpPr>
-        <p:spPr/>
-        <p:txBody>
-          <a:bodyPr/>
-          <a:lstStyle/>
-          <a:p>
-            <a:r>
-              <a:rPr lang="en-US" smtClean="0"/>
-              <a:t>Michele Samorani - Data Science Analysis with Python</a:t>
-            </a:r>
-            <a:endParaRPr lang="en-US"/>
-          </a:p>
-        </p:txBody>
-      </p:sp>
     </p:spTree>
     <p:extLst>
       <p:ext uri="{BB962C8B-B14F-4D97-AF65-F5344CB8AC3E}">
-        <p14:creationId xmlns:p14="http://schemas.microsoft.com/office/powerpoint/2010/main" val="796707302"/>
+        <p14:creationId xmlns:p14="http://schemas.microsoft.com/office/powerpoint/2010/main" val="4024098454"/>
       </p:ext>
     </p:extLst>
   </p:cSld>
@@ -6863,11 +7949,11 @@
             </a:pPr>
             <a:r>
               <a:rPr lang="en-US" dirty="0"/>
-              <a:t>Sort the MSIS students by hw2 descending</a:t>
-            </a:r>
-            <a:r>
-              <a:rPr lang="en-US" dirty="0" smtClean="0"/>
-              <a:t>.</a:t>
+              <a:t>Retrieve Shelby's hw1 </a:t>
+            </a:r>
+            <a:r>
+              <a:rPr lang="en-US" dirty="0" smtClean="0"/>
+              <a:t>grade</a:t>
             </a:r>
           </a:p>
           <a:p>
@@ -6876,44 +7962,54 @@
               <a:buAutoNum type="arabicPeriod"/>
             </a:pPr>
             <a:r>
-              <a:rPr lang="en-US" dirty="0" smtClean="0"/>
-              <a:t>Show</a:t>
-            </a:r>
-            <a:r>
               <a:rPr lang="en-US" dirty="0"/>
-              <a:t> </a:t>
-            </a:r>
-            <a:r>
-              <a:rPr lang="en-US" b="1" dirty="0"/>
-              <a:t>only</a:t>
-            </a:r>
+              <a:t>Retrieve Shelby's </a:t>
+            </a:r>
+            <a:r>
+              <a:rPr lang="en-US" dirty="0" smtClean="0"/>
+              <a:t>information</a:t>
+            </a:r>
+          </a:p>
+          <a:p>
+            <a:pPr marL="514350" indent="-514350">
+              <a:buFont typeface="+mj-lt"/>
+              <a:buAutoNum type="arabicPeriod"/>
+            </a:pPr>
             <a:r>
               <a:rPr lang="en-US" dirty="0"/>
-              <a:t> the field </a:t>
-            </a:r>
-            <a:r>
-              <a:rPr lang="en-US" i="1" dirty="0"/>
-              <a:t>hw1</a:t>
+              <a:t>Who obtained the highest grade in hw2</a:t>
+            </a:r>
+            <a:r>
+              <a:rPr lang="en-US" dirty="0" smtClean="0"/>
+              <a:t>? Note that there are ties</a:t>
+            </a:r>
+          </a:p>
+          <a:p>
+            <a:pPr marL="514350" indent="-514350">
+              <a:buFont typeface="+mj-lt"/>
+              <a:buAutoNum type="arabicPeriod"/>
+            </a:pPr>
+            <a:r>
+              <a:rPr lang="en-US" dirty="0" smtClean="0"/>
+              <a:t>Find </a:t>
             </a:r>
             <a:r>
               <a:rPr lang="en-US" dirty="0"/>
-              <a:t> of the four students with the largest hw2 grade (do not use </a:t>
-            </a:r>
-            <a:r>
-              <a:rPr lang="en-US" dirty="0" err="1"/>
-              <a:t>nlargest</a:t>
-            </a:r>
+              <a:t>those students who obtained the same score in hw1 and in hw2</a:t>
+            </a:r>
+            <a:r>
+              <a:rPr lang="en-US" dirty="0" smtClean="0"/>
+              <a:t>.</a:t>
+            </a:r>
+          </a:p>
+          <a:p>
+            <a:pPr marL="514350" indent="-514350">
+              <a:buFont typeface="+mj-lt"/>
+              <a:buAutoNum type="arabicPeriod"/>
+            </a:pPr>
             <a:r>
               <a:rPr lang="en-US" dirty="0"/>
-              <a:t> on the </a:t>
-            </a:r>
-            <a:r>
-              <a:rPr lang="en-US" dirty="0" err="1"/>
-              <a:t>dataframe</a:t>
-            </a:r>
-            <a:r>
-              <a:rPr lang="en-US" dirty="0"/>
-              <a:t>... it has bugs)</a:t>
+              <a:t>Find the average hw1 score of those students who got a hw2 score greater than 5.</a:t>
             </a:r>
           </a:p>
         </p:txBody>
@@ -6944,7 +8040,7 @@
     </p:spTree>
     <p:extLst>
       <p:ext uri="{BB962C8B-B14F-4D97-AF65-F5344CB8AC3E}">
-        <p14:creationId xmlns:p14="http://schemas.microsoft.com/office/powerpoint/2010/main" val="242653141"/>
+        <p14:creationId xmlns:p14="http://schemas.microsoft.com/office/powerpoint/2010/main" val="2110405293"/>
       </p:ext>
     </p:extLst>
   </p:cSld>
@@ -6978,6 +8074,35 @@
           <a:chExt cx="0" cy="0"/>
         </a:xfrm>
       </p:grpSpPr>
+      <p:pic>
+        <p:nvPicPr>
+          <p:cNvPr id="7" name="Picture 6"/>
+          <p:cNvPicPr>
+            <a:picLocks noChangeAspect="1"/>
+          </p:cNvPicPr>
+          <p:nvPr/>
+        </p:nvPicPr>
+        <p:blipFill>
+          <a:blip r:embed="rId3"/>
+          <a:stretch>
+            <a:fillRect/>
+          </a:stretch>
+        </p:blipFill>
+        <p:spPr>
+          <a:xfrm>
+            <a:off x="3691665" y="2338653"/>
+            <a:ext cx="4326867" cy="3890256"/>
+          </a:xfrm>
+          <a:prstGeom prst="rect">
+            <a:avLst/>
+          </a:prstGeom>
+          <a:ln>
+            <a:solidFill>
+              <a:srgbClr val="C00000"/>
+            </a:solidFill>
+          </a:ln>
+        </p:spPr>
+      </p:pic>
       <p:sp>
         <p:nvSpPr>
           <p:cNvPr id="14" name="Title 1"/>
@@ -7001,12 +8126,8 @@
           <a:lstStyle/>
           <a:p>
             <a:r>
-              <a:rPr lang="en-US" sz="5400" b="1" dirty="0" smtClean="0"/>
-              <a:t>mean, max, min, </a:t>
-            </a:r>
-            <a:r>
               <a:rPr lang="en-US" sz="5400" b="1" dirty="0" err="1" smtClean="0"/>
-              <a:t>etc</a:t>
+              <a:t>sort_values</a:t>
             </a:r>
             <a:endParaRPr lang="en-US" sz="5400" b="1" dirty="0"/>
           </a:p>
@@ -7021,7 +8142,7 @@
           <p:nvPr/>
         </p:nvPicPr>
         <p:blipFill>
-          <a:blip r:embed="rId3"/>
+          <a:blip r:embed="rId4"/>
           <a:stretch>
             <a:fillRect/>
           </a:stretch>
@@ -7519,8 +8640,8 @@
         </p:nvSpPr>
         <p:spPr>
           <a:xfrm>
-            <a:off x="457821" y="1114902"/>
-            <a:ext cx="7079228" cy="646331"/>
+            <a:off x="367714" y="1207246"/>
+            <a:ext cx="7079228" cy="369332"/>
           </a:xfrm>
           <a:prstGeom prst="rect">
             <a:avLst/>
@@ -7540,38 +8661,14 @@
                 </a:solidFill>
                 <a:latin typeface="Helvetica Neue"/>
               </a:rPr>
-              <a:t>Aggregate functions will be broadcasted to all columns (axis = 0, default) or rows</a:t>
+              <a:t>Sort the rows based on the value of a column</a:t>
             </a:r>
           </a:p>
         </p:txBody>
       </p:sp>
       <p:pic>
         <p:nvPicPr>
-          <p:cNvPr id="2" name="Picture 1"/>
-          <p:cNvPicPr>
-            <a:picLocks noChangeAspect="1"/>
-          </p:cNvPicPr>
-          <p:nvPr/>
-        </p:nvPicPr>
-        <p:blipFill>
-          <a:blip r:embed="rId4"/>
-          <a:stretch>
-            <a:fillRect/>
-          </a:stretch>
-        </p:blipFill>
-        <p:spPr>
-          <a:xfrm>
-            <a:off x="806253" y="2235225"/>
-            <a:ext cx="1523384" cy="1113686"/>
-          </a:xfrm>
-          <a:prstGeom prst="rect">
-            <a:avLst/>
-          </a:prstGeom>
-        </p:spPr>
-      </p:pic>
-      <p:pic>
-        <p:nvPicPr>
-          <p:cNvPr id="3" name="Picture 2"/>
+          <p:cNvPr id="6" name="Picture 5"/>
           <p:cNvPicPr>
             <a:picLocks noChangeAspect="1"/>
           </p:cNvPicPr>
@@ -7585,17 +8682,22 @@
         </p:blipFill>
         <p:spPr>
           <a:xfrm>
-            <a:off x="3810465" y="2589853"/>
-            <a:ext cx="1830524" cy="3077492"/>
-          </a:xfrm>
-          <a:prstGeom prst="rect">
-            <a:avLst/>
-          </a:prstGeom>
+            <a:off x="367714" y="2289980"/>
+            <a:ext cx="3124284" cy="3875268"/>
+          </a:xfrm>
+          <a:prstGeom prst="rect">
+            <a:avLst/>
+          </a:prstGeom>
+          <a:ln>
+            <a:solidFill>
+              <a:srgbClr val="C00000"/>
+            </a:solidFill>
+          </a:ln>
         </p:spPr>
       </p:pic>
       <p:sp>
         <p:nvSpPr>
-          <p:cNvPr id="4" name="Footer Placeholder 3"/>
+          <p:cNvPr id="2" name="Footer Placeholder 1"/>
           <p:cNvSpPr>
             <a:spLocks noGrp="1"/>
           </p:cNvSpPr>
@@ -7619,7 +8721,7 @@
     </p:spTree>
     <p:extLst>
       <p:ext uri="{BB962C8B-B14F-4D97-AF65-F5344CB8AC3E}">
-        <p14:creationId xmlns:p14="http://schemas.microsoft.com/office/powerpoint/2010/main" val="1789110749"/>
+        <p14:creationId xmlns:p14="http://schemas.microsoft.com/office/powerpoint/2010/main" val="3045591779"/>
       </p:ext>
     </p:extLst>
   </p:cSld>
@@ -7655,6 +8757,1324 @@
       </p:grpSpPr>
       <p:sp>
         <p:nvSpPr>
+          <p:cNvPr id="14" name="Title 1"/>
+          <p:cNvSpPr>
+            <a:spLocks noGrp="1"/>
+          </p:cNvSpPr>
+          <p:nvPr>
+            <p:ph type="title"/>
+          </p:nvPr>
+        </p:nvSpPr>
+        <p:spPr>
+          <a:xfrm>
+            <a:off x="621748" y="188552"/>
+            <a:ext cx="10515600" cy="723297"/>
+          </a:xfrm>
+        </p:spPr>
+        <p:txBody>
+          <a:bodyPr>
+            <a:normAutofit fontScale="90000"/>
+          </a:bodyPr>
+          <a:lstStyle/>
+          <a:p>
+            <a:r>
+              <a:rPr lang="en-US" sz="5400" b="1" dirty="0" err="1" smtClean="0"/>
+              <a:t>sort_index</a:t>
+            </a:r>
+            <a:endParaRPr lang="en-US" sz="5400" b="1" dirty="0"/>
+          </a:p>
+        </p:txBody>
+      </p:sp>
+      <p:pic>
+        <p:nvPicPr>
+          <p:cNvPr id="17" name="Picture 16"/>
+          <p:cNvPicPr>
+            <a:picLocks noChangeAspect="1"/>
+          </p:cNvPicPr>
+          <p:nvPr/>
+        </p:nvPicPr>
+        <p:blipFill>
+          <a:blip r:embed="rId3"/>
+          <a:stretch>
+            <a:fillRect/>
+          </a:stretch>
+        </p:blipFill>
+        <p:spPr>
+          <a:xfrm>
+            <a:off x="8883228" y="2110038"/>
+            <a:ext cx="2446175" cy="3938286"/>
+          </a:xfrm>
+          <a:prstGeom prst="rect">
+            <a:avLst/>
+          </a:prstGeom>
+        </p:spPr>
+      </p:pic>
+      <p:sp>
+        <p:nvSpPr>
+          <p:cNvPr id="18" name="TextBox 17"/>
+          <p:cNvSpPr txBox="1"/>
+          <p:nvPr/>
+        </p:nvSpPr>
+        <p:spPr>
+          <a:xfrm>
+            <a:off x="8464524" y="2457640"/>
+            <a:ext cx="418704" cy="3652282"/>
+          </a:xfrm>
+          <a:prstGeom prst="rect">
+            <a:avLst/>
+          </a:prstGeom>
+          <a:solidFill>
+            <a:schemeClr val="accent6">
+              <a:lumMod val="20000"/>
+              <a:lumOff val="80000"/>
+            </a:schemeClr>
+          </a:solidFill>
+        </p:spPr>
+        <p:txBody>
+          <a:bodyPr wrap="none" rtlCol="0">
+            <a:spAutoFit/>
+          </a:bodyPr>
+          <a:lstStyle/>
+          <a:p>
+            <a:pPr algn="ctr">
+              <a:spcBef>
+                <a:spcPts val="300"/>
+              </a:spcBef>
+            </a:pPr>
+            <a:r>
+              <a:rPr lang="en-US" dirty="0" smtClean="0"/>
+              <a:t>0</a:t>
+            </a:r>
+          </a:p>
+          <a:p>
+            <a:pPr algn="ctr">
+              <a:spcBef>
+                <a:spcPts val="300"/>
+              </a:spcBef>
+            </a:pPr>
+            <a:r>
+              <a:rPr lang="en-US" dirty="0" smtClean="0"/>
+              <a:t>1</a:t>
+            </a:r>
+          </a:p>
+          <a:p>
+            <a:pPr algn="ctr">
+              <a:spcBef>
+                <a:spcPts val="300"/>
+              </a:spcBef>
+            </a:pPr>
+            <a:r>
+              <a:rPr lang="en-US" dirty="0" smtClean="0"/>
+              <a:t>2</a:t>
+            </a:r>
+          </a:p>
+          <a:p>
+            <a:pPr algn="ctr">
+              <a:spcBef>
+                <a:spcPts val="300"/>
+              </a:spcBef>
+            </a:pPr>
+            <a:r>
+              <a:rPr lang="en-US" dirty="0" smtClean="0"/>
+              <a:t>3</a:t>
+            </a:r>
+          </a:p>
+          <a:p>
+            <a:pPr algn="ctr">
+              <a:spcBef>
+                <a:spcPts val="300"/>
+              </a:spcBef>
+            </a:pPr>
+            <a:r>
+              <a:rPr lang="en-US" dirty="0" smtClean="0"/>
+              <a:t>4</a:t>
+            </a:r>
+          </a:p>
+          <a:p>
+            <a:pPr algn="ctr">
+              <a:spcBef>
+                <a:spcPts val="300"/>
+              </a:spcBef>
+            </a:pPr>
+            <a:r>
+              <a:rPr lang="en-US" dirty="0" smtClean="0"/>
+              <a:t>5</a:t>
+            </a:r>
+          </a:p>
+          <a:p>
+            <a:pPr algn="ctr">
+              <a:spcBef>
+                <a:spcPts val="300"/>
+              </a:spcBef>
+            </a:pPr>
+            <a:r>
+              <a:rPr lang="en-US" dirty="0" smtClean="0"/>
+              <a:t>6</a:t>
+            </a:r>
+          </a:p>
+          <a:p>
+            <a:pPr algn="ctr">
+              <a:spcBef>
+                <a:spcPts val="300"/>
+              </a:spcBef>
+            </a:pPr>
+            <a:r>
+              <a:rPr lang="en-US" dirty="0" smtClean="0"/>
+              <a:t>7</a:t>
+            </a:r>
+          </a:p>
+          <a:p>
+            <a:pPr algn="ctr">
+              <a:spcBef>
+                <a:spcPts val="300"/>
+              </a:spcBef>
+            </a:pPr>
+            <a:r>
+              <a:rPr lang="en-US" dirty="0" smtClean="0"/>
+              <a:t>8</a:t>
+            </a:r>
+          </a:p>
+          <a:p>
+            <a:pPr algn="ctr">
+              <a:spcBef>
+                <a:spcPts val="300"/>
+              </a:spcBef>
+            </a:pPr>
+            <a:r>
+              <a:rPr lang="en-US" dirty="0" smtClean="0"/>
+              <a:t>9</a:t>
+            </a:r>
+          </a:p>
+          <a:p>
+            <a:pPr algn="ctr">
+              <a:spcBef>
+                <a:spcPts val="300"/>
+              </a:spcBef>
+            </a:pPr>
+            <a:r>
+              <a:rPr lang="en-US" dirty="0" smtClean="0"/>
+              <a:t>10</a:t>
+            </a:r>
+            <a:endParaRPr lang="en-US" dirty="0"/>
+          </a:p>
+        </p:txBody>
+      </p:sp>
+      <p:sp>
+        <p:nvSpPr>
+          <p:cNvPr id="19" name="Rectangle 18"/>
+          <p:cNvSpPr/>
+          <p:nvPr/>
+        </p:nvSpPr>
+        <p:spPr>
+          <a:xfrm>
+            <a:off x="8912845" y="2466863"/>
+            <a:ext cx="835083" cy="3521503"/>
+          </a:xfrm>
+          <a:prstGeom prst="rect">
+            <a:avLst/>
+          </a:prstGeom>
+          <a:solidFill>
+            <a:schemeClr val="accent1">
+              <a:alpha val="33000"/>
+            </a:schemeClr>
+          </a:solidFill>
+        </p:spPr>
+        <p:style>
+          <a:lnRef idx="2">
+            <a:schemeClr val="accent1">
+              <a:shade val="50000"/>
+            </a:schemeClr>
+          </a:lnRef>
+          <a:fillRef idx="1">
+            <a:schemeClr val="accent1"/>
+          </a:fillRef>
+          <a:effectRef idx="0">
+            <a:schemeClr val="accent1"/>
+          </a:effectRef>
+          <a:fontRef idx="minor">
+            <a:schemeClr val="lt1"/>
+          </a:fontRef>
+        </p:style>
+        <p:txBody>
+          <a:bodyPr rtlCol="0" anchor="ctr"/>
+          <a:lstStyle/>
+          <a:p>
+            <a:pPr algn="ctr"/>
+            <a:endParaRPr lang="en-US"/>
+          </a:p>
+        </p:txBody>
+      </p:sp>
+      <p:sp>
+        <p:nvSpPr>
+          <p:cNvPr id="21" name="TextBox 20"/>
+          <p:cNvSpPr txBox="1"/>
+          <p:nvPr/>
+        </p:nvSpPr>
+        <p:spPr>
+          <a:xfrm>
+            <a:off x="9753896" y="1734453"/>
+            <a:ext cx="1540806" cy="369332"/>
+          </a:xfrm>
+          <a:prstGeom prst="rect">
+            <a:avLst/>
+          </a:prstGeom>
+          <a:solidFill>
+            <a:schemeClr val="accent6">
+              <a:lumMod val="20000"/>
+              <a:lumOff val="80000"/>
+            </a:schemeClr>
+          </a:solidFill>
+        </p:spPr>
+        <p:txBody>
+          <a:bodyPr wrap="none" rtlCol="0">
+            <a:spAutoFit/>
+          </a:bodyPr>
+          <a:lstStyle/>
+          <a:p>
+            <a:pPr>
+              <a:spcBef>
+                <a:spcPts val="300"/>
+              </a:spcBef>
+            </a:pPr>
+            <a:r>
+              <a:rPr lang="en-US" dirty="0" smtClean="0"/>
+              <a:t>0      1       2      </a:t>
+            </a:r>
+            <a:endParaRPr lang="en-US" dirty="0"/>
+          </a:p>
+        </p:txBody>
+      </p:sp>
+      <p:sp>
+        <p:nvSpPr>
+          <p:cNvPr id="22" name="Rectangle 21"/>
+          <p:cNvSpPr/>
+          <p:nvPr/>
+        </p:nvSpPr>
+        <p:spPr>
+          <a:xfrm>
+            <a:off x="9747928" y="2119535"/>
+            <a:ext cx="1552355" cy="338105"/>
+          </a:xfrm>
+          <a:prstGeom prst="rect">
+            <a:avLst/>
+          </a:prstGeom>
+          <a:solidFill>
+            <a:schemeClr val="accent1">
+              <a:alpha val="33000"/>
+            </a:schemeClr>
+          </a:solidFill>
+        </p:spPr>
+        <p:style>
+          <a:lnRef idx="2">
+            <a:schemeClr val="accent1">
+              <a:shade val="50000"/>
+            </a:schemeClr>
+          </a:lnRef>
+          <a:fillRef idx="1">
+            <a:schemeClr val="accent1"/>
+          </a:fillRef>
+          <a:effectRef idx="0">
+            <a:schemeClr val="accent1"/>
+          </a:effectRef>
+          <a:fontRef idx="minor">
+            <a:schemeClr val="lt1"/>
+          </a:fontRef>
+        </p:style>
+        <p:txBody>
+          <a:bodyPr rtlCol="0" anchor="ctr"/>
+          <a:lstStyle/>
+          <a:p>
+            <a:pPr algn="ctr"/>
+            <a:endParaRPr lang="en-US"/>
+          </a:p>
+        </p:txBody>
+      </p:sp>
+      <p:sp>
+        <p:nvSpPr>
+          <p:cNvPr id="23" name="TextBox 22"/>
+          <p:cNvSpPr txBox="1"/>
+          <p:nvPr/>
+        </p:nvSpPr>
+        <p:spPr>
+          <a:xfrm>
+            <a:off x="9576351" y="1088122"/>
+            <a:ext cx="1805301" cy="584775"/>
+          </a:xfrm>
+          <a:prstGeom prst="rect">
+            <a:avLst/>
+          </a:prstGeom>
+          <a:noFill/>
+        </p:spPr>
+        <p:txBody>
+          <a:bodyPr wrap="none" rtlCol="0">
+            <a:spAutoFit/>
+          </a:bodyPr>
+          <a:lstStyle/>
+          <a:p>
+            <a:pPr algn="ctr"/>
+            <a:r>
+              <a:rPr lang="en-US" sz="1600" b="1" dirty="0">
+                <a:solidFill>
+                  <a:schemeClr val="accent6">
+                    <a:lumMod val="75000"/>
+                  </a:schemeClr>
+                </a:solidFill>
+              </a:rPr>
+              <a:t>POSITIONAL INDEX</a:t>
+            </a:r>
+            <a:endParaRPr lang="en-US" sz="1600" b="1" dirty="0" smtClean="0">
+              <a:solidFill>
+                <a:schemeClr val="accent6">
+                  <a:lumMod val="75000"/>
+                </a:schemeClr>
+              </a:solidFill>
+            </a:endParaRPr>
+          </a:p>
+          <a:p>
+            <a:pPr algn="ctr"/>
+            <a:r>
+              <a:rPr lang="en-US" sz="1600" b="1" dirty="0" smtClean="0">
+                <a:solidFill>
+                  <a:schemeClr val="accent6">
+                    <a:lumMod val="75000"/>
+                  </a:schemeClr>
+                </a:solidFill>
+              </a:rPr>
+              <a:t>ON THE COLUMNS</a:t>
+            </a:r>
+            <a:endParaRPr lang="en-US" sz="1600" b="1" dirty="0">
+              <a:solidFill>
+                <a:schemeClr val="accent6">
+                  <a:lumMod val="75000"/>
+                </a:schemeClr>
+              </a:solidFill>
+            </a:endParaRPr>
+          </a:p>
+        </p:txBody>
+      </p:sp>
+      <p:sp>
+        <p:nvSpPr>
+          <p:cNvPr id="24" name="TextBox 23"/>
+          <p:cNvSpPr txBox="1"/>
+          <p:nvPr/>
+        </p:nvSpPr>
+        <p:spPr>
+          <a:xfrm>
+            <a:off x="11300283" y="2173081"/>
+            <a:ext cx="948401" cy="307777"/>
+          </a:xfrm>
+          <a:prstGeom prst="rect">
+            <a:avLst/>
+          </a:prstGeom>
+          <a:noFill/>
+        </p:spPr>
+        <p:txBody>
+          <a:bodyPr wrap="none" rtlCol="0">
+            <a:spAutoFit/>
+          </a:bodyPr>
+          <a:lstStyle/>
+          <a:p>
+            <a:r>
+              <a:rPr lang="en-US" sz="1400" b="1" dirty="0" smtClean="0">
+                <a:solidFill>
+                  <a:srgbClr val="0070C0"/>
+                </a:solidFill>
+              </a:rPr>
+              <a:t>COLUMNS</a:t>
+            </a:r>
+          </a:p>
+        </p:txBody>
+      </p:sp>
+      <p:sp>
+        <p:nvSpPr>
+          <p:cNvPr id="25" name="TextBox 24"/>
+          <p:cNvSpPr txBox="1"/>
+          <p:nvPr/>
+        </p:nvSpPr>
+        <p:spPr>
+          <a:xfrm rot="1405271">
+            <a:off x="8347505" y="2081337"/>
+            <a:ext cx="652743" cy="307777"/>
+          </a:xfrm>
+          <a:prstGeom prst="rect">
+            <a:avLst/>
+          </a:prstGeom>
+          <a:noFill/>
+        </p:spPr>
+        <p:txBody>
+          <a:bodyPr wrap="none" rtlCol="0">
+            <a:spAutoFit/>
+          </a:bodyPr>
+          <a:lstStyle/>
+          <a:p>
+            <a:r>
+              <a:rPr lang="en-US" sz="1400" b="1" dirty="0" smtClean="0">
+                <a:solidFill>
+                  <a:srgbClr val="0070C0"/>
+                </a:solidFill>
+              </a:rPr>
+              <a:t>INDEX</a:t>
+            </a:r>
+          </a:p>
+        </p:txBody>
+      </p:sp>
+      <p:sp>
+        <p:nvSpPr>
+          <p:cNvPr id="26" name="TextBox 25"/>
+          <p:cNvSpPr txBox="1"/>
+          <p:nvPr/>
+        </p:nvSpPr>
+        <p:spPr>
+          <a:xfrm>
+            <a:off x="7428823" y="3325211"/>
+            <a:ext cx="1164101" cy="584775"/>
+          </a:xfrm>
+          <a:prstGeom prst="rect">
+            <a:avLst/>
+          </a:prstGeom>
+          <a:noFill/>
+        </p:spPr>
+        <p:txBody>
+          <a:bodyPr wrap="none" rtlCol="0">
+            <a:spAutoFit/>
+          </a:bodyPr>
+          <a:lstStyle/>
+          <a:p>
+            <a:pPr algn="ctr"/>
+            <a:r>
+              <a:rPr lang="en-US" sz="1600" b="1" dirty="0">
+                <a:solidFill>
+                  <a:schemeClr val="accent6">
+                    <a:lumMod val="75000"/>
+                  </a:schemeClr>
+                </a:solidFill>
+              </a:rPr>
+              <a:t>POS. </a:t>
+            </a:r>
+            <a:r>
+              <a:rPr lang="en-US" sz="1600" b="1" dirty="0" smtClean="0">
+                <a:solidFill>
+                  <a:schemeClr val="accent6">
+                    <a:lumMod val="75000"/>
+                  </a:schemeClr>
+                </a:solidFill>
+              </a:rPr>
+              <a:t>INDEX</a:t>
+            </a:r>
+          </a:p>
+          <a:p>
+            <a:pPr algn="ctr"/>
+            <a:r>
+              <a:rPr lang="en-US" sz="1600" b="1" dirty="0" smtClean="0">
+                <a:solidFill>
+                  <a:schemeClr val="accent6">
+                    <a:lumMod val="75000"/>
+                  </a:schemeClr>
+                </a:solidFill>
+              </a:rPr>
+              <a:t>ON ROWS</a:t>
+            </a:r>
+            <a:endParaRPr lang="en-US" sz="1600" b="1" dirty="0">
+              <a:solidFill>
+                <a:schemeClr val="accent6">
+                  <a:lumMod val="75000"/>
+                </a:schemeClr>
+              </a:solidFill>
+            </a:endParaRPr>
+          </a:p>
+        </p:txBody>
+      </p:sp>
+      <p:sp>
+        <p:nvSpPr>
+          <p:cNvPr id="16" name="TextBox 15"/>
+          <p:cNvSpPr txBox="1"/>
+          <p:nvPr/>
+        </p:nvSpPr>
+        <p:spPr>
+          <a:xfrm>
+            <a:off x="457821" y="1114902"/>
+            <a:ext cx="7079228" cy="369332"/>
+          </a:xfrm>
+          <a:prstGeom prst="rect">
+            <a:avLst/>
+          </a:prstGeom>
+          <a:noFill/>
+        </p:spPr>
+        <p:txBody>
+          <a:bodyPr wrap="square" rtlCol="0">
+            <a:spAutoFit/>
+          </a:bodyPr>
+          <a:lstStyle/>
+          <a:p>
+            <a:r>
+              <a:rPr lang="en-US" dirty="0" smtClean="0">
+                <a:solidFill>
+                  <a:srgbClr val="000000"/>
+                </a:solidFill>
+                <a:latin typeface="Helvetica Neue"/>
+              </a:rPr>
+              <a:t>Sort by the index labels</a:t>
+            </a:r>
+          </a:p>
+        </p:txBody>
+      </p:sp>
+      <p:pic>
+        <p:nvPicPr>
+          <p:cNvPr id="4" name="Picture 3"/>
+          <p:cNvPicPr>
+            <a:picLocks noChangeAspect="1"/>
+          </p:cNvPicPr>
+          <p:nvPr/>
+        </p:nvPicPr>
+        <p:blipFill>
+          <a:blip r:embed="rId4"/>
+          <a:stretch>
+            <a:fillRect/>
+          </a:stretch>
+        </p:blipFill>
+        <p:spPr>
+          <a:xfrm>
+            <a:off x="1492268" y="1778955"/>
+            <a:ext cx="2663419" cy="4600451"/>
+          </a:xfrm>
+          <a:prstGeom prst="rect">
+            <a:avLst/>
+          </a:prstGeom>
+        </p:spPr>
+      </p:pic>
+      <p:sp>
+        <p:nvSpPr>
+          <p:cNvPr id="2" name="Footer Placeholder 1"/>
+          <p:cNvSpPr>
+            <a:spLocks noGrp="1"/>
+          </p:cNvSpPr>
+          <p:nvPr>
+            <p:ph type="ftr" sz="quarter" idx="11"/>
+          </p:nvPr>
+        </p:nvSpPr>
+        <p:spPr/>
+        <p:txBody>
+          <a:bodyPr/>
+          <a:lstStyle/>
+          <a:p>
+            <a:r>
+              <a:rPr lang="en-US" smtClean="0"/>
+              <a:t>Michele Samorani - Data Science Analysis with Python</a:t>
+            </a:r>
+            <a:endParaRPr lang="en-US"/>
+          </a:p>
+        </p:txBody>
+      </p:sp>
+    </p:spTree>
+    <p:extLst>
+      <p:ext uri="{BB962C8B-B14F-4D97-AF65-F5344CB8AC3E}">
+        <p14:creationId xmlns:p14="http://schemas.microsoft.com/office/powerpoint/2010/main" val="2958178335"/>
+      </p:ext>
+    </p:extLst>
+  </p:cSld>
+  <p:clrMapOvr>
+    <a:masterClrMapping/>
+  </p:clrMapOvr>
+  <p:timing>
+    <p:tnLst>
+      <p:par>
+        <p:cTn id="1" dur="indefinite" restart="never" nodeType="tmRoot"/>
+      </p:par>
+    </p:tnLst>
+  </p:timing>
+</p:sld>
+</file>
+
+<file path=ppt/slides/slide18.xml><?xml version="1.0" encoding="utf-8"?>
+<p:sld xmlns:a="http://schemas.openxmlformats.org/drawingml/2006/main" xmlns:r="http://schemas.openxmlformats.org/officeDocument/2006/relationships" xmlns:p="http://schemas.openxmlformats.org/presentationml/2006/main">
+  <p:cSld>
+    <p:spTree>
+      <p:nvGrpSpPr>
+        <p:cNvPr id="1" name=""/>
+        <p:cNvGrpSpPr/>
+        <p:nvPr/>
+      </p:nvGrpSpPr>
+      <p:grpSpPr>
+        <a:xfrm>
+          <a:off x="0" y="0"/>
+          <a:ext cx="0" cy="0"/>
+          <a:chOff x="0" y="0"/>
+          <a:chExt cx="0" cy="0"/>
+        </a:xfrm>
+      </p:grpSpPr>
+      <p:sp>
+        <p:nvSpPr>
+          <p:cNvPr id="14" name="Title 1"/>
+          <p:cNvSpPr>
+            <a:spLocks noGrp="1"/>
+          </p:cNvSpPr>
+          <p:nvPr>
+            <p:ph type="title"/>
+          </p:nvPr>
+        </p:nvSpPr>
+        <p:spPr>
+          <a:xfrm>
+            <a:off x="621748" y="188552"/>
+            <a:ext cx="10515600" cy="723297"/>
+          </a:xfrm>
+        </p:spPr>
+        <p:txBody>
+          <a:bodyPr>
+            <a:normAutofit fontScale="90000"/>
+          </a:bodyPr>
+          <a:lstStyle/>
+          <a:p>
+            <a:r>
+              <a:rPr lang="en-US" sz="5400" b="1" dirty="0" smtClean="0"/>
+              <a:t>head and tail</a:t>
+            </a:r>
+            <a:endParaRPr lang="en-US" sz="5400" b="1" dirty="0"/>
+          </a:p>
+        </p:txBody>
+      </p:sp>
+      <p:pic>
+        <p:nvPicPr>
+          <p:cNvPr id="17" name="Picture 16"/>
+          <p:cNvPicPr>
+            <a:picLocks noChangeAspect="1"/>
+          </p:cNvPicPr>
+          <p:nvPr/>
+        </p:nvPicPr>
+        <p:blipFill>
+          <a:blip r:embed="rId3"/>
+          <a:stretch>
+            <a:fillRect/>
+          </a:stretch>
+        </p:blipFill>
+        <p:spPr>
+          <a:xfrm>
+            <a:off x="8883228" y="2110038"/>
+            <a:ext cx="2446175" cy="3938286"/>
+          </a:xfrm>
+          <a:prstGeom prst="rect">
+            <a:avLst/>
+          </a:prstGeom>
+        </p:spPr>
+      </p:pic>
+      <p:sp>
+        <p:nvSpPr>
+          <p:cNvPr id="18" name="TextBox 17"/>
+          <p:cNvSpPr txBox="1"/>
+          <p:nvPr/>
+        </p:nvSpPr>
+        <p:spPr>
+          <a:xfrm>
+            <a:off x="8464524" y="2457640"/>
+            <a:ext cx="418704" cy="3652282"/>
+          </a:xfrm>
+          <a:prstGeom prst="rect">
+            <a:avLst/>
+          </a:prstGeom>
+          <a:solidFill>
+            <a:schemeClr val="accent6">
+              <a:lumMod val="20000"/>
+              <a:lumOff val="80000"/>
+            </a:schemeClr>
+          </a:solidFill>
+        </p:spPr>
+        <p:txBody>
+          <a:bodyPr wrap="none" rtlCol="0">
+            <a:spAutoFit/>
+          </a:bodyPr>
+          <a:lstStyle/>
+          <a:p>
+            <a:pPr algn="ctr">
+              <a:spcBef>
+                <a:spcPts val="300"/>
+              </a:spcBef>
+            </a:pPr>
+            <a:r>
+              <a:rPr lang="en-US" dirty="0" smtClean="0"/>
+              <a:t>0</a:t>
+            </a:r>
+          </a:p>
+          <a:p>
+            <a:pPr algn="ctr">
+              <a:spcBef>
+                <a:spcPts val="300"/>
+              </a:spcBef>
+            </a:pPr>
+            <a:r>
+              <a:rPr lang="en-US" dirty="0" smtClean="0"/>
+              <a:t>1</a:t>
+            </a:r>
+          </a:p>
+          <a:p>
+            <a:pPr algn="ctr">
+              <a:spcBef>
+                <a:spcPts val="300"/>
+              </a:spcBef>
+            </a:pPr>
+            <a:r>
+              <a:rPr lang="en-US" dirty="0" smtClean="0"/>
+              <a:t>2</a:t>
+            </a:r>
+          </a:p>
+          <a:p>
+            <a:pPr algn="ctr">
+              <a:spcBef>
+                <a:spcPts val="300"/>
+              </a:spcBef>
+            </a:pPr>
+            <a:r>
+              <a:rPr lang="en-US" dirty="0" smtClean="0"/>
+              <a:t>3</a:t>
+            </a:r>
+          </a:p>
+          <a:p>
+            <a:pPr algn="ctr">
+              <a:spcBef>
+                <a:spcPts val="300"/>
+              </a:spcBef>
+            </a:pPr>
+            <a:r>
+              <a:rPr lang="en-US" dirty="0" smtClean="0"/>
+              <a:t>4</a:t>
+            </a:r>
+          </a:p>
+          <a:p>
+            <a:pPr algn="ctr">
+              <a:spcBef>
+                <a:spcPts val="300"/>
+              </a:spcBef>
+            </a:pPr>
+            <a:r>
+              <a:rPr lang="en-US" dirty="0" smtClean="0"/>
+              <a:t>5</a:t>
+            </a:r>
+          </a:p>
+          <a:p>
+            <a:pPr algn="ctr">
+              <a:spcBef>
+                <a:spcPts val="300"/>
+              </a:spcBef>
+            </a:pPr>
+            <a:r>
+              <a:rPr lang="en-US" dirty="0" smtClean="0"/>
+              <a:t>6</a:t>
+            </a:r>
+          </a:p>
+          <a:p>
+            <a:pPr algn="ctr">
+              <a:spcBef>
+                <a:spcPts val="300"/>
+              </a:spcBef>
+            </a:pPr>
+            <a:r>
+              <a:rPr lang="en-US" dirty="0" smtClean="0"/>
+              <a:t>7</a:t>
+            </a:r>
+          </a:p>
+          <a:p>
+            <a:pPr algn="ctr">
+              <a:spcBef>
+                <a:spcPts val="300"/>
+              </a:spcBef>
+            </a:pPr>
+            <a:r>
+              <a:rPr lang="en-US" dirty="0" smtClean="0"/>
+              <a:t>8</a:t>
+            </a:r>
+          </a:p>
+          <a:p>
+            <a:pPr algn="ctr">
+              <a:spcBef>
+                <a:spcPts val="300"/>
+              </a:spcBef>
+            </a:pPr>
+            <a:r>
+              <a:rPr lang="en-US" dirty="0" smtClean="0"/>
+              <a:t>9</a:t>
+            </a:r>
+          </a:p>
+          <a:p>
+            <a:pPr algn="ctr">
+              <a:spcBef>
+                <a:spcPts val="300"/>
+              </a:spcBef>
+            </a:pPr>
+            <a:r>
+              <a:rPr lang="en-US" dirty="0" smtClean="0"/>
+              <a:t>10</a:t>
+            </a:r>
+            <a:endParaRPr lang="en-US" dirty="0"/>
+          </a:p>
+        </p:txBody>
+      </p:sp>
+      <p:sp>
+        <p:nvSpPr>
+          <p:cNvPr id="19" name="Rectangle 18"/>
+          <p:cNvSpPr/>
+          <p:nvPr/>
+        </p:nvSpPr>
+        <p:spPr>
+          <a:xfrm>
+            <a:off x="8912845" y="2466863"/>
+            <a:ext cx="835083" cy="3521503"/>
+          </a:xfrm>
+          <a:prstGeom prst="rect">
+            <a:avLst/>
+          </a:prstGeom>
+          <a:solidFill>
+            <a:schemeClr val="accent1">
+              <a:alpha val="33000"/>
+            </a:schemeClr>
+          </a:solidFill>
+        </p:spPr>
+        <p:style>
+          <a:lnRef idx="2">
+            <a:schemeClr val="accent1">
+              <a:shade val="50000"/>
+            </a:schemeClr>
+          </a:lnRef>
+          <a:fillRef idx="1">
+            <a:schemeClr val="accent1"/>
+          </a:fillRef>
+          <a:effectRef idx="0">
+            <a:schemeClr val="accent1"/>
+          </a:effectRef>
+          <a:fontRef idx="minor">
+            <a:schemeClr val="lt1"/>
+          </a:fontRef>
+        </p:style>
+        <p:txBody>
+          <a:bodyPr rtlCol="0" anchor="ctr"/>
+          <a:lstStyle/>
+          <a:p>
+            <a:pPr algn="ctr"/>
+            <a:endParaRPr lang="en-US"/>
+          </a:p>
+        </p:txBody>
+      </p:sp>
+      <p:sp>
+        <p:nvSpPr>
+          <p:cNvPr id="21" name="TextBox 20"/>
+          <p:cNvSpPr txBox="1"/>
+          <p:nvPr/>
+        </p:nvSpPr>
+        <p:spPr>
+          <a:xfrm>
+            <a:off x="9753896" y="1734453"/>
+            <a:ext cx="1540806" cy="369332"/>
+          </a:xfrm>
+          <a:prstGeom prst="rect">
+            <a:avLst/>
+          </a:prstGeom>
+          <a:solidFill>
+            <a:schemeClr val="accent6">
+              <a:lumMod val="20000"/>
+              <a:lumOff val="80000"/>
+            </a:schemeClr>
+          </a:solidFill>
+        </p:spPr>
+        <p:txBody>
+          <a:bodyPr wrap="none" rtlCol="0">
+            <a:spAutoFit/>
+          </a:bodyPr>
+          <a:lstStyle/>
+          <a:p>
+            <a:pPr>
+              <a:spcBef>
+                <a:spcPts val="300"/>
+              </a:spcBef>
+            </a:pPr>
+            <a:r>
+              <a:rPr lang="en-US" dirty="0" smtClean="0"/>
+              <a:t>0      1       2      </a:t>
+            </a:r>
+            <a:endParaRPr lang="en-US" dirty="0"/>
+          </a:p>
+        </p:txBody>
+      </p:sp>
+      <p:sp>
+        <p:nvSpPr>
+          <p:cNvPr id="22" name="Rectangle 21"/>
+          <p:cNvSpPr/>
+          <p:nvPr/>
+        </p:nvSpPr>
+        <p:spPr>
+          <a:xfrm>
+            <a:off x="9747928" y="2119535"/>
+            <a:ext cx="1552355" cy="338105"/>
+          </a:xfrm>
+          <a:prstGeom prst="rect">
+            <a:avLst/>
+          </a:prstGeom>
+          <a:solidFill>
+            <a:schemeClr val="accent1">
+              <a:alpha val="33000"/>
+            </a:schemeClr>
+          </a:solidFill>
+        </p:spPr>
+        <p:style>
+          <a:lnRef idx="2">
+            <a:schemeClr val="accent1">
+              <a:shade val="50000"/>
+            </a:schemeClr>
+          </a:lnRef>
+          <a:fillRef idx="1">
+            <a:schemeClr val="accent1"/>
+          </a:fillRef>
+          <a:effectRef idx="0">
+            <a:schemeClr val="accent1"/>
+          </a:effectRef>
+          <a:fontRef idx="minor">
+            <a:schemeClr val="lt1"/>
+          </a:fontRef>
+        </p:style>
+        <p:txBody>
+          <a:bodyPr rtlCol="0" anchor="ctr"/>
+          <a:lstStyle/>
+          <a:p>
+            <a:pPr algn="ctr"/>
+            <a:endParaRPr lang="en-US"/>
+          </a:p>
+        </p:txBody>
+      </p:sp>
+      <p:sp>
+        <p:nvSpPr>
+          <p:cNvPr id="23" name="TextBox 22"/>
+          <p:cNvSpPr txBox="1"/>
+          <p:nvPr/>
+        </p:nvSpPr>
+        <p:spPr>
+          <a:xfrm>
+            <a:off x="9576351" y="1088122"/>
+            <a:ext cx="1805301" cy="584775"/>
+          </a:xfrm>
+          <a:prstGeom prst="rect">
+            <a:avLst/>
+          </a:prstGeom>
+          <a:noFill/>
+        </p:spPr>
+        <p:txBody>
+          <a:bodyPr wrap="none" rtlCol="0">
+            <a:spAutoFit/>
+          </a:bodyPr>
+          <a:lstStyle/>
+          <a:p>
+            <a:pPr algn="ctr"/>
+            <a:r>
+              <a:rPr lang="en-US" sz="1600" b="1" dirty="0">
+                <a:solidFill>
+                  <a:schemeClr val="accent6">
+                    <a:lumMod val="75000"/>
+                  </a:schemeClr>
+                </a:solidFill>
+              </a:rPr>
+              <a:t>POSITIONAL INDEX</a:t>
+            </a:r>
+            <a:endParaRPr lang="en-US" sz="1600" b="1" dirty="0" smtClean="0">
+              <a:solidFill>
+                <a:schemeClr val="accent6">
+                  <a:lumMod val="75000"/>
+                </a:schemeClr>
+              </a:solidFill>
+            </a:endParaRPr>
+          </a:p>
+          <a:p>
+            <a:pPr algn="ctr"/>
+            <a:r>
+              <a:rPr lang="en-US" sz="1600" b="1" dirty="0" smtClean="0">
+                <a:solidFill>
+                  <a:schemeClr val="accent6">
+                    <a:lumMod val="75000"/>
+                  </a:schemeClr>
+                </a:solidFill>
+              </a:rPr>
+              <a:t>ON THE COLUMNS</a:t>
+            </a:r>
+            <a:endParaRPr lang="en-US" sz="1600" b="1" dirty="0">
+              <a:solidFill>
+                <a:schemeClr val="accent6">
+                  <a:lumMod val="75000"/>
+                </a:schemeClr>
+              </a:solidFill>
+            </a:endParaRPr>
+          </a:p>
+        </p:txBody>
+      </p:sp>
+      <p:sp>
+        <p:nvSpPr>
+          <p:cNvPr id="24" name="TextBox 23"/>
+          <p:cNvSpPr txBox="1"/>
+          <p:nvPr/>
+        </p:nvSpPr>
+        <p:spPr>
+          <a:xfrm>
+            <a:off x="11300283" y="2173081"/>
+            <a:ext cx="948401" cy="307777"/>
+          </a:xfrm>
+          <a:prstGeom prst="rect">
+            <a:avLst/>
+          </a:prstGeom>
+          <a:noFill/>
+        </p:spPr>
+        <p:txBody>
+          <a:bodyPr wrap="none" rtlCol="0">
+            <a:spAutoFit/>
+          </a:bodyPr>
+          <a:lstStyle/>
+          <a:p>
+            <a:r>
+              <a:rPr lang="en-US" sz="1400" b="1" dirty="0" smtClean="0">
+                <a:solidFill>
+                  <a:srgbClr val="0070C0"/>
+                </a:solidFill>
+              </a:rPr>
+              <a:t>COLUMNS</a:t>
+            </a:r>
+          </a:p>
+        </p:txBody>
+      </p:sp>
+      <p:sp>
+        <p:nvSpPr>
+          <p:cNvPr id="25" name="TextBox 24"/>
+          <p:cNvSpPr txBox="1"/>
+          <p:nvPr/>
+        </p:nvSpPr>
+        <p:spPr>
+          <a:xfrm rot="1405271">
+            <a:off x="8347505" y="2081337"/>
+            <a:ext cx="652743" cy="307777"/>
+          </a:xfrm>
+          <a:prstGeom prst="rect">
+            <a:avLst/>
+          </a:prstGeom>
+          <a:noFill/>
+        </p:spPr>
+        <p:txBody>
+          <a:bodyPr wrap="none" rtlCol="0">
+            <a:spAutoFit/>
+          </a:bodyPr>
+          <a:lstStyle/>
+          <a:p>
+            <a:r>
+              <a:rPr lang="en-US" sz="1400" b="1" dirty="0" smtClean="0">
+                <a:solidFill>
+                  <a:srgbClr val="0070C0"/>
+                </a:solidFill>
+              </a:rPr>
+              <a:t>INDEX</a:t>
+            </a:r>
+          </a:p>
+        </p:txBody>
+      </p:sp>
+      <p:sp>
+        <p:nvSpPr>
+          <p:cNvPr id="26" name="TextBox 25"/>
+          <p:cNvSpPr txBox="1"/>
+          <p:nvPr/>
+        </p:nvSpPr>
+        <p:spPr>
+          <a:xfrm>
+            <a:off x="7428823" y="3325211"/>
+            <a:ext cx="1164101" cy="584775"/>
+          </a:xfrm>
+          <a:prstGeom prst="rect">
+            <a:avLst/>
+          </a:prstGeom>
+          <a:noFill/>
+        </p:spPr>
+        <p:txBody>
+          <a:bodyPr wrap="none" rtlCol="0">
+            <a:spAutoFit/>
+          </a:bodyPr>
+          <a:lstStyle/>
+          <a:p>
+            <a:pPr algn="ctr"/>
+            <a:r>
+              <a:rPr lang="en-US" sz="1600" b="1" dirty="0">
+                <a:solidFill>
+                  <a:schemeClr val="accent6">
+                    <a:lumMod val="75000"/>
+                  </a:schemeClr>
+                </a:solidFill>
+              </a:rPr>
+              <a:t>POS. </a:t>
+            </a:r>
+            <a:r>
+              <a:rPr lang="en-US" sz="1600" b="1" dirty="0" smtClean="0">
+                <a:solidFill>
+                  <a:schemeClr val="accent6">
+                    <a:lumMod val="75000"/>
+                  </a:schemeClr>
+                </a:solidFill>
+              </a:rPr>
+              <a:t>INDEX</a:t>
+            </a:r>
+          </a:p>
+          <a:p>
+            <a:pPr algn="ctr"/>
+            <a:r>
+              <a:rPr lang="en-US" sz="1600" b="1" dirty="0" smtClean="0">
+                <a:solidFill>
+                  <a:schemeClr val="accent6">
+                    <a:lumMod val="75000"/>
+                  </a:schemeClr>
+                </a:solidFill>
+              </a:rPr>
+              <a:t>ON ROWS</a:t>
+            </a:r>
+            <a:endParaRPr lang="en-US" sz="1600" b="1" dirty="0">
+              <a:solidFill>
+                <a:schemeClr val="accent6">
+                  <a:lumMod val="75000"/>
+                </a:schemeClr>
+              </a:solidFill>
+            </a:endParaRPr>
+          </a:p>
+        </p:txBody>
+      </p:sp>
+      <p:sp>
+        <p:nvSpPr>
+          <p:cNvPr id="16" name="TextBox 15"/>
+          <p:cNvSpPr txBox="1"/>
+          <p:nvPr/>
+        </p:nvSpPr>
+        <p:spPr>
+          <a:xfrm>
+            <a:off x="457821" y="1457819"/>
+            <a:ext cx="7079228" cy="369332"/>
+          </a:xfrm>
+          <a:prstGeom prst="rect">
+            <a:avLst/>
+          </a:prstGeom>
+          <a:noFill/>
+        </p:spPr>
+        <p:txBody>
+          <a:bodyPr wrap="square" rtlCol="0">
+            <a:spAutoFit/>
+          </a:bodyPr>
+          <a:lstStyle/>
+          <a:p>
+            <a:r>
+              <a:rPr lang="en-US" dirty="0" smtClean="0">
+                <a:solidFill>
+                  <a:srgbClr val="000000"/>
+                </a:solidFill>
+                <a:latin typeface="Helvetica Neue"/>
+              </a:rPr>
+              <a:t>Return the first or last rows</a:t>
+            </a:r>
+          </a:p>
+        </p:txBody>
+      </p:sp>
+      <p:pic>
+        <p:nvPicPr>
+          <p:cNvPr id="2" name="Picture 1"/>
+          <p:cNvPicPr>
+            <a:picLocks noChangeAspect="1"/>
+          </p:cNvPicPr>
+          <p:nvPr/>
+        </p:nvPicPr>
+        <p:blipFill>
+          <a:blip r:embed="rId4"/>
+          <a:stretch>
+            <a:fillRect/>
+          </a:stretch>
+        </p:blipFill>
+        <p:spPr>
+          <a:xfrm>
+            <a:off x="341123" y="3222021"/>
+            <a:ext cx="3009135" cy="2519276"/>
+          </a:xfrm>
+          <a:prstGeom prst="rect">
+            <a:avLst/>
+          </a:prstGeom>
+        </p:spPr>
+      </p:pic>
+      <p:pic>
+        <p:nvPicPr>
+          <p:cNvPr id="3" name="Picture 2"/>
+          <p:cNvPicPr>
+            <a:picLocks noChangeAspect="1"/>
+          </p:cNvPicPr>
+          <p:nvPr/>
+        </p:nvPicPr>
+        <p:blipFill>
+          <a:blip r:embed="rId5"/>
+          <a:stretch>
+            <a:fillRect/>
+          </a:stretch>
+        </p:blipFill>
+        <p:spPr>
+          <a:xfrm>
+            <a:off x="3874589" y="3423440"/>
+            <a:ext cx="2677488" cy="2029910"/>
+          </a:xfrm>
+          <a:prstGeom prst="rect">
+            <a:avLst/>
+          </a:prstGeom>
+        </p:spPr>
+      </p:pic>
+      <p:sp>
+        <p:nvSpPr>
+          <p:cNvPr id="4" name="Footer Placeholder 3"/>
+          <p:cNvSpPr>
+            <a:spLocks noGrp="1"/>
+          </p:cNvSpPr>
+          <p:nvPr>
+            <p:ph type="ftr" sz="quarter" idx="11"/>
+          </p:nvPr>
+        </p:nvSpPr>
+        <p:spPr/>
+        <p:txBody>
+          <a:bodyPr/>
+          <a:lstStyle/>
+          <a:p>
+            <a:r>
+              <a:rPr lang="en-US" smtClean="0"/>
+              <a:t>Michele Samorani - Data Science Analysis with Python</a:t>
+            </a:r>
+            <a:endParaRPr lang="en-US"/>
+          </a:p>
+        </p:txBody>
+      </p:sp>
+    </p:spTree>
+    <p:extLst>
+      <p:ext uri="{BB962C8B-B14F-4D97-AF65-F5344CB8AC3E}">
+        <p14:creationId xmlns:p14="http://schemas.microsoft.com/office/powerpoint/2010/main" val="796707302"/>
+      </p:ext>
+    </p:extLst>
+  </p:cSld>
+  <p:clrMapOvr>
+    <a:masterClrMapping/>
+  </p:clrMapOvr>
+  <p:timing>
+    <p:tnLst>
+      <p:par>
+        <p:cTn id="1" dur="indefinite" restart="never" nodeType="tmRoot"/>
+      </p:par>
+    </p:tnLst>
+  </p:timing>
+</p:sld>
+</file>
+
+<file path=ppt/slides/slide19.xml><?xml version="1.0" encoding="utf-8"?>
+<p:sld xmlns:a="http://schemas.openxmlformats.org/drawingml/2006/main" xmlns:r="http://schemas.openxmlformats.org/officeDocument/2006/relationships" xmlns:p="http://schemas.openxmlformats.org/presentationml/2006/main">
+  <p:cSld>
+    <p:spTree>
+      <p:nvGrpSpPr>
+        <p:cNvPr id="1" name=""/>
+        <p:cNvGrpSpPr/>
+        <p:nvPr/>
+      </p:nvGrpSpPr>
+      <p:grpSpPr>
+        <a:xfrm>
+          <a:off x="0" y="0"/>
+          <a:ext cx="0" cy="0"/>
+          <a:chOff x="0" y="0"/>
+          <a:chExt cx="0" cy="0"/>
+        </a:xfrm>
+      </p:grpSpPr>
+      <p:sp>
+        <p:nvSpPr>
           <p:cNvPr id="2" name="Title 1"/>
           <p:cNvSpPr>
             <a:spLocks noGrp="1"/>
@@ -7663,7 +10083,12 @@
             <p:ph type="title"/>
           </p:nvPr>
         </p:nvSpPr>
-        <p:spPr/>
+        <p:spPr>
+          <a:xfrm>
+            <a:off x="838200" y="365125"/>
+            <a:ext cx="10515600" cy="715099"/>
+          </a:xfrm>
+        </p:spPr>
         <p:txBody>
           <a:bodyPr/>
           <a:lstStyle/>
@@ -7686,7 +10111,12 @@
             <p:ph idx="1"/>
           </p:nvPr>
         </p:nvSpPr>
-        <p:spPr/>
+        <p:spPr>
+          <a:xfrm>
+            <a:off x="838200" y="1198669"/>
+            <a:ext cx="10515600" cy="4978294"/>
+          </a:xfrm>
+        </p:spPr>
         <p:txBody>
           <a:bodyPr/>
           <a:lstStyle/>
@@ -7697,29 +10127,12 @@
             </a:pPr>
             <a:r>
               <a:rPr lang="en-US" dirty="0"/>
-              <a:t>Compute the spread (i.e., highest minus </a:t>
-            </a:r>
-            <a:r>
-              <a:rPr lang="en-US" dirty="0" smtClean="0"/>
-              <a:t>lowest </a:t>
-            </a:r>
-            <a:r>
-              <a:rPr lang="en-US" dirty="0" err="1" smtClean="0"/>
-              <a:t>hw</a:t>
-            </a:r>
-            <a:r>
-              <a:rPr lang="en-US" dirty="0" smtClean="0"/>
-              <a:t> </a:t>
-            </a:r>
-            <a:r>
-              <a:rPr lang="en-US" dirty="0"/>
-              <a:t>grade) of each student. Consider only the students who submitted both </a:t>
-            </a:r>
-            <a:r>
-              <a:rPr lang="en-US" dirty="0" err="1"/>
-              <a:t>homeworks</a:t>
-            </a:r>
-            <a:endParaRPr lang="en-US" dirty="0" smtClean="0"/>
+              <a:t>Sort the MSIS students by hw2 descending</a:t>
+            </a:r>
+            <a:r>
+              <a:rPr lang="en-US" dirty="0" smtClean="0"/>
+              <a:t>.</a:t>
+            </a:r>
           </a:p>
           <a:p>
             <a:pPr marL="514350" indent="-514350">
@@ -7728,9 +10141,44 @@
             </a:pPr>
             <a:r>
               <a:rPr lang="en-US" dirty="0" smtClean="0"/>
-              <a:t>Who has the largest spread?</a:t>
-            </a:r>
-            <a:endParaRPr lang="en-US" dirty="0"/>
+              <a:t>Show</a:t>
+            </a:r>
+            <a:r>
+              <a:rPr lang="en-US" dirty="0"/>
+              <a:t> </a:t>
+            </a:r>
+            <a:r>
+              <a:rPr lang="en-US" b="1" dirty="0"/>
+              <a:t>only</a:t>
+            </a:r>
+            <a:r>
+              <a:rPr lang="en-US" dirty="0"/>
+              <a:t> the field </a:t>
+            </a:r>
+            <a:r>
+              <a:rPr lang="en-US" i="1" dirty="0"/>
+              <a:t>hw1</a:t>
+            </a:r>
+            <a:r>
+              <a:rPr lang="en-US" dirty="0"/>
+              <a:t> of the four students with the largest hw2 grade (do not use </a:t>
+            </a:r>
+            <a:r>
+              <a:rPr lang="en-US" dirty="0" err="1"/>
+              <a:t>nlargest</a:t>
+            </a:r>
+            <a:r>
+              <a:rPr lang="en-US" dirty="0"/>
+              <a:t> on the </a:t>
+            </a:r>
+            <a:r>
+              <a:rPr lang="en-US" dirty="0" err="1"/>
+              <a:t>dataframe</a:t>
+            </a:r>
+            <a:r>
+              <a:rPr lang="en-US" dirty="0"/>
+              <a:t>... it has bugs)</a:t>
+            </a:r>
           </a:p>
         </p:txBody>
       </p:sp>
@@ -7760,13 +10208,20 @@
     </p:spTree>
     <p:extLst>
       <p:ext uri="{BB962C8B-B14F-4D97-AF65-F5344CB8AC3E}">
-        <p14:creationId xmlns:p14="http://schemas.microsoft.com/office/powerpoint/2010/main" val="517335070"/>
+        <p14:creationId xmlns:p14="http://schemas.microsoft.com/office/powerpoint/2010/main" val="242653141"/>
       </p:ext>
     </p:extLst>
   </p:cSld>
   <p:clrMapOvr>
     <a:masterClrMapping/>
   </p:clrMapOvr>
+  <p:timing>
+    <p:tnLst>
+      <p:par>
+        <p:cTn id="1" dur="indefinite" restart="never" nodeType="tmRoot"/>
+      </p:par>
+    </p:tnLst>
+  </p:timing>
 </p:sld>
 </file>
 
@@ -7869,6 +10324,815 @@
       </p:par>
     </p:tnLst>
   </p:timing>
+</p:sld>
+</file>
+
+<file path=ppt/slides/slide20.xml><?xml version="1.0" encoding="utf-8"?>
+<p:sld xmlns:a="http://schemas.openxmlformats.org/drawingml/2006/main" xmlns:r="http://schemas.openxmlformats.org/officeDocument/2006/relationships" xmlns:p="http://schemas.openxmlformats.org/presentationml/2006/main">
+  <p:cSld>
+    <p:spTree>
+      <p:nvGrpSpPr>
+        <p:cNvPr id="1" name=""/>
+        <p:cNvGrpSpPr/>
+        <p:nvPr/>
+      </p:nvGrpSpPr>
+      <p:grpSpPr>
+        <a:xfrm>
+          <a:off x="0" y="0"/>
+          <a:ext cx="0" cy="0"/>
+          <a:chOff x="0" y="0"/>
+          <a:chExt cx="0" cy="0"/>
+        </a:xfrm>
+      </p:grpSpPr>
+      <p:sp>
+        <p:nvSpPr>
+          <p:cNvPr id="14" name="Title 1"/>
+          <p:cNvSpPr>
+            <a:spLocks noGrp="1"/>
+          </p:cNvSpPr>
+          <p:nvPr>
+            <p:ph type="title"/>
+          </p:nvPr>
+        </p:nvSpPr>
+        <p:spPr>
+          <a:xfrm>
+            <a:off x="621748" y="188552"/>
+            <a:ext cx="10515600" cy="723297"/>
+          </a:xfrm>
+        </p:spPr>
+        <p:txBody>
+          <a:bodyPr>
+            <a:normAutofit fontScale="90000"/>
+          </a:bodyPr>
+          <a:lstStyle/>
+          <a:p>
+            <a:r>
+              <a:rPr lang="en-US" sz="5400" b="1" dirty="0" smtClean="0"/>
+              <a:t>mean, max, min, </a:t>
+            </a:r>
+            <a:r>
+              <a:rPr lang="en-US" sz="5400" b="1" dirty="0" err="1" smtClean="0"/>
+              <a:t>etc</a:t>
+            </a:r>
+            <a:endParaRPr lang="en-US" sz="5400" b="1" dirty="0"/>
+          </a:p>
+        </p:txBody>
+      </p:sp>
+      <p:pic>
+        <p:nvPicPr>
+          <p:cNvPr id="17" name="Picture 16"/>
+          <p:cNvPicPr>
+            <a:picLocks noChangeAspect="1"/>
+          </p:cNvPicPr>
+          <p:nvPr/>
+        </p:nvPicPr>
+        <p:blipFill>
+          <a:blip r:embed="rId3"/>
+          <a:stretch>
+            <a:fillRect/>
+          </a:stretch>
+        </p:blipFill>
+        <p:spPr>
+          <a:xfrm>
+            <a:off x="8883228" y="2110038"/>
+            <a:ext cx="2446175" cy="3938286"/>
+          </a:xfrm>
+          <a:prstGeom prst="rect">
+            <a:avLst/>
+          </a:prstGeom>
+        </p:spPr>
+      </p:pic>
+      <p:sp>
+        <p:nvSpPr>
+          <p:cNvPr id="18" name="TextBox 17"/>
+          <p:cNvSpPr txBox="1"/>
+          <p:nvPr/>
+        </p:nvSpPr>
+        <p:spPr>
+          <a:xfrm>
+            <a:off x="8464524" y="2457640"/>
+            <a:ext cx="418704" cy="3652282"/>
+          </a:xfrm>
+          <a:prstGeom prst="rect">
+            <a:avLst/>
+          </a:prstGeom>
+          <a:solidFill>
+            <a:schemeClr val="accent6">
+              <a:lumMod val="20000"/>
+              <a:lumOff val="80000"/>
+            </a:schemeClr>
+          </a:solidFill>
+        </p:spPr>
+        <p:txBody>
+          <a:bodyPr wrap="none" rtlCol="0">
+            <a:spAutoFit/>
+          </a:bodyPr>
+          <a:lstStyle/>
+          <a:p>
+            <a:pPr algn="ctr">
+              <a:spcBef>
+                <a:spcPts val="300"/>
+              </a:spcBef>
+            </a:pPr>
+            <a:r>
+              <a:rPr lang="en-US" dirty="0" smtClean="0"/>
+              <a:t>0</a:t>
+            </a:r>
+          </a:p>
+          <a:p>
+            <a:pPr algn="ctr">
+              <a:spcBef>
+                <a:spcPts val="300"/>
+              </a:spcBef>
+            </a:pPr>
+            <a:r>
+              <a:rPr lang="en-US" dirty="0" smtClean="0"/>
+              <a:t>1</a:t>
+            </a:r>
+          </a:p>
+          <a:p>
+            <a:pPr algn="ctr">
+              <a:spcBef>
+                <a:spcPts val="300"/>
+              </a:spcBef>
+            </a:pPr>
+            <a:r>
+              <a:rPr lang="en-US" dirty="0" smtClean="0"/>
+              <a:t>2</a:t>
+            </a:r>
+          </a:p>
+          <a:p>
+            <a:pPr algn="ctr">
+              <a:spcBef>
+                <a:spcPts val="300"/>
+              </a:spcBef>
+            </a:pPr>
+            <a:r>
+              <a:rPr lang="en-US" dirty="0" smtClean="0"/>
+              <a:t>3</a:t>
+            </a:r>
+          </a:p>
+          <a:p>
+            <a:pPr algn="ctr">
+              <a:spcBef>
+                <a:spcPts val="300"/>
+              </a:spcBef>
+            </a:pPr>
+            <a:r>
+              <a:rPr lang="en-US" dirty="0" smtClean="0"/>
+              <a:t>4</a:t>
+            </a:r>
+          </a:p>
+          <a:p>
+            <a:pPr algn="ctr">
+              <a:spcBef>
+                <a:spcPts val="300"/>
+              </a:spcBef>
+            </a:pPr>
+            <a:r>
+              <a:rPr lang="en-US" dirty="0" smtClean="0"/>
+              <a:t>5</a:t>
+            </a:r>
+          </a:p>
+          <a:p>
+            <a:pPr algn="ctr">
+              <a:spcBef>
+                <a:spcPts val="300"/>
+              </a:spcBef>
+            </a:pPr>
+            <a:r>
+              <a:rPr lang="en-US" dirty="0" smtClean="0"/>
+              <a:t>6</a:t>
+            </a:r>
+          </a:p>
+          <a:p>
+            <a:pPr algn="ctr">
+              <a:spcBef>
+                <a:spcPts val="300"/>
+              </a:spcBef>
+            </a:pPr>
+            <a:r>
+              <a:rPr lang="en-US" dirty="0" smtClean="0"/>
+              <a:t>7</a:t>
+            </a:r>
+          </a:p>
+          <a:p>
+            <a:pPr algn="ctr">
+              <a:spcBef>
+                <a:spcPts val="300"/>
+              </a:spcBef>
+            </a:pPr>
+            <a:r>
+              <a:rPr lang="en-US" dirty="0" smtClean="0"/>
+              <a:t>8</a:t>
+            </a:r>
+          </a:p>
+          <a:p>
+            <a:pPr algn="ctr">
+              <a:spcBef>
+                <a:spcPts val="300"/>
+              </a:spcBef>
+            </a:pPr>
+            <a:r>
+              <a:rPr lang="en-US" dirty="0" smtClean="0"/>
+              <a:t>9</a:t>
+            </a:r>
+          </a:p>
+          <a:p>
+            <a:pPr algn="ctr">
+              <a:spcBef>
+                <a:spcPts val="300"/>
+              </a:spcBef>
+            </a:pPr>
+            <a:r>
+              <a:rPr lang="en-US" dirty="0" smtClean="0"/>
+              <a:t>10</a:t>
+            </a:r>
+            <a:endParaRPr lang="en-US" dirty="0"/>
+          </a:p>
+        </p:txBody>
+      </p:sp>
+      <p:sp>
+        <p:nvSpPr>
+          <p:cNvPr id="19" name="Rectangle 18"/>
+          <p:cNvSpPr/>
+          <p:nvPr/>
+        </p:nvSpPr>
+        <p:spPr>
+          <a:xfrm>
+            <a:off x="8912845" y="2466863"/>
+            <a:ext cx="835083" cy="3521503"/>
+          </a:xfrm>
+          <a:prstGeom prst="rect">
+            <a:avLst/>
+          </a:prstGeom>
+          <a:solidFill>
+            <a:schemeClr val="accent1">
+              <a:alpha val="33000"/>
+            </a:schemeClr>
+          </a:solidFill>
+        </p:spPr>
+        <p:style>
+          <a:lnRef idx="2">
+            <a:schemeClr val="accent1">
+              <a:shade val="50000"/>
+            </a:schemeClr>
+          </a:lnRef>
+          <a:fillRef idx="1">
+            <a:schemeClr val="accent1"/>
+          </a:fillRef>
+          <a:effectRef idx="0">
+            <a:schemeClr val="accent1"/>
+          </a:effectRef>
+          <a:fontRef idx="minor">
+            <a:schemeClr val="lt1"/>
+          </a:fontRef>
+        </p:style>
+        <p:txBody>
+          <a:bodyPr rtlCol="0" anchor="ctr"/>
+          <a:lstStyle/>
+          <a:p>
+            <a:pPr algn="ctr"/>
+            <a:endParaRPr lang="en-US"/>
+          </a:p>
+        </p:txBody>
+      </p:sp>
+      <p:sp>
+        <p:nvSpPr>
+          <p:cNvPr id="21" name="TextBox 20"/>
+          <p:cNvSpPr txBox="1"/>
+          <p:nvPr/>
+        </p:nvSpPr>
+        <p:spPr>
+          <a:xfrm>
+            <a:off x="9753896" y="1734453"/>
+            <a:ext cx="1540806" cy="369332"/>
+          </a:xfrm>
+          <a:prstGeom prst="rect">
+            <a:avLst/>
+          </a:prstGeom>
+          <a:solidFill>
+            <a:schemeClr val="accent6">
+              <a:lumMod val="20000"/>
+              <a:lumOff val="80000"/>
+            </a:schemeClr>
+          </a:solidFill>
+        </p:spPr>
+        <p:txBody>
+          <a:bodyPr wrap="none" rtlCol="0">
+            <a:spAutoFit/>
+          </a:bodyPr>
+          <a:lstStyle/>
+          <a:p>
+            <a:pPr>
+              <a:spcBef>
+                <a:spcPts val="300"/>
+              </a:spcBef>
+            </a:pPr>
+            <a:r>
+              <a:rPr lang="en-US" dirty="0" smtClean="0"/>
+              <a:t>0      1       2      </a:t>
+            </a:r>
+            <a:endParaRPr lang="en-US" dirty="0"/>
+          </a:p>
+        </p:txBody>
+      </p:sp>
+      <p:sp>
+        <p:nvSpPr>
+          <p:cNvPr id="22" name="Rectangle 21"/>
+          <p:cNvSpPr/>
+          <p:nvPr/>
+        </p:nvSpPr>
+        <p:spPr>
+          <a:xfrm>
+            <a:off x="9747928" y="2119535"/>
+            <a:ext cx="1552355" cy="338105"/>
+          </a:xfrm>
+          <a:prstGeom prst="rect">
+            <a:avLst/>
+          </a:prstGeom>
+          <a:solidFill>
+            <a:schemeClr val="accent1">
+              <a:alpha val="33000"/>
+            </a:schemeClr>
+          </a:solidFill>
+        </p:spPr>
+        <p:style>
+          <a:lnRef idx="2">
+            <a:schemeClr val="accent1">
+              <a:shade val="50000"/>
+            </a:schemeClr>
+          </a:lnRef>
+          <a:fillRef idx="1">
+            <a:schemeClr val="accent1"/>
+          </a:fillRef>
+          <a:effectRef idx="0">
+            <a:schemeClr val="accent1"/>
+          </a:effectRef>
+          <a:fontRef idx="minor">
+            <a:schemeClr val="lt1"/>
+          </a:fontRef>
+        </p:style>
+        <p:txBody>
+          <a:bodyPr rtlCol="0" anchor="ctr"/>
+          <a:lstStyle/>
+          <a:p>
+            <a:pPr algn="ctr"/>
+            <a:endParaRPr lang="en-US"/>
+          </a:p>
+        </p:txBody>
+      </p:sp>
+      <p:sp>
+        <p:nvSpPr>
+          <p:cNvPr id="23" name="TextBox 22"/>
+          <p:cNvSpPr txBox="1"/>
+          <p:nvPr/>
+        </p:nvSpPr>
+        <p:spPr>
+          <a:xfrm>
+            <a:off x="9576351" y="1088122"/>
+            <a:ext cx="1805301" cy="584775"/>
+          </a:xfrm>
+          <a:prstGeom prst="rect">
+            <a:avLst/>
+          </a:prstGeom>
+          <a:noFill/>
+        </p:spPr>
+        <p:txBody>
+          <a:bodyPr wrap="none" rtlCol="0">
+            <a:spAutoFit/>
+          </a:bodyPr>
+          <a:lstStyle/>
+          <a:p>
+            <a:pPr algn="ctr"/>
+            <a:r>
+              <a:rPr lang="en-US" sz="1600" b="1" dirty="0">
+                <a:solidFill>
+                  <a:schemeClr val="accent6">
+                    <a:lumMod val="75000"/>
+                  </a:schemeClr>
+                </a:solidFill>
+              </a:rPr>
+              <a:t>POSITIONAL INDEX</a:t>
+            </a:r>
+            <a:endParaRPr lang="en-US" sz="1600" b="1" dirty="0" smtClean="0">
+              <a:solidFill>
+                <a:schemeClr val="accent6">
+                  <a:lumMod val="75000"/>
+                </a:schemeClr>
+              </a:solidFill>
+            </a:endParaRPr>
+          </a:p>
+          <a:p>
+            <a:pPr algn="ctr"/>
+            <a:r>
+              <a:rPr lang="en-US" sz="1600" b="1" dirty="0" smtClean="0">
+                <a:solidFill>
+                  <a:schemeClr val="accent6">
+                    <a:lumMod val="75000"/>
+                  </a:schemeClr>
+                </a:solidFill>
+              </a:rPr>
+              <a:t>ON THE COLUMNS</a:t>
+            </a:r>
+            <a:endParaRPr lang="en-US" sz="1600" b="1" dirty="0">
+              <a:solidFill>
+                <a:schemeClr val="accent6">
+                  <a:lumMod val="75000"/>
+                </a:schemeClr>
+              </a:solidFill>
+            </a:endParaRPr>
+          </a:p>
+        </p:txBody>
+      </p:sp>
+      <p:sp>
+        <p:nvSpPr>
+          <p:cNvPr id="24" name="TextBox 23"/>
+          <p:cNvSpPr txBox="1"/>
+          <p:nvPr/>
+        </p:nvSpPr>
+        <p:spPr>
+          <a:xfrm>
+            <a:off x="11300283" y="2173081"/>
+            <a:ext cx="948401" cy="307777"/>
+          </a:xfrm>
+          <a:prstGeom prst="rect">
+            <a:avLst/>
+          </a:prstGeom>
+          <a:noFill/>
+        </p:spPr>
+        <p:txBody>
+          <a:bodyPr wrap="none" rtlCol="0">
+            <a:spAutoFit/>
+          </a:bodyPr>
+          <a:lstStyle/>
+          <a:p>
+            <a:r>
+              <a:rPr lang="en-US" sz="1400" b="1" dirty="0" smtClean="0">
+                <a:solidFill>
+                  <a:srgbClr val="0070C0"/>
+                </a:solidFill>
+              </a:rPr>
+              <a:t>COLUMNS</a:t>
+            </a:r>
+          </a:p>
+        </p:txBody>
+      </p:sp>
+      <p:sp>
+        <p:nvSpPr>
+          <p:cNvPr id="25" name="TextBox 24"/>
+          <p:cNvSpPr txBox="1"/>
+          <p:nvPr/>
+        </p:nvSpPr>
+        <p:spPr>
+          <a:xfrm rot="1405271">
+            <a:off x="8347505" y="2081337"/>
+            <a:ext cx="652743" cy="307777"/>
+          </a:xfrm>
+          <a:prstGeom prst="rect">
+            <a:avLst/>
+          </a:prstGeom>
+          <a:noFill/>
+        </p:spPr>
+        <p:txBody>
+          <a:bodyPr wrap="none" rtlCol="0">
+            <a:spAutoFit/>
+          </a:bodyPr>
+          <a:lstStyle/>
+          <a:p>
+            <a:r>
+              <a:rPr lang="en-US" sz="1400" b="1" dirty="0" smtClean="0">
+                <a:solidFill>
+                  <a:srgbClr val="0070C0"/>
+                </a:solidFill>
+              </a:rPr>
+              <a:t>INDEX</a:t>
+            </a:r>
+          </a:p>
+        </p:txBody>
+      </p:sp>
+      <p:sp>
+        <p:nvSpPr>
+          <p:cNvPr id="26" name="TextBox 25"/>
+          <p:cNvSpPr txBox="1"/>
+          <p:nvPr/>
+        </p:nvSpPr>
+        <p:spPr>
+          <a:xfrm>
+            <a:off x="7428823" y="3325211"/>
+            <a:ext cx="1164101" cy="584775"/>
+          </a:xfrm>
+          <a:prstGeom prst="rect">
+            <a:avLst/>
+          </a:prstGeom>
+          <a:noFill/>
+        </p:spPr>
+        <p:txBody>
+          <a:bodyPr wrap="none" rtlCol="0">
+            <a:spAutoFit/>
+          </a:bodyPr>
+          <a:lstStyle/>
+          <a:p>
+            <a:pPr algn="ctr"/>
+            <a:r>
+              <a:rPr lang="en-US" sz="1600" b="1" dirty="0">
+                <a:solidFill>
+                  <a:schemeClr val="accent6">
+                    <a:lumMod val="75000"/>
+                  </a:schemeClr>
+                </a:solidFill>
+              </a:rPr>
+              <a:t>POS. </a:t>
+            </a:r>
+            <a:r>
+              <a:rPr lang="en-US" sz="1600" b="1" dirty="0" smtClean="0">
+                <a:solidFill>
+                  <a:schemeClr val="accent6">
+                    <a:lumMod val="75000"/>
+                  </a:schemeClr>
+                </a:solidFill>
+              </a:rPr>
+              <a:t>INDEX</a:t>
+            </a:r>
+          </a:p>
+          <a:p>
+            <a:pPr algn="ctr"/>
+            <a:r>
+              <a:rPr lang="en-US" sz="1600" b="1" dirty="0" smtClean="0">
+                <a:solidFill>
+                  <a:schemeClr val="accent6">
+                    <a:lumMod val="75000"/>
+                  </a:schemeClr>
+                </a:solidFill>
+              </a:rPr>
+              <a:t>ON ROWS</a:t>
+            </a:r>
+            <a:endParaRPr lang="en-US" sz="1600" b="1" dirty="0">
+              <a:solidFill>
+                <a:schemeClr val="accent6">
+                  <a:lumMod val="75000"/>
+                </a:schemeClr>
+              </a:solidFill>
+            </a:endParaRPr>
+          </a:p>
+        </p:txBody>
+      </p:sp>
+      <p:sp>
+        <p:nvSpPr>
+          <p:cNvPr id="16" name="TextBox 15"/>
+          <p:cNvSpPr txBox="1"/>
+          <p:nvPr/>
+        </p:nvSpPr>
+        <p:spPr>
+          <a:xfrm>
+            <a:off x="457821" y="1114902"/>
+            <a:ext cx="7079228" cy="646331"/>
+          </a:xfrm>
+          <a:prstGeom prst="rect">
+            <a:avLst/>
+          </a:prstGeom>
+          <a:noFill/>
+        </p:spPr>
+        <p:txBody>
+          <a:bodyPr wrap="square" rtlCol="0">
+            <a:spAutoFit/>
+          </a:bodyPr>
+          <a:lstStyle/>
+          <a:p>
+            <a:r>
+              <a:rPr lang="en-US" dirty="0" smtClean="0">
+                <a:solidFill>
+                  <a:srgbClr val="000000"/>
+                </a:solidFill>
+                <a:latin typeface="Helvetica Neue"/>
+              </a:rPr>
+              <a:t>Aggregate functions will be broadcasted to all columns (axis = 0, default) or rows</a:t>
+            </a:r>
+          </a:p>
+        </p:txBody>
+      </p:sp>
+      <p:pic>
+        <p:nvPicPr>
+          <p:cNvPr id="2" name="Picture 1"/>
+          <p:cNvPicPr>
+            <a:picLocks noChangeAspect="1"/>
+          </p:cNvPicPr>
+          <p:nvPr/>
+        </p:nvPicPr>
+        <p:blipFill>
+          <a:blip r:embed="rId4"/>
+          <a:stretch>
+            <a:fillRect/>
+          </a:stretch>
+        </p:blipFill>
+        <p:spPr>
+          <a:xfrm>
+            <a:off x="806253" y="2235225"/>
+            <a:ext cx="1523384" cy="1113686"/>
+          </a:xfrm>
+          <a:prstGeom prst="rect">
+            <a:avLst/>
+          </a:prstGeom>
+        </p:spPr>
+      </p:pic>
+      <p:pic>
+        <p:nvPicPr>
+          <p:cNvPr id="3" name="Picture 2"/>
+          <p:cNvPicPr>
+            <a:picLocks noChangeAspect="1"/>
+          </p:cNvPicPr>
+          <p:nvPr/>
+        </p:nvPicPr>
+        <p:blipFill>
+          <a:blip r:embed="rId5"/>
+          <a:stretch>
+            <a:fillRect/>
+          </a:stretch>
+        </p:blipFill>
+        <p:spPr>
+          <a:xfrm>
+            <a:off x="3810465" y="2589853"/>
+            <a:ext cx="1830524" cy="3077492"/>
+          </a:xfrm>
+          <a:prstGeom prst="rect">
+            <a:avLst/>
+          </a:prstGeom>
+        </p:spPr>
+      </p:pic>
+      <p:sp>
+        <p:nvSpPr>
+          <p:cNvPr id="4" name="Footer Placeholder 3"/>
+          <p:cNvSpPr>
+            <a:spLocks noGrp="1"/>
+          </p:cNvSpPr>
+          <p:nvPr>
+            <p:ph type="ftr" sz="quarter" idx="11"/>
+          </p:nvPr>
+        </p:nvSpPr>
+        <p:spPr/>
+        <p:txBody>
+          <a:bodyPr/>
+          <a:lstStyle/>
+          <a:p>
+            <a:r>
+              <a:rPr lang="en-US" smtClean="0"/>
+              <a:t>Michele Samorani - Data Science Analysis with Python</a:t>
+            </a:r>
+            <a:endParaRPr lang="en-US"/>
+          </a:p>
+        </p:txBody>
+      </p:sp>
+    </p:spTree>
+    <p:extLst>
+      <p:ext uri="{BB962C8B-B14F-4D97-AF65-F5344CB8AC3E}">
+        <p14:creationId xmlns:p14="http://schemas.microsoft.com/office/powerpoint/2010/main" val="1789110749"/>
+      </p:ext>
+    </p:extLst>
+  </p:cSld>
+  <p:clrMapOvr>
+    <a:masterClrMapping/>
+  </p:clrMapOvr>
+  <p:timing>
+    <p:tnLst>
+      <p:par>
+        <p:cTn id="1" dur="indefinite" restart="never" nodeType="tmRoot"/>
+      </p:par>
+    </p:tnLst>
+  </p:timing>
+</p:sld>
+</file>
+
+<file path=ppt/slides/slide21.xml><?xml version="1.0" encoding="utf-8"?>
+<p:sld xmlns:a="http://schemas.openxmlformats.org/drawingml/2006/main" xmlns:r="http://schemas.openxmlformats.org/officeDocument/2006/relationships" xmlns:p="http://schemas.openxmlformats.org/presentationml/2006/main">
+  <p:cSld>
+    <p:spTree>
+      <p:nvGrpSpPr>
+        <p:cNvPr id="1" name=""/>
+        <p:cNvGrpSpPr/>
+        <p:nvPr/>
+      </p:nvGrpSpPr>
+      <p:grpSpPr>
+        <a:xfrm>
+          <a:off x="0" y="0"/>
+          <a:ext cx="0" cy="0"/>
+          <a:chOff x="0" y="0"/>
+          <a:chExt cx="0" cy="0"/>
+        </a:xfrm>
+      </p:grpSpPr>
+      <p:sp>
+        <p:nvSpPr>
+          <p:cNvPr id="2" name="Title 1"/>
+          <p:cNvSpPr>
+            <a:spLocks noGrp="1"/>
+          </p:cNvSpPr>
+          <p:nvPr>
+            <p:ph type="title"/>
+          </p:nvPr>
+        </p:nvSpPr>
+        <p:spPr/>
+        <p:txBody>
+          <a:bodyPr/>
+          <a:lstStyle/>
+          <a:p>
+            <a:r>
+              <a:rPr lang="en-US" dirty="0" smtClean="0"/>
+              <a:t>Problems</a:t>
+            </a:r>
+            <a:endParaRPr lang="en-US" dirty="0"/>
+          </a:p>
+        </p:txBody>
+      </p:sp>
+      <p:sp>
+        <p:nvSpPr>
+          <p:cNvPr id="3" name="Content Placeholder 2"/>
+          <p:cNvSpPr>
+            <a:spLocks noGrp="1"/>
+          </p:cNvSpPr>
+          <p:nvPr>
+            <p:ph idx="1"/>
+          </p:nvPr>
+        </p:nvSpPr>
+        <p:spPr/>
+        <p:txBody>
+          <a:bodyPr/>
+          <a:lstStyle/>
+          <a:p>
+            <a:pPr marL="514350" indent="-514350">
+              <a:buFont typeface="+mj-lt"/>
+              <a:buAutoNum type="arabicPeriod"/>
+            </a:pPr>
+            <a:r>
+              <a:rPr lang="en-US" dirty="0"/>
+              <a:t>Compute the spread (i.e., highest minus </a:t>
+            </a:r>
+            <a:r>
+              <a:rPr lang="en-US" dirty="0" smtClean="0"/>
+              <a:t>lowest </a:t>
+            </a:r>
+            <a:r>
+              <a:rPr lang="en-US" dirty="0" err="1" smtClean="0"/>
+              <a:t>hw</a:t>
+            </a:r>
+            <a:r>
+              <a:rPr lang="en-US" dirty="0" smtClean="0"/>
+              <a:t> </a:t>
+            </a:r>
+            <a:r>
+              <a:rPr lang="en-US" dirty="0"/>
+              <a:t>grade) of each student. Consider only the students who submitted both </a:t>
+            </a:r>
+            <a:r>
+              <a:rPr lang="en-US" dirty="0" err="1"/>
+              <a:t>homeworks</a:t>
+            </a:r>
+            <a:endParaRPr lang="en-US" dirty="0" smtClean="0"/>
+          </a:p>
+          <a:p>
+            <a:pPr marL="514350" indent="-514350">
+              <a:buFont typeface="+mj-lt"/>
+              <a:buAutoNum type="arabicPeriod"/>
+            </a:pPr>
+            <a:r>
+              <a:rPr lang="en-US" dirty="0" smtClean="0"/>
+              <a:t>Who has the largest spread?</a:t>
+            </a:r>
+            <a:endParaRPr lang="en-US" dirty="0"/>
+          </a:p>
+        </p:txBody>
+      </p:sp>
+      <p:sp>
+        <p:nvSpPr>
+          <p:cNvPr id="4" name="Footer Placeholder 3"/>
+          <p:cNvSpPr>
+            <a:spLocks noGrp="1"/>
+          </p:cNvSpPr>
+          <p:nvPr>
+            <p:ph type="ftr" sz="quarter" idx="11"/>
+          </p:nvPr>
+        </p:nvSpPr>
+        <p:spPr/>
+        <p:txBody>
+          <a:bodyPr/>
+          <a:lstStyle/>
+          <a:p>
+            <a:r>
+              <a:rPr lang="en-US" smtClean="0"/>
+              <a:t>Michele Samorani - Data Science Analysis with Python</a:t>
+            </a:r>
+            <a:endParaRPr lang="en-US"/>
+          </a:p>
+        </p:txBody>
+      </p:sp>
+    </p:spTree>
+    <p:extLst>
+      <p:ext uri="{BB962C8B-B14F-4D97-AF65-F5344CB8AC3E}">
+        <p14:creationId xmlns:p14="http://schemas.microsoft.com/office/powerpoint/2010/main" val="517335070"/>
+      </p:ext>
+    </p:extLst>
+  </p:cSld>
+  <p:clrMapOvr>
+    <a:masterClrMapping/>
+  </p:clrMapOvr>
 </p:sld>
 </file>
 
@@ -10282,7 +13546,7 @@
           <a:p>
             <a:r>
               <a:rPr lang="en-US" sz="5400" b="1" dirty="0" err="1" smtClean="0"/>
-              <a:t>df.ix</a:t>
+              <a:t>df.iloc</a:t>
             </a:r>
             <a:r>
               <a:rPr lang="en-US" sz="5400" b="1" dirty="0" smtClean="0"/>
@@ -10309,7 +13573,7 @@
         <p:spPr>
           <a:xfrm>
             <a:off x="457821" y="1443832"/>
-            <a:ext cx="7079228" cy="3447098"/>
+            <a:ext cx="7079228" cy="2339102"/>
           </a:xfrm>
           <a:prstGeom prst="rect">
             <a:avLst/>
@@ -10322,6 +13586,15 @@
           </a:bodyPr>
           <a:lstStyle/>
           <a:p>
+            <a:r>
+              <a:rPr lang="en-US" dirty="0" smtClean="0">
+                <a:solidFill>
+                  <a:srgbClr val="000000"/>
+                </a:solidFill>
+                <a:latin typeface="Helvetica Neue"/>
+              </a:rPr>
+              <a:t>Access </a:t>
+            </a:r>
             <a:r>
               <a:rPr lang="en-US" dirty="0">
                 <a:solidFill>
@@ -10329,70 +13602,36 @@
                 </a:solidFill>
                 <a:latin typeface="Helvetica Neue"/>
               </a:rPr>
-              <a:t>Access using the index labels or the </a:t>
-            </a:r>
-            <a:r>
-              <a:rPr lang="en-US" dirty="0" smtClean="0">
+              <a:t>using the positional index..</a:t>
+            </a:r>
+            <a:endParaRPr lang="en-US" dirty="0" smtClean="0">
+              <a:solidFill>
+                <a:srgbClr val="000000"/>
+              </a:solidFill>
+              <a:latin typeface="Helvetica Neue"/>
+            </a:endParaRPr>
+          </a:p>
+          <a:p>
+            <a:endParaRPr lang="en-US" dirty="0">
+              <a:solidFill>
+                <a:srgbClr val="000000"/>
+              </a:solidFill>
+              <a:latin typeface="Helvetica Neue"/>
+            </a:endParaRPr>
+          </a:p>
+          <a:p>
+            <a:pPr>
+              <a:buFont typeface="Arial" panose="020B0604020202020204" pitchFamily="34" charset="0"/>
+              <a:buChar char="•"/>
+            </a:pPr>
+            <a:r>
+              <a:rPr lang="en-US" b="1" dirty="0">
                 <a:solidFill>
                   <a:srgbClr val="000000"/>
                 </a:solidFill>
                 <a:latin typeface="Helvetica Neue"/>
               </a:rPr>
-              <a:t>positional indices</a:t>
-            </a:r>
-            <a:r>
-              <a:rPr lang="en-US" dirty="0">
-                <a:solidFill>
-                  <a:srgbClr val="000000"/>
-                </a:solidFill>
-                <a:latin typeface="Helvetica Neue"/>
-              </a:rPr>
-              <a:t>. If the index labels are integer and you want to access the </a:t>
-            </a:r>
-            <a:r>
-              <a:rPr lang="en-US" dirty="0" err="1">
-                <a:solidFill>
-                  <a:srgbClr val="000000"/>
-                </a:solidFill>
-                <a:latin typeface="Helvetica Neue"/>
-              </a:rPr>
-              <a:t>dataframe</a:t>
-            </a:r>
-            <a:r>
-              <a:rPr lang="en-US" dirty="0">
-                <a:solidFill>
-                  <a:srgbClr val="000000"/>
-                </a:solidFill>
-                <a:latin typeface="Helvetica Neue"/>
-              </a:rPr>
-              <a:t> using the </a:t>
-            </a:r>
-            <a:r>
-              <a:rPr lang="en-US" dirty="0" smtClean="0">
-                <a:solidFill>
-                  <a:srgbClr val="000000"/>
-                </a:solidFill>
-                <a:latin typeface="Helvetica Neue"/>
-              </a:rPr>
-              <a:t>positional indices</a:t>
-            </a:r>
-            <a:r>
-              <a:rPr lang="en-US" dirty="0">
-                <a:solidFill>
-                  <a:srgbClr val="000000"/>
-                </a:solidFill>
-                <a:latin typeface="Helvetica Neue"/>
-              </a:rPr>
-              <a:t>, </a:t>
-            </a:r>
-            <a:r>
-              <a:rPr lang="en-US" dirty="0" smtClean="0">
-                <a:solidFill>
-                  <a:srgbClr val="000000"/>
-                </a:solidFill>
-                <a:latin typeface="Helvetica Neue"/>
-              </a:rPr>
-              <a:t>you should use</a:t>
+              <a:t>x</a:t>
             </a:r>
             <a:r>
               <a:rPr lang="en-US" dirty="0">
@@ -10404,118 +13643,20 @@
               <a:t> </a:t>
             </a:r>
             <a:r>
-              <a:rPr lang="en-US" b="1" dirty="0" err="1">
-                <a:solidFill>
-                  <a:srgbClr val="000000"/>
-                </a:solidFill>
-                <a:latin typeface="Helvetica Neue"/>
-              </a:rPr>
-              <a:t>iloc</a:t>
-            </a:r>
-            <a:r>
-              <a:rPr lang="en-US" dirty="0" smtClean="0">
-                <a:solidFill>
-                  <a:srgbClr val="000000"/>
-                </a:solidFill>
-                <a:latin typeface="Helvetica Neue"/>
-              </a:rPr>
-              <a:t>.</a:t>
-            </a:r>
-          </a:p>
-          <a:p>
-            <a:endParaRPr lang="en-US" dirty="0">
-              <a:solidFill>
-                <a:srgbClr val="000000"/>
-              </a:solidFill>
-              <a:latin typeface="Helvetica Neue"/>
-            </a:endParaRPr>
-          </a:p>
-          <a:p>
-            <a:pPr>
-              <a:buFont typeface="Arial" panose="020B0604020202020204" pitchFamily="34" charset="0"/>
-              <a:buChar char="•"/>
-            </a:pPr>
-            <a:r>
-              <a:rPr lang="en-US" b="1" dirty="0">
-                <a:solidFill>
-                  <a:srgbClr val="000000"/>
-                </a:solidFill>
-                <a:latin typeface="Helvetica Neue"/>
-              </a:rPr>
-              <a:t>x</a:t>
-            </a:r>
-            <a:r>
               <a:rPr lang="en-US" dirty="0">
                 <a:solidFill>
                   <a:srgbClr val="000000"/>
                 </a:solidFill>
                 <a:latin typeface="Helvetica Neue"/>
               </a:rPr>
-              <a:t> is the information needed to select </a:t>
-            </a:r>
-            <a:r>
-              <a:rPr lang="en-US" dirty="0" smtClean="0">
-                <a:solidFill>
-                  <a:srgbClr val="000000"/>
-                </a:solidFill>
-                <a:latin typeface="Helvetica Neue"/>
-              </a:rPr>
-              <a:t>the </a:t>
-            </a:r>
-            <a:r>
-              <a:rPr lang="en-US" dirty="0">
-                <a:solidFill>
-                  <a:srgbClr val="000000"/>
-                </a:solidFill>
-                <a:latin typeface="Helvetica Neue"/>
-              </a:rPr>
-              <a:t>rows: label index, </a:t>
-            </a:r>
-            <a:r>
-              <a:rPr lang="en-US" dirty="0" smtClean="0">
-                <a:solidFill>
-                  <a:srgbClr val="000000"/>
-                </a:solidFill>
-                <a:latin typeface="Helvetica Neue"/>
-              </a:rPr>
-              <a:t>positional index</a:t>
-            </a:r>
-            <a:r>
-              <a:rPr lang="en-US" dirty="0">
-                <a:solidFill>
-                  <a:srgbClr val="000000"/>
-                </a:solidFill>
-                <a:latin typeface="Helvetica Neue"/>
-              </a:rPr>
-              <a:t>, range of index labels, range of integers, </a:t>
-            </a:r>
-            <a:r>
-              <a:rPr lang="en-US" dirty="0" err="1">
-                <a:solidFill>
-                  <a:srgbClr val="000000"/>
-                </a:solidFill>
-                <a:latin typeface="Helvetica Neue"/>
-              </a:rPr>
-              <a:t>boolean</a:t>
-            </a:r>
-            <a:r>
-              <a:rPr lang="en-US" dirty="0">
-                <a:solidFill>
-                  <a:srgbClr val="000000"/>
-                </a:solidFill>
-                <a:latin typeface="Helvetica Neue"/>
-              </a:rPr>
-              <a:t> </a:t>
-            </a:r>
-            <a:r>
-              <a:rPr lang="en-US" dirty="0" smtClean="0">
-                <a:solidFill>
-                  <a:srgbClr val="000000"/>
-                </a:solidFill>
-                <a:latin typeface="Helvetica Neue"/>
-              </a:rPr>
-              <a:t>masks</a:t>
-            </a:r>
+              <a:t>is the information needed to select the rows: positional index or range of integers</a:t>
+            </a:r>
+            <a:endParaRPr lang="en-US" dirty="0" smtClean="0">
+              <a:solidFill>
+                <a:srgbClr val="000000"/>
+              </a:solidFill>
+              <a:latin typeface="Helvetica Neue"/>
+            </a:endParaRPr>
           </a:p>
           <a:p>
             <a:pPr>
@@ -10550,16 +13691,7 @@
                 </a:solidFill>
                 <a:latin typeface="Helvetica Neue"/>
               </a:rPr>
-              <a:t> is the information needed to select the columns: label index, </a:t>
-            </a:r>
-            <a:r>
-              <a:rPr lang="en-US" dirty="0" smtClean="0">
-                <a:solidFill>
-                  <a:srgbClr val="000000"/>
-                </a:solidFill>
-                <a:latin typeface="Helvetica Neue"/>
-              </a:rPr>
-              <a:t>positional index</a:t>
+              <a:t> </a:t>
             </a:r>
             <a:r>
               <a:rPr lang="en-US" dirty="0">
@@ -10568,26 +13700,14 @@
                 </a:solidFill>
                 <a:latin typeface="Helvetica Neue"/>
               </a:rPr>
-              <a:t>, range of index labels, range of integers, </a:t>
-            </a:r>
-            <a:r>
-              <a:rPr lang="en-US" dirty="0" err="1">
-                <a:solidFill>
-                  <a:srgbClr val="000000"/>
-                </a:solidFill>
-                <a:latin typeface="Helvetica Neue"/>
-              </a:rPr>
-              <a:t>boolean</a:t>
-            </a:r>
-            <a:r>
-              <a:rPr lang="en-US" dirty="0">
-                <a:solidFill>
-                  <a:srgbClr val="000000"/>
-                </a:solidFill>
-                <a:latin typeface="Helvetica Neue"/>
-              </a:rPr>
-              <a:t> masks</a:t>
-            </a:r>
+              <a:t>is the information needed to select the columns: positional index or range of integers</a:t>
+            </a:r>
+            <a:endParaRPr lang="en-US" dirty="0">
+              <a:solidFill>
+                <a:srgbClr val="000000"/>
+              </a:solidFill>
+              <a:latin typeface="Helvetica Neue"/>
+            </a:endParaRPr>
           </a:p>
           <a:p>
             <a:endParaRPr lang="en-US" sz="2000" dirty="0" smtClean="0"/>
@@ -11266,7 +14386,7 @@
           <a:p>
             <a:r>
               <a:rPr lang="en-US" sz="5400" b="1" dirty="0" err="1" smtClean="0"/>
-              <a:t>df.ix</a:t>
+              <a:t>df.iloc</a:t>
             </a:r>
             <a:r>
               <a:rPr lang="en-US" sz="5400" b="1" dirty="0" smtClean="0"/>
@@ -11278,7 +14398,7 @@
             </a:r>
             <a:r>
               <a:rPr lang="en-US" sz="5400" b="1" dirty="0" smtClean="0"/>
-              <a:t>] – one specific value	</a:t>
+              <a:t>] – one row</a:t>
             </a:r>
             <a:endParaRPr lang="en-US" sz="5400" b="1" dirty="0"/>
           </a:p>
@@ -11783,64 +14903,6 @@
           </a:p>
         </p:txBody>
       </p:sp>
-      <p:pic>
-        <p:nvPicPr>
-          <p:cNvPr id="2" name="Picture 1"/>
-          <p:cNvPicPr>
-            <a:picLocks noChangeAspect="1"/>
-          </p:cNvPicPr>
-          <p:nvPr/>
-        </p:nvPicPr>
-        <p:blipFill>
-          <a:blip r:embed="rId3"/>
-          <a:stretch>
-            <a:fillRect/>
-          </a:stretch>
-        </p:blipFill>
-        <p:spPr>
-          <a:xfrm>
-            <a:off x="1360582" y="3231496"/>
-            <a:ext cx="1484221" cy="956833"/>
-          </a:xfrm>
-          <a:prstGeom prst="rect">
-            <a:avLst/>
-          </a:prstGeom>
-          <a:ln>
-            <a:solidFill>
-              <a:srgbClr val="C00000"/>
-            </a:solidFill>
-          </a:ln>
-        </p:spPr>
-      </p:pic>
-      <p:pic>
-        <p:nvPicPr>
-          <p:cNvPr id="3" name="Picture 2"/>
-          <p:cNvPicPr>
-            <a:picLocks noChangeAspect="1"/>
-          </p:cNvPicPr>
-          <p:nvPr/>
-        </p:nvPicPr>
-        <p:blipFill>
-          <a:blip r:embed="rId4"/>
-          <a:stretch>
-            <a:fillRect/>
-          </a:stretch>
-        </p:blipFill>
-        <p:spPr>
-          <a:xfrm>
-            <a:off x="3988457" y="3363221"/>
-            <a:ext cx="2557152" cy="825108"/>
-          </a:xfrm>
-          <a:prstGeom prst="rect">
-            <a:avLst/>
-          </a:prstGeom>
-          <a:ln>
-            <a:solidFill>
-              <a:srgbClr val="C00000"/>
-            </a:solidFill>
-          </a:ln>
-        </p:spPr>
-      </p:pic>
       <p:sp>
         <p:nvSpPr>
           <p:cNvPr id="4" name="Oval 3"/>
@@ -11849,8 +14911,8 @@
         </p:nvSpPr>
         <p:spPr>
           <a:xfrm>
-            <a:off x="10074300" y="3051446"/>
-            <a:ext cx="513484" cy="463579"/>
+            <a:off x="8390686" y="3051446"/>
+            <a:ext cx="3003780" cy="463579"/>
           </a:xfrm>
           <a:prstGeom prst="ellipse">
             <a:avLst/>
@@ -11891,9 +14953,130 @@
           </a:p>
         </p:txBody>
       </p:sp>
-      <p:sp>
-        <p:nvSpPr>
-          <p:cNvPr id="5" name="Footer Placeholder 4"/>
+      <p:pic>
+        <p:nvPicPr>
+          <p:cNvPr id="20" name="Picture 19"/>
+          <p:cNvPicPr>
+            <a:picLocks noChangeAspect="1"/>
+          </p:cNvPicPr>
+          <p:nvPr/>
+        </p:nvPicPr>
+        <p:blipFill rotWithShape="1">
+          <a:blip r:embed="rId3"/>
+          <a:srcRect t="36846"/>
+          <a:stretch/>
+        </p:blipFill>
+        <p:spPr>
+          <a:xfrm>
+            <a:off x="549461" y="4499995"/>
+            <a:ext cx="3656832" cy="1109346"/>
+          </a:xfrm>
+          <a:prstGeom prst="rect">
+            <a:avLst/>
+          </a:prstGeom>
+          <a:ln>
+            <a:solidFill>
+              <a:srgbClr val="C00000"/>
+            </a:solidFill>
+          </a:ln>
+        </p:spPr>
+      </p:pic>
+      <p:sp>
+        <p:nvSpPr>
+          <p:cNvPr id="8" name="TextBox 7"/>
+          <p:cNvSpPr txBox="1"/>
+          <p:nvPr/>
+        </p:nvSpPr>
+        <p:spPr>
+          <a:xfrm>
+            <a:off x="549461" y="4050730"/>
+            <a:ext cx="2883676" cy="369332"/>
+          </a:xfrm>
+          <a:prstGeom prst="rect">
+            <a:avLst/>
+          </a:prstGeom>
+          <a:noFill/>
+        </p:spPr>
+        <p:txBody>
+          <a:bodyPr wrap="square" rtlCol="0">
+            <a:spAutoFit/>
+          </a:bodyPr>
+          <a:lstStyle/>
+          <a:p>
+            <a:r>
+              <a:rPr lang="en-US" dirty="0" smtClean="0"/>
+              <a:t>RESULT:</a:t>
+            </a:r>
+            <a:endParaRPr lang="en-US" dirty="0"/>
+          </a:p>
+        </p:txBody>
+      </p:sp>
+      <p:cxnSp>
+        <p:nvCxnSpPr>
+          <p:cNvPr id="10" name="Straight Arrow Connector 9"/>
+          <p:cNvCxnSpPr/>
+          <p:nvPr/>
+        </p:nvCxnSpPr>
+        <p:spPr>
+          <a:xfrm flipH="1" flipV="1">
+            <a:off x="4420390" y="5064734"/>
+            <a:ext cx="1141815" cy="14213"/>
+          </a:xfrm>
+          <a:prstGeom prst="straightConnector1">
+            <a:avLst/>
+          </a:prstGeom>
+          <a:ln>
+            <a:tailEnd type="triangle"/>
+          </a:ln>
+        </p:spPr>
+        <p:style>
+          <a:lnRef idx="1">
+            <a:schemeClr val="accent1"/>
+          </a:lnRef>
+          <a:fillRef idx="0">
+            <a:schemeClr val="accent1"/>
+          </a:fillRef>
+          <a:effectRef idx="0">
+            <a:schemeClr val="accent1"/>
+          </a:effectRef>
+          <a:fontRef idx="minor">
+            <a:schemeClr val="tx1"/>
+          </a:fontRef>
+        </p:style>
+      </p:cxnSp>
+      <p:sp>
+        <p:nvSpPr>
+          <p:cNvPr id="11" name="TextBox 10"/>
+          <p:cNvSpPr txBox="1"/>
+          <p:nvPr/>
+        </p:nvSpPr>
+        <p:spPr>
+          <a:xfrm>
+            <a:off x="5713503" y="4823105"/>
+            <a:ext cx="1005403" cy="369332"/>
+          </a:xfrm>
+          <a:prstGeom prst="rect">
+            <a:avLst/>
+          </a:prstGeom>
+          <a:noFill/>
+        </p:spPr>
+        <p:txBody>
+          <a:bodyPr wrap="none" rtlCol="0">
+            <a:spAutoFit/>
+          </a:bodyPr>
+          <a:lstStyle/>
+          <a:p>
+            <a:r>
+              <a:rPr lang="en-US" dirty="0" smtClean="0"/>
+              <a:t>A Series!</a:t>
+            </a:r>
+            <a:endParaRPr lang="en-US" dirty="0"/>
+          </a:p>
+        </p:txBody>
+      </p:sp>
+      <p:sp>
+        <p:nvSpPr>
+          <p:cNvPr id="2" name="Footer Placeholder 1"/>
           <p:cNvSpPr>
             <a:spLocks noGrp="1"/>
           </p:cNvSpPr>
@@ -11914,10 +15097,58 @@
           </a:p>
         </p:txBody>
       </p:sp>
+      <p:pic>
+        <p:nvPicPr>
+          <p:cNvPr id="3" name="Picture 2"/>
+          <p:cNvPicPr>
+            <a:picLocks noChangeAspect="1"/>
+          </p:cNvPicPr>
+          <p:nvPr/>
+        </p:nvPicPr>
+        <p:blipFill>
+          <a:blip r:embed="rId4"/>
+          <a:stretch>
+            <a:fillRect/>
+          </a:stretch>
+        </p:blipFill>
+        <p:spPr>
+          <a:xfrm>
+            <a:off x="475114" y="1429867"/>
+            <a:ext cx="1824458" cy="680171"/>
+          </a:xfrm>
+          <a:prstGeom prst="rect">
+            <a:avLst/>
+          </a:prstGeom>
+        </p:spPr>
+      </p:pic>
+      <p:pic>
+        <p:nvPicPr>
+          <p:cNvPr id="9" name="Picture 8"/>
+          <p:cNvPicPr>
+            <a:picLocks noChangeAspect="1"/>
+          </p:cNvPicPr>
+          <p:nvPr/>
+        </p:nvPicPr>
+        <p:blipFill>
+          <a:blip r:embed="rId5"/>
+          <a:stretch>
+            <a:fillRect/>
+          </a:stretch>
+        </p:blipFill>
+        <p:spPr>
+          <a:xfrm>
+            <a:off x="475114" y="2160986"/>
+            <a:ext cx="1510639" cy="569456"/>
+          </a:xfrm>
+          <a:prstGeom prst="rect">
+            <a:avLst/>
+          </a:prstGeom>
+        </p:spPr>
+      </p:pic>
     </p:spTree>
     <p:extLst>
       <p:ext uri="{BB962C8B-B14F-4D97-AF65-F5344CB8AC3E}">
-        <p14:creationId xmlns:p14="http://schemas.microsoft.com/office/powerpoint/2010/main" val="3567005148"/>
+        <p14:creationId xmlns:p14="http://schemas.microsoft.com/office/powerpoint/2010/main" val="4170193937"/>
       </p:ext>
     </p:extLst>
   </p:cSld>
@@ -11975,7 +15206,7 @@
           <a:p>
             <a:r>
               <a:rPr lang="en-US" sz="5400" b="1" dirty="0" err="1" smtClean="0"/>
-              <a:t>df.ix</a:t>
+              <a:t>df.iloc</a:t>
             </a:r>
             <a:r>
               <a:rPr lang="en-US" sz="5400" b="1" dirty="0" smtClean="0"/>
@@ -11987,7 +15218,7 @@
             </a:r>
             <a:r>
               <a:rPr lang="en-US" sz="5400" b="1" dirty="0" smtClean="0"/>
-              <a:t>] – one row</a:t>
+              <a:t>] – one column</a:t>
             </a:r>
             <a:endParaRPr lang="en-US" sz="5400" b="1" dirty="0"/>
           </a:p>
@@ -12500,8 +15731,8 @@
         </p:nvSpPr>
         <p:spPr>
           <a:xfrm>
-            <a:off x="8390686" y="3051446"/>
-            <a:ext cx="3003780" cy="463579"/>
+            <a:off x="10044186" y="1728200"/>
+            <a:ext cx="573277" cy="4320124"/>
           </a:xfrm>
           <a:prstGeom prst="ellipse">
             <a:avLst/>
@@ -12542,92 +15773,54 @@
           </a:p>
         </p:txBody>
       </p:sp>
+      <p:sp>
+        <p:nvSpPr>
+          <p:cNvPr id="8" name="TextBox 7"/>
+          <p:cNvSpPr txBox="1"/>
+          <p:nvPr/>
+        </p:nvSpPr>
+        <p:spPr>
+          <a:xfrm>
+            <a:off x="713777" y="2290311"/>
+            <a:ext cx="2883676" cy="369332"/>
+          </a:xfrm>
+          <a:prstGeom prst="rect">
+            <a:avLst/>
+          </a:prstGeom>
+          <a:noFill/>
+        </p:spPr>
+        <p:txBody>
+          <a:bodyPr wrap="square" rtlCol="0">
+            <a:spAutoFit/>
+          </a:bodyPr>
+          <a:lstStyle/>
+          <a:p>
+            <a:r>
+              <a:rPr lang="en-US" dirty="0" smtClean="0"/>
+              <a:t>RESULT:</a:t>
+            </a:r>
+            <a:endParaRPr lang="en-US" dirty="0"/>
+          </a:p>
+        </p:txBody>
+      </p:sp>
       <p:pic>
         <p:nvPicPr>
-          <p:cNvPr id="5" name="Picture 4"/>
+          <p:cNvPr id="3" name="Picture 2"/>
           <p:cNvPicPr>
             <a:picLocks noChangeAspect="1"/>
           </p:cNvPicPr>
           <p:nvPr/>
         </p:nvPicPr>
-        <p:blipFill rotWithShape="1">
+        <p:blipFill>
           <a:blip r:embed="rId3"/>
-          <a:srcRect b="64189"/>
-          <a:stretch/>
+          <a:stretch>
+            <a:fillRect/>
+          </a:stretch>
         </p:blipFill>
         <p:spPr>
           <a:xfrm>
-            <a:off x="475115" y="1502972"/>
-            <a:ext cx="3656832" cy="629050"/>
-          </a:xfrm>
-          <a:prstGeom prst="rect">
-            <a:avLst/>
-          </a:prstGeom>
-        </p:spPr>
-      </p:pic>
-      <p:pic>
-        <p:nvPicPr>
-          <p:cNvPr id="6" name="Picture 5"/>
-          <p:cNvPicPr>
-            <a:picLocks noChangeAspect="1"/>
-          </p:cNvPicPr>
-          <p:nvPr/>
-        </p:nvPicPr>
-        <p:blipFill rotWithShape="1">
-          <a:blip r:embed="rId4"/>
-          <a:srcRect b="66933"/>
-          <a:stretch/>
-        </p:blipFill>
-        <p:spPr>
-          <a:xfrm>
-            <a:off x="504661" y="2989589"/>
-            <a:ext cx="3672084" cy="587292"/>
-          </a:xfrm>
-          <a:prstGeom prst="rect">
-            <a:avLst/>
-          </a:prstGeom>
-        </p:spPr>
-      </p:pic>
-      <p:pic>
-        <p:nvPicPr>
-          <p:cNvPr id="7" name="Picture 6"/>
-          <p:cNvPicPr>
-            <a:picLocks noChangeAspect="1"/>
-          </p:cNvPicPr>
-          <p:nvPr/>
-        </p:nvPicPr>
-        <p:blipFill rotWithShape="1">
-          <a:blip r:embed="rId5"/>
-          <a:srcRect b="64845"/>
-          <a:stretch/>
-        </p:blipFill>
-        <p:spPr>
-          <a:xfrm>
-            <a:off x="475114" y="2235225"/>
-            <a:ext cx="3731179" cy="650110"/>
-          </a:xfrm>
-          <a:prstGeom prst="rect">
-            <a:avLst/>
-          </a:prstGeom>
-        </p:spPr>
-      </p:pic>
-      <p:pic>
-        <p:nvPicPr>
-          <p:cNvPr id="20" name="Picture 19"/>
-          <p:cNvPicPr>
-            <a:picLocks noChangeAspect="1"/>
-          </p:cNvPicPr>
-          <p:nvPr/>
-        </p:nvPicPr>
-        <p:blipFill rotWithShape="1">
-          <a:blip r:embed="rId3"/>
-          <a:srcRect t="36846"/>
-          <a:stretch/>
-        </p:blipFill>
-        <p:spPr>
-          <a:xfrm>
-            <a:off x="549461" y="4499995"/>
-            <a:ext cx="3656832" cy="1109346"/>
+            <a:off x="787628" y="2823695"/>
+            <a:ext cx="3057485" cy="3117143"/>
           </a:xfrm>
           <a:prstGeom prst="rect">
             <a:avLst/>
@@ -12641,100 +15834,7 @@
       </p:pic>
       <p:sp>
         <p:nvSpPr>
-          <p:cNvPr id="8" name="TextBox 7"/>
-          <p:cNvSpPr txBox="1"/>
-          <p:nvPr/>
-        </p:nvSpPr>
-        <p:spPr>
-          <a:xfrm>
-            <a:off x="549461" y="4050730"/>
-            <a:ext cx="2883676" cy="369332"/>
-          </a:xfrm>
-          <a:prstGeom prst="rect">
-            <a:avLst/>
-          </a:prstGeom>
-          <a:noFill/>
-        </p:spPr>
-        <p:txBody>
-          <a:bodyPr wrap="square" rtlCol="0">
-            <a:spAutoFit/>
-          </a:bodyPr>
-          <a:lstStyle/>
-          <a:p>
-            <a:r>
-              <a:rPr lang="en-US" dirty="0" smtClean="0"/>
-              <a:t>RESULT:</a:t>
-            </a:r>
-            <a:endParaRPr lang="en-US" dirty="0"/>
-          </a:p>
-        </p:txBody>
-      </p:sp>
-      <p:cxnSp>
-        <p:nvCxnSpPr>
-          <p:cNvPr id="10" name="Straight Arrow Connector 9"/>
-          <p:cNvCxnSpPr/>
-          <p:nvPr/>
-        </p:nvCxnSpPr>
-        <p:spPr>
-          <a:xfrm flipH="1" flipV="1">
-            <a:off x="4420390" y="5064734"/>
-            <a:ext cx="1141815" cy="14213"/>
-          </a:xfrm>
-          <a:prstGeom prst="straightConnector1">
-            <a:avLst/>
-          </a:prstGeom>
-          <a:ln>
-            <a:tailEnd type="triangle"/>
-          </a:ln>
-        </p:spPr>
-        <p:style>
-          <a:lnRef idx="1">
-            <a:schemeClr val="accent1"/>
-          </a:lnRef>
-          <a:fillRef idx="0">
-            <a:schemeClr val="accent1"/>
-          </a:fillRef>
-          <a:effectRef idx="0">
-            <a:schemeClr val="accent1"/>
-          </a:effectRef>
-          <a:fontRef idx="minor">
-            <a:schemeClr val="tx1"/>
-          </a:fontRef>
-        </p:style>
-      </p:cxnSp>
-      <p:sp>
-        <p:nvSpPr>
-          <p:cNvPr id="11" name="TextBox 10"/>
-          <p:cNvSpPr txBox="1"/>
-          <p:nvPr/>
-        </p:nvSpPr>
-        <p:spPr>
-          <a:xfrm>
-            <a:off x="5713503" y="4823105"/>
-            <a:ext cx="1005403" cy="369332"/>
-          </a:xfrm>
-          <a:prstGeom prst="rect">
-            <a:avLst/>
-          </a:prstGeom>
-          <a:noFill/>
-        </p:spPr>
-        <p:txBody>
-          <a:bodyPr wrap="none" rtlCol="0">
-            <a:spAutoFit/>
-          </a:bodyPr>
-          <a:lstStyle/>
-          <a:p>
-            <a:r>
-              <a:rPr lang="en-US" dirty="0" smtClean="0"/>
-              <a:t>A Series!</a:t>
-            </a:r>
-            <a:endParaRPr lang="en-US" dirty="0"/>
-          </a:p>
-        </p:txBody>
-      </p:sp>
-      <p:sp>
-        <p:nvSpPr>
-          <p:cNvPr id="2" name="Footer Placeholder 1"/>
+          <p:cNvPr id="10" name="Footer Placeholder 9"/>
           <p:cNvSpPr>
             <a:spLocks noGrp="1"/>
           </p:cNvSpPr>
@@ -12755,10 +15855,34 @@
           </a:p>
         </p:txBody>
       </p:sp>
+      <p:pic>
+        <p:nvPicPr>
+          <p:cNvPr id="11" name="Picture 10"/>
+          <p:cNvPicPr>
+            <a:picLocks noChangeAspect="1"/>
+          </p:cNvPicPr>
+          <p:nvPr/>
+        </p:nvPicPr>
+        <p:blipFill>
+          <a:blip r:embed="rId4"/>
+          <a:stretch>
+            <a:fillRect/>
+          </a:stretch>
+        </p:blipFill>
+        <p:spPr>
+          <a:xfrm>
+            <a:off x="587006" y="1291897"/>
+            <a:ext cx="2171700" cy="762000"/>
+          </a:xfrm>
+          <a:prstGeom prst="rect">
+            <a:avLst/>
+          </a:prstGeom>
+        </p:spPr>
+      </p:pic>
     </p:spTree>
     <p:extLst>
       <p:ext uri="{BB962C8B-B14F-4D97-AF65-F5344CB8AC3E}">
-        <p14:creationId xmlns:p14="http://schemas.microsoft.com/office/powerpoint/2010/main" val="4170193937"/>
+        <p14:creationId xmlns:p14="http://schemas.microsoft.com/office/powerpoint/2010/main" val="629216958"/>
       </p:ext>
     </p:extLst>
   </p:cSld>
@@ -12816,7 +15940,7 @@
           <a:p>
             <a:r>
               <a:rPr lang="en-US" sz="5400" b="1" dirty="0" err="1" smtClean="0"/>
-              <a:t>df.ix</a:t>
+              <a:t>df.iloc</a:t>
             </a:r>
             <a:r>
               <a:rPr lang="en-US" sz="5400" b="1" dirty="0" smtClean="0"/>
@@ -12828,7 +15952,7 @@
             </a:r>
             <a:r>
               <a:rPr lang="en-US" sz="5400" b="1" dirty="0" smtClean="0"/>
-              <a:t>] – one column</a:t>
+              <a:t>] – one specific value	</a:t>
             </a:r>
             <a:endParaRPr lang="en-US" sz="5400" b="1" dirty="0"/>
           </a:p>
@@ -13341,8 +16465,8 @@
         </p:nvSpPr>
         <p:spPr>
           <a:xfrm>
-            <a:off x="10044186" y="1728200"/>
-            <a:ext cx="573277" cy="4320124"/>
+            <a:off x="10074300" y="3051446"/>
+            <a:ext cx="513484" cy="463579"/>
           </a:xfrm>
           <a:prstGeom prst="ellipse">
             <a:avLst/>
@@ -13385,37 +16509,30 @@
       </p:sp>
       <p:sp>
         <p:nvSpPr>
-          <p:cNvPr id="8" name="TextBox 7"/>
-          <p:cNvSpPr txBox="1"/>
-          <p:nvPr/>
-        </p:nvSpPr>
-        <p:spPr>
-          <a:xfrm>
-            <a:off x="4413907" y="2823695"/>
-            <a:ext cx="2883676" cy="369332"/>
-          </a:xfrm>
-          <a:prstGeom prst="rect">
-            <a:avLst/>
-          </a:prstGeom>
-          <a:noFill/>
-        </p:spPr>
-        <p:txBody>
-          <a:bodyPr wrap="square" rtlCol="0">
-            <a:spAutoFit/>
-          </a:bodyPr>
-          <a:lstStyle/>
-          <a:p>
-            <a:r>
-              <a:rPr lang="en-US" dirty="0" smtClean="0"/>
-              <a:t>RESULT:</a:t>
-            </a:r>
-            <a:endParaRPr lang="en-US" dirty="0"/>
+          <p:cNvPr id="5" name="Footer Placeholder 4"/>
+          <p:cNvSpPr>
+            <a:spLocks noGrp="1"/>
+          </p:cNvSpPr>
+          <p:nvPr>
+            <p:ph type="ftr" sz="quarter" idx="11"/>
+          </p:nvPr>
+        </p:nvSpPr>
+        <p:spPr/>
+        <p:txBody>
+          <a:bodyPr/>
+          <a:lstStyle/>
+          <a:p>
+            <a:r>
+              <a:rPr lang="en-US" smtClean="0"/>
+              <a:t>Michele Samorani - Data Science Analysis with Python</a:t>
+            </a:r>
+            <a:endParaRPr lang="en-US"/>
           </a:p>
         </p:txBody>
       </p:sp>
       <p:pic>
         <p:nvPicPr>
-          <p:cNvPr id="2" name="Picture 1"/>
+          <p:cNvPr id="6" name="Picture 5"/>
           <p:cNvPicPr>
             <a:picLocks noChangeAspect="1"/>
           </p:cNvPicPr>
@@ -13429,32 +16546,8 @@
         </p:blipFill>
         <p:spPr>
           <a:xfrm>
-            <a:off x="296298" y="1387651"/>
-            <a:ext cx="1838325" cy="809625"/>
-          </a:xfrm>
-          <a:prstGeom prst="rect">
-            <a:avLst/>
-          </a:prstGeom>
-        </p:spPr>
-      </p:pic>
-      <p:pic>
-        <p:nvPicPr>
-          <p:cNvPr id="3" name="Picture 2"/>
-          <p:cNvPicPr>
-            <a:picLocks noChangeAspect="1"/>
-          </p:cNvPicPr>
-          <p:nvPr/>
-        </p:nvPicPr>
-        <p:blipFill>
-          <a:blip r:embed="rId4"/>
-          <a:stretch>
-            <a:fillRect/>
-          </a:stretch>
-        </p:blipFill>
-        <p:spPr>
-          <a:xfrm>
-            <a:off x="4487758" y="3357079"/>
-            <a:ext cx="3057485" cy="3117143"/>
+            <a:off x="783996" y="1708282"/>
+            <a:ext cx="2066925" cy="876300"/>
           </a:xfrm>
           <a:prstGeom prst="rect">
             <a:avLst/>
@@ -13466,174 +16559,10 @@
           </a:ln>
         </p:spPr>
       </p:pic>
-      <p:pic>
-        <p:nvPicPr>
-          <p:cNvPr id="9" name="Picture 8"/>
-          <p:cNvPicPr>
-            <a:picLocks noChangeAspect="1"/>
-          </p:cNvPicPr>
-          <p:nvPr/>
-        </p:nvPicPr>
-        <p:blipFill>
-          <a:blip r:embed="rId5"/>
-          <a:stretch>
-            <a:fillRect/>
-          </a:stretch>
-        </p:blipFill>
-        <p:spPr>
-          <a:xfrm>
-            <a:off x="246610" y="2282387"/>
-            <a:ext cx="2438400" cy="847725"/>
-          </a:xfrm>
-          <a:prstGeom prst="rect">
-            <a:avLst/>
-          </a:prstGeom>
-        </p:spPr>
-      </p:pic>
-      <p:pic>
-        <p:nvPicPr>
-          <p:cNvPr id="5" name="Picture 4"/>
-          <p:cNvPicPr>
-            <a:picLocks noChangeAspect="1"/>
-          </p:cNvPicPr>
-          <p:nvPr/>
-        </p:nvPicPr>
-        <p:blipFill>
-          <a:blip r:embed="rId6"/>
-          <a:stretch>
-            <a:fillRect/>
-          </a:stretch>
-        </p:blipFill>
-        <p:spPr>
-          <a:xfrm>
-            <a:off x="266171" y="3316042"/>
-            <a:ext cx="2000250" cy="771525"/>
-          </a:xfrm>
-          <a:prstGeom prst="rect">
-            <a:avLst/>
-          </a:prstGeom>
-        </p:spPr>
-      </p:pic>
-      <p:pic>
-        <p:nvPicPr>
-          <p:cNvPr id="20" name="Picture 19"/>
-          <p:cNvPicPr>
-            <a:picLocks noChangeAspect="1"/>
-          </p:cNvPicPr>
-          <p:nvPr/>
-        </p:nvPicPr>
-        <p:blipFill>
-          <a:blip r:embed="rId7"/>
-          <a:stretch>
-            <a:fillRect/>
-          </a:stretch>
-        </p:blipFill>
-        <p:spPr>
-          <a:xfrm>
-            <a:off x="284619" y="4087567"/>
-            <a:ext cx="1546948" cy="875246"/>
-          </a:xfrm>
-          <a:prstGeom prst="rect">
-            <a:avLst/>
-          </a:prstGeom>
-        </p:spPr>
-      </p:pic>
-      <p:sp>
-        <p:nvSpPr>
-          <p:cNvPr id="6" name="Right Brace 5"/>
-          <p:cNvSpPr/>
-          <p:nvPr/>
-        </p:nvSpPr>
-        <p:spPr>
-          <a:xfrm>
-            <a:off x="2296038" y="3316042"/>
-            <a:ext cx="193999" cy="1592775"/>
-          </a:xfrm>
-          <a:prstGeom prst="rightBrace">
-            <a:avLst/>
-          </a:prstGeom>
-          <a:ln w="28575"/>
-        </p:spPr>
-        <p:style>
-          <a:lnRef idx="1">
-            <a:schemeClr val="accent1"/>
-          </a:lnRef>
-          <a:fillRef idx="0">
-            <a:schemeClr val="accent1"/>
-          </a:fillRef>
-          <a:effectRef idx="0">
-            <a:schemeClr val="accent1"/>
-          </a:effectRef>
-          <a:fontRef idx="minor">
-            <a:schemeClr val="tx1"/>
-          </a:fontRef>
-        </p:style>
-        <p:txBody>
-          <a:bodyPr rtlCol="0" anchor="ctr"/>
-          <a:lstStyle/>
-          <a:p>
-            <a:pPr algn="ctr"/>
-            <a:endParaRPr lang="en-US" dirty="0"/>
-          </a:p>
-        </p:txBody>
-      </p:sp>
-      <p:sp>
-        <p:nvSpPr>
-          <p:cNvPr id="7" name="TextBox 6"/>
-          <p:cNvSpPr txBox="1"/>
-          <p:nvPr/>
-        </p:nvSpPr>
-        <p:spPr>
-          <a:xfrm>
-            <a:off x="2317648" y="4126343"/>
-            <a:ext cx="1768818" cy="369332"/>
-          </a:xfrm>
-          <a:prstGeom prst="rect">
-            <a:avLst/>
-          </a:prstGeom>
-          <a:noFill/>
-        </p:spPr>
-        <p:txBody>
-          <a:bodyPr wrap="none" rtlCol="0">
-            <a:spAutoFit/>
-          </a:bodyPr>
-          <a:lstStyle/>
-          <a:p>
-            <a:r>
-              <a:rPr lang="en-US" b="1" dirty="0" smtClean="0"/>
-              <a:t>COOL NOTATION</a:t>
-            </a:r>
-            <a:endParaRPr lang="en-US" b="1" dirty="0"/>
-          </a:p>
-        </p:txBody>
-      </p:sp>
-      <p:sp>
-        <p:nvSpPr>
-          <p:cNvPr id="10" name="Footer Placeholder 9"/>
-          <p:cNvSpPr>
-            <a:spLocks noGrp="1"/>
-          </p:cNvSpPr>
-          <p:nvPr>
-            <p:ph type="ftr" sz="quarter" idx="11"/>
-          </p:nvPr>
-        </p:nvSpPr>
-        <p:spPr/>
-        <p:txBody>
-          <a:bodyPr/>
-          <a:lstStyle/>
-          <a:p>
-            <a:r>
-              <a:rPr lang="en-US" smtClean="0"/>
-              <a:t>Michele Samorani - Data Science Analysis with Python</a:t>
-            </a:r>
-            <a:endParaRPr lang="en-US"/>
-          </a:p>
-        </p:txBody>
-      </p:sp>
     </p:spTree>
     <p:extLst>
       <p:ext uri="{BB962C8B-B14F-4D97-AF65-F5344CB8AC3E}">
-        <p14:creationId xmlns:p14="http://schemas.microsoft.com/office/powerpoint/2010/main" val="4108967740"/>
+        <p14:creationId xmlns:p14="http://schemas.microsoft.com/office/powerpoint/2010/main" val="1295001963"/>
       </p:ext>
     </p:extLst>
   </p:cSld>
@@ -13691,7 +16620,7 @@
           <a:p>
             <a:r>
               <a:rPr lang="en-US" sz="5400" b="1" dirty="0" err="1" smtClean="0"/>
-              <a:t>df.ix</a:t>
+              <a:t>df.iloc</a:t>
             </a:r>
             <a:r>
               <a:rPr lang="en-US" sz="5400" b="1" dirty="0" smtClean="0"/>
@@ -14260,7 +17189,7 @@
       </p:sp>
       <p:pic>
         <p:nvPicPr>
-          <p:cNvPr id="6" name="Picture 5"/>
+          <p:cNvPr id="7" name="Picture 6"/>
           <p:cNvPicPr>
             <a:picLocks noChangeAspect="1"/>
           </p:cNvPicPr>
@@ -14274,17 +17203,40 @@
         </p:blipFill>
         <p:spPr>
           <a:xfrm>
-            <a:off x="597155" y="1355819"/>
-            <a:ext cx="2027600" cy="642491"/>
+            <a:off x="597155" y="1998310"/>
+            <a:ext cx="2737240" cy="2651701"/>
           </a:xfrm>
           <a:prstGeom prst="rect">
             <a:avLst/>
           </a:prstGeom>
         </p:spPr>
       </p:pic>
+      <p:sp>
+        <p:nvSpPr>
+          <p:cNvPr id="2" name="Footer Placeholder 1"/>
+          <p:cNvSpPr>
+            <a:spLocks noGrp="1"/>
+          </p:cNvSpPr>
+          <p:nvPr>
+            <p:ph type="ftr" sz="quarter" idx="11"/>
+          </p:nvPr>
+        </p:nvSpPr>
+        <p:spPr/>
+        <p:txBody>
+          <a:bodyPr/>
+          <a:lstStyle/>
+          <a:p>
+            <a:r>
+              <a:rPr lang="en-US" smtClean="0"/>
+              <a:t>Michele Samorani - Data Science Analysis with Python</a:t>
+            </a:r>
+            <a:endParaRPr lang="en-US"/>
+          </a:p>
+        </p:txBody>
+      </p:sp>
       <p:pic>
         <p:nvPicPr>
-          <p:cNvPr id="7" name="Picture 6"/>
+          <p:cNvPr id="3" name="Picture 2"/>
           <p:cNvPicPr>
             <a:picLocks noChangeAspect="1"/>
           </p:cNvPicPr>
@@ -14298,41 +17250,18 @@
         </p:blipFill>
         <p:spPr>
           <a:xfrm>
-            <a:off x="597155" y="1998310"/>
-            <a:ext cx="2737240" cy="2651701"/>
+            <a:off x="562454" y="1255360"/>
+            <a:ext cx="2533650" cy="742950"/>
           </a:xfrm>
           <a:prstGeom prst="rect">
             <a:avLst/>
           </a:prstGeom>
         </p:spPr>
       </p:pic>
-      <p:sp>
-        <p:nvSpPr>
-          <p:cNvPr id="2" name="Footer Placeholder 1"/>
-          <p:cNvSpPr>
-            <a:spLocks noGrp="1"/>
-          </p:cNvSpPr>
-          <p:nvPr>
-            <p:ph type="ftr" sz="quarter" idx="11"/>
-          </p:nvPr>
-        </p:nvSpPr>
-        <p:spPr/>
-        <p:txBody>
-          <a:bodyPr/>
-          <a:lstStyle/>
-          <a:p>
-            <a:r>
-              <a:rPr lang="en-US" smtClean="0"/>
-              <a:t>Michele Samorani - Data Science Analysis with Python</a:t>
-            </a:r>
-            <a:endParaRPr lang="en-US"/>
-          </a:p>
-        </p:txBody>
-      </p:sp>
     </p:spTree>
     <p:extLst>
       <p:ext uri="{BB962C8B-B14F-4D97-AF65-F5344CB8AC3E}">
-        <p14:creationId xmlns:p14="http://schemas.microsoft.com/office/powerpoint/2010/main" val="3063513309"/>
+        <p14:creationId xmlns:p14="http://schemas.microsoft.com/office/powerpoint/2010/main" val="395826225"/>
       </p:ext>
     </p:extLst>
   </p:cSld>

--- a/Module 4 -- pandas.DataFrame/Module 4 DataFrame.pptx
+++ b/Module 4 -- pandas.DataFrame/Module 4 DataFrame.pptx
@@ -5,7 +5,7 @@
     <p:sldMasterId id="2147483648" r:id="rId1"/>
   </p:sldMasterIdLst>
   <p:notesMasterIdLst>
-    <p:notesMasterId r:id="rId23"/>
+    <p:notesMasterId r:id="rId27"/>
   </p:notesMasterIdLst>
   <p:sldIdLst>
     <p:sldId id="361" r:id="rId2"/>
@@ -29,6 +29,10 @@
     <p:sldId id="418" r:id="rId20"/>
     <p:sldId id="421" r:id="rId21"/>
     <p:sldId id="422" r:id="rId22"/>
+    <p:sldId id="429" r:id="rId23"/>
+    <p:sldId id="430" r:id="rId24"/>
+    <p:sldId id="431" r:id="rId25"/>
+    <p:sldId id="432" r:id="rId26"/>
   </p:sldIdLst>
   <p:sldSz cx="12192000" cy="6858000"/>
   <p:notesSz cx="6858000" cy="9144000"/>
@@ -217,7 +221,7 @@
           <a:p>
             <a:fld id="{E871FE31-3812-3944-9707-6ECC70AFADCA}" type="datetimeFigureOut">
               <a:rPr lang="en-US" smtClean="0"/>
-              <a:t>10/3/2017</a:t>
+              <a:t>10/4/2017</a:t>
             </a:fld>
             <a:endParaRPr lang="en-US"/>
           </a:p>
@@ -821,6 +825,342 @@
 </p:notes>
 </file>
 
+<file path=ppt/notesSlides/notesSlide5.xml><?xml version="1.0" encoding="utf-8"?>
+<p:notes xmlns:a="http://schemas.openxmlformats.org/drawingml/2006/main" xmlns:r="http://schemas.openxmlformats.org/officeDocument/2006/relationships" xmlns:p="http://schemas.openxmlformats.org/presentationml/2006/main">
+  <p:cSld>
+    <p:spTree>
+      <p:nvGrpSpPr>
+        <p:cNvPr id="1" name=""/>
+        <p:cNvGrpSpPr/>
+        <p:nvPr/>
+      </p:nvGrpSpPr>
+      <p:grpSpPr>
+        <a:xfrm>
+          <a:off x="0" y="0"/>
+          <a:ext cx="0" cy="0"/>
+          <a:chOff x="0" y="0"/>
+          <a:chExt cx="0" cy="0"/>
+        </a:xfrm>
+      </p:grpSpPr>
+      <p:sp>
+        <p:nvSpPr>
+          <p:cNvPr id="2" name="Slide Image Placeholder 1"/>
+          <p:cNvSpPr>
+            <a:spLocks noGrp="1" noRot="1" noChangeAspect="1"/>
+          </p:cNvSpPr>
+          <p:nvPr>
+            <p:ph type="sldImg"/>
+          </p:nvPr>
+        </p:nvSpPr>
+        <p:spPr/>
+      </p:sp>
+      <p:sp>
+        <p:nvSpPr>
+          <p:cNvPr id="3" name="Notes Placeholder 2"/>
+          <p:cNvSpPr>
+            <a:spLocks noGrp="1"/>
+          </p:cNvSpPr>
+          <p:nvPr>
+            <p:ph type="body" idx="1"/>
+          </p:nvPr>
+        </p:nvSpPr>
+        <p:spPr/>
+        <p:txBody>
+          <a:bodyPr/>
+          <a:lstStyle/>
+          <a:p>
+            <a:endParaRPr lang="en-US" dirty="0"/>
+          </a:p>
+        </p:txBody>
+      </p:sp>
+      <p:sp>
+        <p:nvSpPr>
+          <p:cNvPr id="4" name="Slide Number Placeholder 3"/>
+          <p:cNvSpPr>
+            <a:spLocks noGrp="1"/>
+          </p:cNvSpPr>
+          <p:nvPr>
+            <p:ph type="sldNum" sz="quarter" idx="10"/>
+          </p:nvPr>
+        </p:nvSpPr>
+        <p:spPr/>
+        <p:txBody>
+          <a:bodyPr/>
+          <a:lstStyle/>
+          <a:p>
+            <a:fld id="{FD422BC7-4D1F-CD41-902C-26B1CD8F6694}" type="slidenum">
+              <a:rPr lang="en-US" smtClean="0"/>
+              <a:t>22</a:t>
+            </a:fld>
+            <a:endParaRPr lang="en-US"/>
+          </a:p>
+        </p:txBody>
+      </p:sp>
+    </p:spTree>
+    <p:extLst>
+      <p:ext uri="{BB962C8B-B14F-4D97-AF65-F5344CB8AC3E}">
+        <p14:creationId xmlns:p14="http://schemas.microsoft.com/office/powerpoint/2010/main" val="3799249080"/>
+      </p:ext>
+    </p:extLst>
+  </p:cSld>
+  <p:clrMapOvr>
+    <a:masterClrMapping/>
+  </p:clrMapOvr>
+</p:notes>
+</file>
+
+<file path=ppt/notesSlides/notesSlide6.xml><?xml version="1.0" encoding="utf-8"?>
+<p:notes xmlns:a="http://schemas.openxmlformats.org/drawingml/2006/main" xmlns:r="http://schemas.openxmlformats.org/officeDocument/2006/relationships" xmlns:p="http://schemas.openxmlformats.org/presentationml/2006/main">
+  <p:cSld>
+    <p:spTree>
+      <p:nvGrpSpPr>
+        <p:cNvPr id="1" name=""/>
+        <p:cNvGrpSpPr/>
+        <p:nvPr/>
+      </p:nvGrpSpPr>
+      <p:grpSpPr>
+        <a:xfrm>
+          <a:off x="0" y="0"/>
+          <a:ext cx="0" cy="0"/>
+          <a:chOff x="0" y="0"/>
+          <a:chExt cx="0" cy="0"/>
+        </a:xfrm>
+      </p:grpSpPr>
+      <p:sp>
+        <p:nvSpPr>
+          <p:cNvPr id="2" name="Slide Image Placeholder 1"/>
+          <p:cNvSpPr>
+            <a:spLocks noGrp="1" noRot="1" noChangeAspect="1"/>
+          </p:cNvSpPr>
+          <p:nvPr>
+            <p:ph type="sldImg"/>
+          </p:nvPr>
+        </p:nvSpPr>
+        <p:spPr/>
+      </p:sp>
+      <p:sp>
+        <p:nvSpPr>
+          <p:cNvPr id="3" name="Notes Placeholder 2"/>
+          <p:cNvSpPr>
+            <a:spLocks noGrp="1"/>
+          </p:cNvSpPr>
+          <p:nvPr>
+            <p:ph type="body" idx="1"/>
+          </p:nvPr>
+        </p:nvSpPr>
+        <p:spPr/>
+        <p:txBody>
+          <a:bodyPr/>
+          <a:lstStyle/>
+          <a:p>
+            <a:endParaRPr lang="en-US" dirty="0"/>
+          </a:p>
+        </p:txBody>
+      </p:sp>
+      <p:sp>
+        <p:nvSpPr>
+          <p:cNvPr id="4" name="Slide Number Placeholder 3"/>
+          <p:cNvSpPr>
+            <a:spLocks noGrp="1"/>
+          </p:cNvSpPr>
+          <p:nvPr>
+            <p:ph type="sldNum" sz="quarter" idx="10"/>
+          </p:nvPr>
+        </p:nvSpPr>
+        <p:spPr/>
+        <p:txBody>
+          <a:bodyPr/>
+          <a:lstStyle/>
+          <a:p>
+            <a:fld id="{FD422BC7-4D1F-CD41-902C-26B1CD8F6694}" type="slidenum">
+              <a:rPr lang="en-US" smtClean="0"/>
+              <a:t>23</a:t>
+            </a:fld>
+            <a:endParaRPr lang="en-US"/>
+          </a:p>
+        </p:txBody>
+      </p:sp>
+    </p:spTree>
+    <p:extLst>
+      <p:ext uri="{BB962C8B-B14F-4D97-AF65-F5344CB8AC3E}">
+        <p14:creationId xmlns:p14="http://schemas.microsoft.com/office/powerpoint/2010/main" val="2997823484"/>
+      </p:ext>
+    </p:extLst>
+  </p:cSld>
+  <p:clrMapOvr>
+    <a:masterClrMapping/>
+  </p:clrMapOvr>
+</p:notes>
+</file>
+
+<file path=ppt/notesSlides/notesSlide7.xml><?xml version="1.0" encoding="utf-8"?>
+<p:notes xmlns:a="http://schemas.openxmlformats.org/drawingml/2006/main" xmlns:r="http://schemas.openxmlformats.org/officeDocument/2006/relationships" xmlns:p="http://schemas.openxmlformats.org/presentationml/2006/main">
+  <p:cSld>
+    <p:spTree>
+      <p:nvGrpSpPr>
+        <p:cNvPr id="1" name=""/>
+        <p:cNvGrpSpPr/>
+        <p:nvPr/>
+      </p:nvGrpSpPr>
+      <p:grpSpPr>
+        <a:xfrm>
+          <a:off x="0" y="0"/>
+          <a:ext cx="0" cy="0"/>
+          <a:chOff x="0" y="0"/>
+          <a:chExt cx="0" cy="0"/>
+        </a:xfrm>
+      </p:grpSpPr>
+      <p:sp>
+        <p:nvSpPr>
+          <p:cNvPr id="2" name="Slide Image Placeholder 1"/>
+          <p:cNvSpPr>
+            <a:spLocks noGrp="1" noRot="1" noChangeAspect="1"/>
+          </p:cNvSpPr>
+          <p:nvPr>
+            <p:ph type="sldImg"/>
+          </p:nvPr>
+        </p:nvSpPr>
+        <p:spPr/>
+      </p:sp>
+      <p:sp>
+        <p:nvSpPr>
+          <p:cNvPr id="3" name="Notes Placeholder 2"/>
+          <p:cNvSpPr>
+            <a:spLocks noGrp="1"/>
+          </p:cNvSpPr>
+          <p:nvPr>
+            <p:ph type="body" idx="1"/>
+          </p:nvPr>
+        </p:nvSpPr>
+        <p:spPr/>
+        <p:txBody>
+          <a:bodyPr/>
+          <a:lstStyle/>
+          <a:p>
+            <a:endParaRPr lang="en-US" dirty="0"/>
+          </a:p>
+        </p:txBody>
+      </p:sp>
+      <p:sp>
+        <p:nvSpPr>
+          <p:cNvPr id="4" name="Slide Number Placeholder 3"/>
+          <p:cNvSpPr>
+            <a:spLocks noGrp="1"/>
+          </p:cNvSpPr>
+          <p:nvPr>
+            <p:ph type="sldNum" sz="quarter" idx="10"/>
+          </p:nvPr>
+        </p:nvSpPr>
+        <p:spPr/>
+        <p:txBody>
+          <a:bodyPr/>
+          <a:lstStyle/>
+          <a:p>
+            <a:fld id="{FD422BC7-4D1F-CD41-902C-26B1CD8F6694}" type="slidenum">
+              <a:rPr lang="en-US" smtClean="0"/>
+              <a:t>24</a:t>
+            </a:fld>
+            <a:endParaRPr lang="en-US"/>
+          </a:p>
+        </p:txBody>
+      </p:sp>
+    </p:spTree>
+    <p:extLst>
+      <p:ext uri="{BB962C8B-B14F-4D97-AF65-F5344CB8AC3E}">
+        <p14:creationId xmlns:p14="http://schemas.microsoft.com/office/powerpoint/2010/main" val="618709233"/>
+      </p:ext>
+    </p:extLst>
+  </p:cSld>
+  <p:clrMapOvr>
+    <a:masterClrMapping/>
+  </p:clrMapOvr>
+</p:notes>
+</file>
+
+<file path=ppt/notesSlides/notesSlide8.xml><?xml version="1.0" encoding="utf-8"?>
+<p:notes xmlns:a="http://schemas.openxmlformats.org/drawingml/2006/main" xmlns:r="http://schemas.openxmlformats.org/officeDocument/2006/relationships" xmlns:p="http://schemas.openxmlformats.org/presentationml/2006/main">
+  <p:cSld>
+    <p:spTree>
+      <p:nvGrpSpPr>
+        <p:cNvPr id="1" name=""/>
+        <p:cNvGrpSpPr/>
+        <p:nvPr/>
+      </p:nvGrpSpPr>
+      <p:grpSpPr>
+        <a:xfrm>
+          <a:off x="0" y="0"/>
+          <a:ext cx="0" cy="0"/>
+          <a:chOff x="0" y="0"/>
+          <a:chExt cx="0" cy="0"/>
+        </a:xfrm>
+      </p:grpSpPr>
+      <p:sp>
+        <p:nvSpPr>
+          <p:cNvPr id="2" name="Slide Image Placeholder 1"/>
+          <p:cNvSpPr>
+            <a:spLocks noGrp="1" noRot="1" noChangeAspect="1"/>
+          </p:cNvSpPr>
+          <p:nvPr>
+            <p:ph type="sldImg"/>
+          </p:nvPr>
+        </p:nvSpPr>
+        <p:spPr/>
+      </p:sp>
+      <p:sp>
+        <p:nvSpPr>
+          <p:cNvPr id="3" name="Notes Placeholder 2"/>
+          <p:cNvSpPr>
+            <a:spLocks noGrp="1"/>
+          </p:cNvSpPr>
+          <p:nvPr>
+            <p:ph type="body" idx="1"/>
+          </p:nvPr>
+        </p:nvSpPr>
+        <p:spPr/>
+        <p:txBody>
+          <a:bodyPr/>
+          <a:lstStyle/>
+          <a:p>
+            <a:endParaRPr lang="en-US" dirty="0"/>
+          </a:p>
+        </p:txBody>
+      </p:sp>
+      <p:sp>
+        <p:nvSpPr>
+          <p:cNvPr id="4" name="Slide Number Placeholder 3"/>
+          <p:cNvSpPr>
+            <a:spLocks noGrp="1"/>
+          </p:cNvSpPr>
+          <p:nvPr>
+            <p:ph type="sldNum" sz="quarter" idx="10"/>
+          </p:nvPr>
+        </p:nvSpPr>
+        <p:spPr/>
+        <p:txBody>
+          <a:bodyPr/>
+          <a:lstStyle/>
+          <a:p>
+            <a:fld id="{FD422BC7-4D1F-CD41-902C-26B1CD8F6694}" type="slidenum">
+              <a:rPr lang="en-US" smtClean="0"/>
+              <a:t>25</a:t>
+            </a:fld>
+            <a:endParaRPr lang="en-US"/>
+          </a:p>
+        </p:txBody>
+      </p:sp>
+    </p:spTree>
+    <p:extLst>
+      <p:ext uri="{BB962C8B-B14F-4D97-AF65-F5344CB8AC3E}">
+        <p14:creationId xmlns:p14="http://schemas.microsoft.com/office/powerpoint/2010/main" val="3980787156"/>
+      </p:ext>
+    </p:extLst>
+  </p:cSld>
+  <p:clrMapOvr>
+    <a:masterClrMapping/>
+  </p:clrMapOvr>
+</p:notes>
+</file>
+
 <file path=ppt/slideLayouts/slideLayout1.xml><?xml version="1.0" encoding="utf-8"?>
 <p:sldLayout xmlns:a="http://schemas.openxmlformats.org/drawingml/2006/main" xmlns:r="http://schemas.openxmlformats.org/officeDocument/2006/relationships" xmlns:p="http://schemas.openxmlformats.org/presentationml/2006/main" type="title" preserve="1">
   <p:cSld name="Title Slide">
@@ -952,7 +1292,7 @@
           <a:p>
             <a:fld id="{1C1DD42B-93F3-48C8-8BF3-D3ABB4409479}" type="datetime1">
               <a:rPr lang="en-US" smtClean="0"/>
-              <a:t>10/3/2017</a:t>
+              <a:t>10/4/2017</a:t>
             </a:fld>
             <a:endParaRPr lang="en-US"/>
           </a:p>
@@ -1126,7 +1466,7 @@
           <a:p>
             <a:fld id="{33E8C97A-5F9E-4F87-9D85-56F1696F2429}" type="datetime1">
               <a:rPr lang="en-US" smtClean="0"/>
-              <a:t>10/3/2017</a:t>
+              <a:t>10/4/2017</a:t>
             </a:fld>
             <a:endParaRPr lang="en-US"/>
           </a:p>
@@ -1310,7 +1650,7 @@
           <a:p>
             <a:fld id="{0C14B3F4-6D0C-4B73-A0A5-00687E31CE97}" type="datetime1">
               <a:rPr lang="en-US" smtClean="0"/>
-              <a:t>10/3/2017</a:t>
+              <a:t>10/4/2017</a:t>
             </a:fld>
             <a:endParaRPr lang="en-US"/>
           </a:p>
@@ -1484,7 +1824,7 @@
           <a:p>
             <a:fld id="{6A260710-C78D-4164-9C2B-059453D143E0}" type="datetime1">
               <a:rPr lang="en-US" smtClean="0"/>
-              <a:t>10/3/2017</a:t>
+              <a:t>10/4/2017</a:t>
             </a:fld>
             <a:endParaRPr lang="en-US"/>
           </a:p>
@@ -1734,7 +2074,7 @@
           <a:p>
             <a:fld id="{91AA7139-4F95-4939-8395-316C50DE9D19}" type="datetime1">
               <a:rPr lang="en-US" smtClean="0"/>
-              <a:t>10/3/2017</a:t>
+              <a:t>10/4/2017</a:t>
             </a:fld>
             <a:endParaRPr lang="en-US"/>
           </a:p>
@@ -1970,7 +2310,7 @@
           <a:p>
             <a:fld id="{CBEEB308-D950-4AFC-8394-CA87FC9B861E}" type="datetime1">
               <a:rPr lang="en-US" smtClean="0"/>
-              <a:t>10/3/2017</a:t>
+              <a:t>10/4/2017</a:t>
             </a:fld>
             <a:endParaRPr lang="en-US"/>
           </a:p>
@@ -2341,7 +2681,7 @@
           <a:p>
             <a:fld id="{E7F92790-62ED-4FDF-911F-921F0F97FA44}" type="datetime1">
               <a:rPr lang="en-US" smtClean="0"/>
-              <a:t>10/3/2017</a:t>
+              <a:t>10/4/2017</a:t>
             </a:fld>
             <a:endParaRPr lang="en-US"/>
           </a:p>
@@ -2463,7 +2803,7 @@
           <a:p>
             <a:fld id="{525252C6-BC27-4614-966C-AA8FD57192B8}" type="datetime1">
               <a:rPr lang="en-US" smtClean="0"/>
-              <a:t>10/3/2017</a:t>
+              <a:t>10/4/2017</a:t>
             </a:fld>
             <a:endParaRPr lang="en-US"/>
           </a:p>
@@ -2562,7 +2902,7 @@
           <a:p>
             <a:fld id="{FFD89083-445C-4A3D-B03B-C74A2F021CA1}" type="datetime1">
               <a:rPr lang="en-US" smtClean="0"/>
-              <a:t>10/3/2017</a:t>
+              <a:t>10/4/2017</a:t>
             </a:fld>
             <a:endParaRPr lang="en-US"/>
           </a:p>
@@ -2843,7 +3183,7 @@
           <a:p>
             <a:fld id="{276B2E50-602E-471E-B416-014B8B54D312}" type="datetime1">
               <a:rPr lang="en-US" smtClean="0"/>
-              <a:t>10/3/2017</a:t>
+              <a:t>10/4/2017</a:t>
             </a:fld>
             <a:endParaRPr lang="en-US"/>
           </a:p>
@@ -3100,7 +3440,7 @@
           <a:p>
             <a:fld id="{DA839796-F891-48F8-B38D-50058B2B15FD}" type="datetime1">
               <a:rPr lang="en-US" smtClean="0"/>
-              <a:t>10/3/2017</a:t>
+              <a:t>10/4/2017</a:t>
             </a:fld>
             <a:endParaRPr lang="en-US"/>
           </a:p>
@@ -3317,7 +3657,7 @@
           <a:p>
             <a:fld id="{7E67DCBF-10AA-4FC8-8039-7A244F947C9B}" type="datetime1">
               <a:rPr lang="en-US" smtClean="0"/>
-              <a:t>10/3/2017</a:t>
+              <a:t>10/4/2017</a:t>
             </a:fld>
             <a:endParaRPr lang="en-US"/>
           </a:p>
@@ -4027,12 +4367,6 @@
               </a:rPr>
               <a:t>index labels.</a:t>
             </a:r>
-            <a:endParaRPr lang="en-US" dirty="0" smtClean="0">
-              <a:solidFill>
-                <a:srgbClr val="000000"/>
-              </a:solidFill>
-              <a:latin typeface="Helvetica Neue"/>
-            </a:endParaRPr>
           </a:p>
           <a:p>
             <a:endParaRPr lang="en-US" dirty="0">
@@ -4063,16 +4397,7 @@
                 </a:solidFill>
                 <a:latin typeface="Helvetica Neue"/>
               </a:rPr>
-              <a:t> </a:t>
-            </a:r>
-            <a:r>
-              <a:rPr lang="en-US" dirty="0">
-                <a:solidFill>
-                  <a:srgbClr val="000000"/>
-                </a:solidFill>
-                <a:latin typeface="Helvetica Neue"/>
-              </a:rPr>
-              <a:t>s the information needed to select the rows: label index, range of index labels, or </a:t>
+              <a:t> s the information needed to select the rows: label index, range of index labels, or </a:t>
             </a:r>
             <a:r>
               <a:rPr lang="en-US" dirty="0" err="1">
@@ -4132,16 +4457,7 @@
                 </a:solidFill>
                 <a:latin typeface="Helvetica Neue"/>
               </a:rPr>
-              <a:t> </a:t>
-            </a:r>
-            <a:r>
-              <a:rPr lang="en-US" dirty="0">
-                <a:solidFill>
-                  <a:srgbClr val="000000"/>
-                </a:solidFill>
-                <a:latin typeface="Helvetica Neue"/>
-              </a:rPr>
-              <a:t>is the information needed to select the columns: label index, range of index labels, or </a:t>
+              <a:t> is the information needed to select the columns: label index, range of index labels, or </a:t>
             </a:r>
             <a:r>
               <a:rPr lang="en-US" dirty="0" err="1">
@@ -4161,12 +4477,6 @@
               </a:rPr>
               <a:t> masks</a:t>
             </a:r>
-            <a:endParaRPr lang="en-US" dirty="0">
-              <a:solidFill>
-                <a:srgbClr val="000000"/>
-              </a:solidFill>
-              <a:latin typeface="Helvetica Neue"/>
-            </a:endParaRPr>
           </a:p>
           <a:p>
             <a:endParaRPr lang="en-US" sz="2000" dirty="0" smtClean="0"/>
@@ -11133,6 +11443,2882 @@
   <p:clrMapOvr>
     <a:masterClrMapping/>
   </p:clrMapOvr>
+</p:sld>
+</file>
+
+<file path=ppt/slides/slide22.xml><?xml version="1.0" encoding="utf-8"?>
+<p:sld xmlns:a="http://schemas.openxmlformats.org/drawingml/2006/main" xmlns:r="http://schemas.openxmlformats.org/officeDocument/2006/relationships" xmlns:p="http://schemas.openxmlformats.org/presentationml/2006/main">
+  <p:cSld>
+    <p:spTree>
+      <p:nvGrpSpPr>
+        <p:cNvPr id="1" name=""/>
+        <p:cNvGrpSpPr/>
+        <p:nvPr/>
+      </p:nvGrpSpPr>
+      <p:grpSpPr>
+        <a:xfrm>
+          <a:off x="0" y="0"/>
+          <a:ext cx="0" cy="0"/>
+          <a:chOff x="0" y="0"/>
+          <a:chExt cx="0" cy="0"/>
+        </a:xfrm>
+      </p:grpSpPr>
+      <p:pic>
+        <p:nvPicPr>
+          <p:cNvPr id="6" name="Picture 5"/>
+          <p:cNvPicPr>
+            <a:picLocks noChangeAspect="1"/>
+          </p:cNvPicPr>
+          <p:nvPr/>
+        </p:nvPicPr>
+        <p:blipFill>
+          <a:blip r:embed="rId3"/>
+          <a:stretch>
+            <a:fillRect/>
+          </a:stretch>
+        </p:blipFill>
+        <p:spPr>
+          <a:xfrm>
+            <a:off x="8883228" y="2099780"/>
+            <a:ext cx="2872128" cy="4480500"/>
+          </a:xfrm>
+          <a:prstGeom prst="rect">
+            <a:avLst/>
+          </a:prstGeom>
+        </p:spPr>
+      </p:pic>
+      <p:sp>
+        <p:nvSpPr>
+          <p:cNvPr id="14" name="Title 1"/>
+          <p:cNvSpPr>
+            <a:spLocks noGrp="1"/>
+          </p:cNvSpPr>
+          <p:nvPr>
+            <p:ph type="title"/>
+          </p:nvPr>
+        </p:nvSpPr>
+        <p:spPr>
+          <a:xfrm>
+            <a:off x="621748" y="188552"/>
+            <a:ext cx="10515600" cy="723297"/>
+          </a:xfrm>
+        </p:spPr>
+        <p:txBody>
+          <a:bodyPr>
+            <a:normAutofit fontScale="90000"/>
+          </a:bodyPr>
+          <a:lstStyle/>
+          <a:p>
+            <a:r>
+              <a:rPr lang="en-US" sz="5400" b="1" dirty="0" smtClean="0"/>
+              <a:t>Adding rows</a:t>
+            </a:r>
+            <a:endParaRPr lang="en-US" sz="5400" b="1" dirty="0"/>
+          </a:p>
+        </p:txBody>
+      </p:sp>
+      <p:sp>
+        <p:nvSpPr>
+          <p:cNvPr id="18" name="TextBox 17"/>
+          <p:cNvSpPr txBox="1"/>
+          <p:nvPr/>
+        </p:nvSpPr>
+        <p:spPr>
+          <a:xfrm>
+            <a:off x="8464524" y="2704068"/>
+            <a:ext cx="418704" cy="3839513"/>
+          </a:xfrm>
+          <a:prstGeom prst="rect">
+            <a:avLst/>
+          </a:prstGeom>
+          <a:solidFill>
+            <a:schemeClr val="accent6">
+              <a:lumMod val="20000"/>
+              <a:lumOff val="80000"/>
+            </a:schemeClr>
+          </a:solidFill>
+        </p:spPr>
+        <p:txBody>
+          <a:bodyPr wrap="none" rtlCol="0">
+            <a:spAutoFit/>
+          </a:bodyPr>
+          <a:lstStyle/>
+          <a:p>
+            <a:pPr algn="ctr">
+              <a:spcBef>
+                <a:spcPts val="300"/>
+              </a:spcBef>
+            </a:pPr>
+            <a:r>
+              <a:rPr lang="en-US" dirty="0" smtClean="0"/>
+              <a:t>0</a:t>
+            </a:r>
+          </a:p>
+          <a:p>
+            <a:pPr algn="ctr">
+              <a:spcBef>
+                <a:spcPts val="300"/>
+              </a:spcBef>
+            </a:pPr>
+            <a:r>
+              <a:rPr lang="en-US" dirty="0" smtClean="0"/>
+              <a:t>1</a:t>
+            </a:r>
+          </a:p>
+          <a:p>
+            <a:pPr algn="ctr">
+              <a:spcBef>
+                <a:spcPts val="300"/>
+              </a:spcBef>
+            </a:pPr>
+            <a:r>
+              <a:rPr lang="en-US" dirty="0" smtClean="0"/>
+              <a:t>2</a:t>
+            </a:r>
+          </a:p>
+          <a:p>
+            <a:pPr algn="ctr">
+              <a:spcBef>
+                <a:spcPts val="300"/>
+              </a:spcBef>
+            </a:pPr>
+            <a:r>
+              <a:rPr lang="en-US" dirty="0" smtClean="0"/>
+              <a:t>3</a:t>
+            </a:r>
+          </a:p>
+          <a:p>
+            <a:pPr algn="ctr">
+              <a:spcBef>
+                <a:spcPts val="300"/>
+              </a:spcBef>
+            </a:pPr>
+            <a:r>
+              <a:rPr lang="en-US" dirty="0" smtClean="0"/>
+              <a:t>4</a:t>
+            </a:r>
+          </a:p>
+          <a:p>
+            <a:pPr algn="ctr">
+              <a:spcBef>
+                <a:spcPts val="300"/>
+              </a:spcBef>
+            </a:pPr>
+            <a:r>
+              <a:rPr lang="en-US" dirty="0" smtClean="0"/>
+              <a:t>5</a:t>
+            </a:r>
+          </a:p>
+          <a:p>
+            <a:pPr algn="ctr">
+              <a:spcBef>
+                <a:spcPts val="300"/>
+              </a:spcBef>
+            </a:pPr>
+            <a:r>
+              <a:rPr lang="en-US" dirty="0" smtClean="0"/>
+              <a:t>6</a:t>
+            </a:r>
+          </a:p>
+          <a:p>
+            <a:pPr algn="ctr">
+              <a:spcBef>
+                <a:spcPts val="300"/>
+              </a:spcBef>
+            </a:pPr>
+            <a:r>
+              <a:rPr lang="en-US" dirty="0" smtClean="0"/>
+              <a:t>7</a:t>
+            </a:r>
+          </a:p>
+          <a:p>
+            <a:pPr algn="ctr">
+              <a:spcBef>
+                <a:spcPts val="300"/>
+              </a:spcBef>
+            </a:pPr>
+            <a:r>
+              <a:rPr lang="en-US" dirty="0" smtClean="0"/>
+              <a:t>8</a:t>
+            </a:r>
+          </a:p>
+          <a:p>
+            <a:pPr algn="ctr">
+              <a:spcBef>
+                <a:spcPts val="300"/>
+              </a:spcBef>
+            </a:pPr>
+            <a:r>
+              <a:rPr lang="en-US" dirty="0" smtClean="0"/>
+              <a:t>9</a:t>
+            </a:r>
+          </a:p>
+          <a:p>
+            <a:pPr algn="ctr">
+              <a:spcBef>
+                <a:spcPts val="300"/>
+              </a:spcBef>
+            </a:pPr>
+            <a:r>
+              <a:rPr lang="en-US" dirty="0" smtClean="0"/>
+              <a:t>10</a:t>
+            </a:r>
+          </a:p>
+          <a:p>
+            <a:pPr algn="ctr">
+              <a:spcBef>
+                <a:spcPts val="300"/>
+              </a:spcBef>
+            </a:pPr>
+            <a:r>
+              <a:rPr lang="en-US" dirty="0" smtClean="0"/>
+              <a:t>11</a:t>
+            </a:r>
+            <a:endParaRPr lang="en-US" dirty="0"/>
+          </a:p>
+        </p:txBody>
+      </p:sp>
+      <p:sp>
+        <p:nvSpPr>
+          <p:cNvPr id="19" name="Rectangle 18"/>
+          <p:cNvSpPr/>
+          <p:nvPr/>
+        </p:nvSpPr>
+        <p:spPr>
+          <a:xfrm>
+            <a:off x="8912845" y="2822967"/>
+            <a:ext cx="897859" cy="3679906"/>
+          </a:xfrm>
+          <a:prstGeom prst="rect">
+            <a:avLst/>
+          </a:prstGeom>
+          <a:solidFill>
+            <a:schemeClr val="accent1">
+              <a:alpha val="33000"/>
+            </a:schemeClr>
+          </a:solidFill>
+        </p:spPr>
+        <p:style>
+          <a:lnRef idx="2">
+            <a:schemeClr val="accent1">
+              <a:shade val="50000"/>
+            </a:schemeClr>
+          </a:lnRef>
+          <a:fillRef idx="1">
+            <a:schemeClr val="accent1"/>
+          </a:fillRef>
+          <a:effectRef idx="0">
+            <a:schemeClr val="accent1"/>
+          </a:effectRef>
+          <a:fontRef idx="minor">
+            <a:schemeClr val="lt1"/>
+          </a:fontRef>
+        </p:style>
+        <p:txBody>
+          <a:bodyPr rtlCol="0" anchor="ctr"/>
+          <a:lstStyle/>
+          <a:p>
+            <a:pPr algn="ctr"/>
+            <a:endParaRPr lang="en-US"/>
+          </a:p>
+        </p:txBody>
+      </p:sp>
+      <p:sp>
+        <p:nvSpPr>
+          <p:cNvPr id="21" name="TextBox 20"/>
+          <p:cNvSpPr txBox="1"/>
+          <p:nvPr/>
+        </p:nvSpPr>
+        <p:spPr>
+          <a:xfrm>
+            <a:off x="9753896" y="1734453"/>
+            <a:ext cx="1540806" cy="369332"/>
+          </a:xfrm>
+          <a:prstGeom prst="rect">
+            <a:avLst/>
+          </a:prstGeom>
+          <a:solidFill>
+            <a:schemeClr val="accent6">
+              <a:lumMod val="20000"/>
+              <a:lumOff val="80000"/>
+            </a:schemeClr>
+          </a:solidFill>
+        </p:spPr>
+        <p:txBody>
+          <a:bodyPr wrap="none" rtlCol="0">
+            <a:spAutoFit/>
+          </a:bodyPr>
+          <a:lstStyle/>
+          <a:p>
+            <a:pPr>
+              <a:spcBef>
+                <a:spcPts val="300"/>
+              </a:spcBef>
+            </a:pPr>
+            <a:r>
+              <a:rPr lang="en-US" dirty="0" smtClean="0"/>
+              <a:t>0      1       2      </a:t>
+            </a:r>
+            <a:endParaRPr lang="en-US" dirty="0"/>
+          </a:p>
+        </p:txBody>
+      </p:sp>
+      <p:sp>
+        <p:nvSpPr>
+          <p:cNvPr id="22" name="Rectangle 21"/>
+          <p:cNvSpPr/>
+          <p:nvPr/>
+        </p:nvSpPr>
+        <p:spPr>
+          <a:xfrm>
+            <a:off x="9747928" y="2119535"/>
+            <a:ext cx="1862825" cy="338105"/>
+          </a:xfrm>
+          <a:prstGeom prst="rect">
+            <a:avLst/>
+          </a:prstGeom>
+          <a:solidFill>
+            <a:schemeClr val="accent1">
+              <a:alpha val="33000"/>
+            </a:schemeClr>
+          </a:solidFill>
+        </p:spPr>
+        <p:style>
+          <a:lnRef idx="2">
+            <a:schemeClr val="accent1">
+              <a:shade val="50000"/>
+            </a:schemeClr>
+          </a:lnRef>
+          <a:fillRef idx="1">
+            <a:schemeClr val="accent1"/>
+          </a:fillRef>
+          <a:effectRef idx="0">
+            <a:schemeClr val="accent1"/>
+          </a:effectRef>
+          <a:fontRef idx="minor">
+            <a:schemeClr val="lt1"/>
+          </a:fontRef>
+        </p:style>
+        <p:txBody>
+          <a:bodyPr rtlCol="0" anchor="ctr"/>
+          <a:lstStyle/>
+          <a:p>
+            <a:pPr algn="ctr"/>
+            <a:endParaRPr lang="en-US"/>
+          </a:p>
+        </p:txBody>
+      </p:sp>
+      <p:sp>
+        <p:nvSpPr>
+          <p:cNvPr id="23" name="TextBox 22"/>
+          <p:cNvSpPr txBox="1"/>
+          <p:nvPr/>
+        </p:nvSpPr>
+        <p:spPr>
+          <a:xfrm>
+            <a:off x="9576351" y="1088122"/>
+            <a:ext cx="1805301" cy="584775"/>
+          </a:xfrm>
+          <a:prstGeom prst="rect">
+            <a:avLst/>
+          </a:prstGeom>
+          <a:noFill/>
+        </p:spPr>
+        <p:txBody>
+          <a:bodyPr wrap="none" rtlCol="0">
+            <a:spAutoFit/>
+          </a:bodyPr>
+          <a:lstStyle/>
+          <a:p>
+            <a:pPr algn="ctr"/>
+            <a:r>
+              <a:rPr lang="en-US" sz="1600" b="1" dirty="0">
+                <a:solidFill>
+                  <a:schemeClr val="accent6">
+                    <a:lumMod val="75000"/>
+                  </a:schemeClr>
+                </a:solidFill>
+              </a:rPr>
+              <a:t>POSITIONAL INDEX</a:t>
+            </a:r>
+            <a:endParaRPr lang="en-US" sz="1600" b="1" dirty="0" smtClean="0">
+              <a:solidFill>
+                <a:schemeClr val="accent6">
+                  <a:lumMod val="75000"/>
+                </a:schemeClr>
+              </a:solidFill>
+            </a:endParaRPr>
+          </a:p>
+          <a:p>
+            <a:pPr algn="ctr"/>
+            <a:r>
+              <a:rPr lang="en-US" sz="1600" b="1" dirty="0" smtClean="0">
+                <a:solidFill>
+                  <a:schemeClr val="accent6">
+                    <a:lumMod val="75000"/>
+                  </a:schemeClr>
+                </a:solidFill>
+              </a:rPr>
+              <a:t>ON THE COLUMNS</a:t>
+            </a:r>
+            <a:endParaRPr lang="en-US" sz="1600" b="1" dirty="0">
+              <a:solidFill>
+                <a:schemeClr val="accent6">
+                  <a:lumMod val="75000"/>
+                </a:schemeClr>
+              </a:solidFill>
+            </a:endParaRPr>
+          </a:p>
+        </p:txBody>
+      </p:sp>
+      <p:sp>
+        <p:nvSpPr>
+          <p:cNvPr id="24" name="TextBox 23"/>
+          <p:cNvSpPr txBox="1"/>
+          <p:nvPr/>
+        </p:nvSpPr>
+        <p:spPr>
+          <a:xfrm>
+            <a:off x="11281155" y="1858143"/>
+            <a:ext cx="948401" cy="307777"/>
+          </a:xfrm>
+          <a:prstGeom prst="rect">
+            <a:avLst/>
+          </a:prstGeom>
+          <a:noFill/>
+        </p:spPr>
+        <p:txBody>
+          <a:bodyPr wrap="none" rtlCol="0">
+            <a:spAutoFit/>
+          </a:bodyPr>
+          <a:lstStyle/>
+          <a:p>
+            <a:r>
+              <a:rPr lang="en-US" sz="1400" b="1" dirty="0" smtClean="0">
+                <a:solidFill>
+                  <a:srgbClr val="0070C0"/>
+                </a:solidFill>
+              </a:rPr>
+              <a:t>COLUMNS</a:t>
+            </a:r>
+          </a:p>
+        </p:txBody>
+      </p:sp>
+      <p:sp>
+        <p:nvSpPr>
+          <p:cNvPr id="25" name="TextBox 24"/>
+          <p:cNvSpPr txBox="1"/>
+          <p:nvPr/>
+        </p:nvSpPr>
+        <p:spPr>
+          <a:xfrm rot="1405271">
+            <a:off x="8347505" y="2081337"/>
+            <a:ext cx="652743" cy="307777"/>
+          </a:xfrm>
+          <a:prstGeom prst="rect">
+            <a:avLst/>
+          </a:prstGeom>
+          <a:noFill/>
+        </p:spPr>
+        <p:txBody>
+          <a:bodyPr wrap="none" rtlCol="0">
+            <a:spAutoFit/>
+          </a:bodyPr>
+          <a:lstStyle/>
+          <a:p>
+            <a:r>
+              <a:rPr lang="en-US" sz="1400" b="1" dirty="0" smtClean="0">
+                <a:solidFill>
+                  <a:srgbClr val="0070C0"/>
+                </a:solidFill>
+              </a:rPr>
+              <a:t>INDEX</a:t>
+            </a:r>
+          </a:p>
+        </p:txBody>
+      </p:sp>
+      <p:sp>
+        <p:nvSpPr>
+          <p:cNvPr id="26" name="TextBox 25"/>
+          <p:cNvSpPr txBox="1"/>
+          <p:nvPr/>
+        </p:nvSpPr>
+        <p:spPr>
+          <a:xfrm>
+            <a:off x="7428823" y="3571639"/>
+            <a:ext cx="1164101" cy="584775"/>
+          </a:xfrm>
+          <a:prstGeom prst="rect">
+            <a:avLst/>
+          </a:prstGeom>
+          <a:noFill/>
+        </p:spPr>
+        <p:txBody>
+          <a:bodyPr wrap="none" rtlCol="0">
+            <a:spAutoFit/>
+          </a:bodyPr>
+          <a:lstStyle/>
+          <a:p>
+            <a:pPr algn="ctr"/>
+            <a:r>
+              <a:rPr lang="en-US" sz="1600" b="1" dirty="0">
+                <a:solidFill>
+                  <a:schemeClr val="accent6">
+                    <a:lumMod val="75000"/>
+                  </a:schemeClr>
+                </a:solidFill>
+              </a:rPr>
+              <a:t>POS. </a:t>
+            </a:r>
+            <a:r>
+              <a:rPr lang="en-US" sz="1600" b="1" dirty="0" smtClean="0">
+                <a:solidFill>
+                  <a:schemeClr val="accent6">
+                    <a:lumMod val="75000"/>
+                  </a:schemeClr>
+                </a:solidFill>
+              </a:rPr>
+              <a:t>INDEX</a:t>
+            </a:r>
+          </a:p>
+          <a:p>
+            <a:pPr algn="ctr"/>
+            <a:r>
+              <a:rPr lang="en-US" sz="1600" b="1" dirty="0" smtClean="0">
+                <a:solidFill>
+                  <a:schemeClr val="accent6">
+                    <a:lumMod val="75000"/>
+                  </a:schemeClr>
+                </a:solidFill>
+              </a:rPr>
+              <a:t>ON ROWS</a:t>
+            </a:r>
+            <a:endParaRPr lang="en-US" sz="1600" b="1" dirty="0">
+              <a:solidFill>
+                <a:schemeClr val="accent6">
+                  <a:lumMod val="75000"/>
+                </a:schemeClr>
+              </a:solidFill>
+            </a:endParaRPr>
+          </a:p>
+        </p:txBody>
+      </p:sp>
+      <p:sp>
+        <p:nvSpPr>
+          <p:cNvPr id="16" name="TextBox 15"/>
+          <p:cNvSpPr txBox="1"/>
+          <p:nvPr/>
+        </p:nvSpPr>
+        <p:spPr>
+          <a:xfrm>
+            <a:off x="457821" y="1457819"/>
+            <a:ext cx="7079228" cy="646331"/>
+          </a:xfrm>
+          <a:prstGeom prst="rect">
+            <a:avLst/>
+          </a:prstGeom>
+          <a:noFill/>
+        </p:spPr>
+        <p:txBody>
+          <a:bodyPr wrap="square" rtlCol="0">
+            <a:spAutoFit/>
+          </a:bodyPr>
+          <a:lstStyle/>
+          <a:p>
+            <a:r>
+              <a:rPr lang="en-US" dirty="0">
+                <a:solidFill>
+                  <a:srgbClr val="000000"/>
+                </a:solidFill>
+                <a:latin typeface="Helvetica Neue"/>
+              </a:rPr>
+              <a:t>A new student has joined. His name is Oliver and he is the MSIS program; his hw1 is missing and his hw2 score is 8.</a:t>
+            </a:r>
+            <a:endParaRPr lang="en-US" dirty="0" smtClean="0">
+              <a:solidFill>
+                <a:srgbClr val="000000"/>
+              </a:solidFill>
+              <a:latin typeface="Helvetica Neue"/>
+            </a:endParaRPr>
+          </a:p>
+        </p:txBody>
+      </p:sp>
+      <p:sp>
+        <p:nvSpPr>
+          <p:cNvPr id="4" name="Footer Placeholder 3"/>
+          <p:cNvSpPr>
+            <a:spLocks noGrp="1"/>
+          </p:cNvSpPr>
+          <p:nvPr>
+            <p:ph type="ftr" sz="quarter" idx="11"/>
+          </p:nvPr>
+        </p:nvSpPr>
+        <p:spPr/>
+        <p:txBody>
+          <a:bodyPr/>
+          <a:lstStyle/>
+          <a:p>
+            <a:r>
+              <a:rPr lang="en-US" smtClean="0"/>
+              <a:t>Michele Samorani - Data Science Analysis with Python</a:t>
+            </a:r>
+            <a:endParaRPr lang="en-US"/>
+          </a:p>
+        </p:txBody>
+      </p:sp>
+      <p:pic>
+        <p:nvPicPr>
+          <p:cNvPr id="5" name="Picture 4"/>
+          <p:cNvPicPr>
+            <a:picLocks noChangeAspect="1"/>
+          </p:cNvPicPr>
+          <p:nvPr/>
+        </p:nvPicPr>
+        <p:blipFill>
+          <a:blip r:embed="rId4"/>
+          <a:stretch>
+            <a:fillRect/>
+          </a:stretch>
+        </p:blipFill>
+        <p:spPr>
+          <a:xfrm>
+            <a:off x="795340" y="2890838"/>
+            <a:ext cx="3381374" cy="1276349"/>
+          </a:xfrm>
+          <a:prstGeom prst="rect">
+            <a:avLst/>
+          </a:prstGeom>
+        </p:spPr>
+      </p:pic>
+      <p:sp>
+        <p:nvSpPr>
+          <p:cNvPr id="7" name="Right Arrow 6"/>
+          <p:cNvSpPr/>
+          <p:nvPr/>
+        </p:nvSpPr>
+        <p:spPr>
+          <a:xfrm>
+            <a:off x="7396007" y="6247691"/>
+            <a:ext cx="1007967" cy="216904"/>
+          </a:xfrm>
+          <a:prstGeom prst="rightArrow">
+            <a:avLst/>
+          </a:prstGeom>
+          <a:solidFill>
+            <a:schemeClr val="accent2"/>
+          </a:solidFill>
+          <a:ln>
+            <a:solidFill>
+              <a:srgbClr val="C00000"/>
+            </a:solidFill>
+          </a:ln>
+        </p:spPr>
+        <p:style>
+          <a:lnRef idx="2">
+            <a:schemeClr val="accent1">
+              <a:shade val="50000"/>
+            </a:schemeClr>
+          </a:lnRef>
+          <a:fillRef idx="1">
+            <a:schemeClr val="accent1"/>
+          </a:fillRef>
+          <a:effectRef idx="0">
+            <a:schemeClr val="accent1"/>
+          </a:effectRef>
+          <a:fontRef idx="minor">
+            <a:schemeClr val="lt1"/>
+          </a:fontRef>
+        </p:style>
+        <p:txBody>
+          <a:bodyPr rtlCol="0" anchor="ctr"/>
+          <a:lstStyle/>
+          <a:p>
+            <a:pPr algn="ctr"/>
+            <a:endParaRPr lang="en-US"/>
+          </a:p>
+        </p:txBody>
+      </p:sp>
+    </p:spTree>
+    <p:extLst>
+      <p:ext uri="{BB962C8B-B14F-4D97-AF65-F5344CB8AC3E}">
+        <p14:creationId xmlns:p14="http://schemas.microsoft.com/office/powerpoint/2010/main" val="707520745"/>
+      </p:ext>
+    </p:extLst>
+  </p:cSld>
+  <p:clrMapOvr>
+    <a:masterClrMapping/>
+  </p:clrMapOvr>
+  <p:timing>
+    <p:tnLst>
+      <p:par>
+        <p:cTn id="1" dur="indefinite" restart="never" nodeType="tmRoot"/>
+      </p:par>
+    </p:tnLst>
+  </p:timing>
+</p:sld>
+</file>
+
+<file path=ppt/slides/slide23.xml><?xml version="1.0" encoding="utf-8"?>
+<p:sld xmlns:a="http://schemas.openxmlformats.org/drawingml/2006/main" xmlns:r="http://schemas.openxmlformats.org/officeDocument/2006/relationships" xmlns:p="http://schemas.openxmlformats.org/presentationml/2006/main">
+  <p:cSld>
+    <p:spTree>
+      <p:nvGrpSpPr>
+        <p:cNvPr id="1" name=""/>
+        <p:cNvGrpSpPr/>
+        <p:nvPr/>
+      </p:nvGrpSpPr>
+      <p:grpSpPr>
+        <a:xfrm>
+          <a:off x="0" y="0"/>
+          <a:ext cx="0" cy="0"/>
+          <a:chOff x="0" y="0"/>
+          <a:chExt cx="0" cy="0"/>
+        </a:xfrm>
+      </p:grpSpPr>
+      <p:pic>
+        <p:nvPicPr>
+          <p:cNvPr id="3" name="Picture 2"/>
+          <p:cNvPicPr>
+            <a:picLocks noChangeAspect="1"/>
+          </p:cNvPicPr>
+          <p:nvPr/>
+        </p:nvPicPr>
+        <p:blipFill>
+          <a:blip r:embed="rId3"/>
+          <a:stretch>
+            <a:fillRect/>
+          </a:stretch>
+        </p:blipFill>
+        <p:spPr>
+          <a:xfrm>
+            <a:off x="8866801" y="2092325"/>
+            <a:ext cx="2550711" cy="4765675"/>
+          </a:xfrm>
+          <a:prstGeom prst="rect">
+            <a:avLst/>
+          </a:prstGeom>
+        </p:spPr>
+      </p:pic>
+      <p:sp>
+        <p:nvSpPr>
+          <p:cNvPr id="14" name="Title 1"/>
+          <p:cNvSpPr>
+            <a:spLocks noGrp="1"/>
+          </p:cNvSpPr>
+          <p:nvPr>
+            <p:ph type="title"/>
+          </p:nvPr>
+        </p:nvSpPr>
+        <p:spPr>
+          <a:xfrm>
+            <a:off x="621748" y="188552"/>
+            <a:ext cx="10515600" cy="723297"/>
+          </a:xfrm>
+        </p:spPr>
+        <p:txBody>
+          <a:bodyPr>
+            <a:normAutofit fontScale="90000"/>
+          </a:bodyPr>
+          <a:lstStyle/>
+          <a:p>
+            <a:r>
+              <a:rPr lang="en-US" sz="5400" b="1" dirty="0" smtClean="0"/>
+              <a:t>Adding rows</a:t>
+            </a:r>
+            <a:endParaRPr lang="en-US" sz="5400" b="1" dirty="0"/>
+          </a:p>
+        </p:txBody>
+      </p:sp>
+      <p:sp>
+        <p:nvSpPr>
+          <p:cNvPr id="18" name="TextBox 17"/>
+          <p:cNvSpPr txBox="1"/>
+          <p:nvPr/>
+        </p:nvSpPr>
+        <p:spPr>
+          <a:xfrm>
+            <a:off x="8464524" y="2704068"/>
+            <a:ext cx="418704" cy="4154984"/>
+          </a:xfrm>
+          <a:prstGeom prst="rect">
+            <a:avLst/>
+          </a:prstGeom>
+          <a:solidFill>
+            <a:schemeClr val="accent6">
+              <a:lumMod val="20000"/>
+              <a:lumOff val="80000"/>
+            </a:schemeClr>
+          </a:solidFill>
+        </p:spPr>
+        <p:txBody>
+          <a:bodyPr wrap="none" rtlCol="0">
+            <a:spAutoFit/>
+          </a:bodyPr>
+          <a:lstStyle/>
+          <a:p>
+            <a:pPr algn="ctr">
+              <a:spcBef>
+                <a:spcPts val="300"/>
+              </a:spcBef>
+            </a:pPr>
+            <a:r>
+              <a:rPr lang="en-US" dirty="0" smtClean="0"/>
+              <a:t>0</a:t>
+            </a:r>
+          </a:p>
+          <a:p>
+            <a:pPr algn="ctr">
+              <a:spcBef>
+                <a:spcPts val="300"/>
+              </a:spcBef>
+            </a:pPr>
+            <a:r>
+              <a:rPr lang="en-US" dirty="0" smtClean="0"/>
+              <a:t>1</a:t>
+            </a:r>
+          </a:p>
+          <a:p>
+            <a:pPr algn="ctr">
+              <a:spcBef>
+                <a:spcPts val="300"/>
+              </a:spcBef>
+            </a:pPr>
+            <a:r>
+              <a:rPr lang="en-US" dirty="0" smtClean="0"/>
+              <a:t>2</a:t>
+            </a:r>
+          </a:p>
+          <a:p>
+            <a:pPr algn="ctr">
+              <a:spcBef>
+                <a:spcPts val="300"/>
+              </a:spcBef>
+            </a:pPr>
+            <a:r>
+              <a:rPr lang="en-US" dirty="0" smtClean="0"/>
+              <a:t>3</a:t>
+            </a:r>
+          </a:p>
+          <a:p>
+            <a:pPr algn="ctr">
+              <a:spcBef>
+                <a:spcPts val="300"/>
+              </a:spcBef>
+            </a:pPr>
+            <a:r>
+              <a:rPr lang="en-US" dirty="0" smtClean="0"/>
+              <a:t>4</a:t>
+            </a:r>
+          </a:p>
+          <a:p>
+            <a:pPr algn="ctr">
+              <a:spcBef>
+                <a:spcPts val="300"/>
+              </a:spcBef>
+            </a:pPr>
+            <a:r>
+              <a:rPr lang="en-US" dirty="0" smtClean="0"/>
+              <a:t>5</a:t>
+            </a:r>
+          </a:p>
+          <a:p>
+            <a:pPr algn="ctr">
+              <a:spcBef>
+                <a:spcPts val="300"/>
+              </a:spcBef>
+            </a:pPr>
+            <a:r>
+              <a:rPr lang="en-US" dirty="0" smtClean="0"/>
+              <a:t>6</a:t>
+            </a:r>
+          </a:p>
+          <a:p>
+            <a:pPr algn="ctr">
+              <a:spcBef>
+                <a:spcPts val="300"/>
+              </a:spcBef>
+            </a:pPr>
+            <a:r>
+              <a:rPr lang="en-US" dirty="0" smtClean="0"/>
+              <a:t>7</a:t>
+            </a:r>
+          </a:p>
+          <a:p>
+            <a:pPr algn="ctr">
+              <a:spcBef>
+                <a:spcPts val="300"/>
+              </a:spcBef>
+            </a:pPr>
+            <a:r>
+              <a:rPr lang="en-US" dirty="0" smtClean="0"/>
+              <a:t>8</a:t>
+            </a:r>
+          </a:p>
+          <a:p>
+            <a:pPr algn="ctr">
+              <a:spcBef>
+                <a:spcPts val="300"/>
+              </a:spcBef>
+            </a:pPr>
+            <a:r>
+              <a:rPr lang="en-US" dirty="0" smtClean="0"/>
+              <a:t>9</a:t>
+            </a:r>
+          </a:p>
+          <a:p>
+            <a:pPr algn="ctr">
+              <a:spcBef>
+                <a:spcPts val="300"/>
+              </a:spcBef>
+            </a:pPr>
+            <a:r>
+              <a:rPr lang="en-US" dirty="0" smtClean="0"/>
+              <a:t>10</a:t>
+            </a:r>
+          </a:p>
+          <a:p>
+            <a:pPr algn="ctr">
+              <a:spcBef>
+                <a:spcPts val="300"/>
+              </a:spcBef>
+            </a:pPr>
+            <a:r>
+              <a:rPr lang="en-US" dirty="0" smtClean="0"/>
+              <a:t>11</a:t>
+            </a:r>
+          </a:p>
+          <a:p>
+            <a:pPr algn="ctr">
+              <a:spcBef>
+                <a:spcPts val="300"/>
+              </a:spcBef>
+            </a:pPr>
+            <a:r>
+              <a:rPr lang="en-US" dirty="0" smtClean="0"/>
+              <a:t>12</a:t>
+            </a:r>
+            <a:endParaRPr lang="en-US" dirty="0"/>
+          </a:p>
+        </p:txBody>
+      </p:sp>
+      <p:sp>
+        <p:nvSpPr>
+          <p:cNvPr id="19" name="Rectangle 18"/>
+          <p:cNvSpPr/>
+          <p:nvPr/>
+        </p:nvSpPr>
+        <p:spPr>
+          <a:xfrm>
+            <a:off x="8912845" y="2822967"/>
+            <a:ext cx="897859" cy="3898508"/>
+          </a:xfrm>
+          <a:prstGeom prst="rect">
+            <a:avLst/>
+          </a:prstGeom>
+          <a:solidFill>
+            <a:schemeClr val="accent1">
+              <a:alpha val="33000"/>
+            </a:schemeClr>
+          </a:solidFill>
+        </p:spPr>
+        <p:style>
+          <a:lnRef idx="2">
+            <a:schemeClr val="accent1">
+              <a:shade val="50000"/>
+            </a:schemeClr>
+          </a:lnRef>
+          <a:fillRef idx="1">
+            <a:schemeClr val="accent1"/>
+          </a:fillRef>
+          <a:effectRef idx="0">
+            <a:schemeClr val="accent1"/>
+          </a:effectRef>
+          <a:fontRef idx="minor">
+            <a:schemeClr val="lt1"/>
+          </a:fontRef>
+        </p:style>
+        <p:txBody>
+          <a:bodyPr rtlCol="0" anchor="ctr"/>
+          <a:lstStyle/>
+          <a:p>
+            <a:pPr algn="ctr"/>
+            <a:endParaRPr lang="en-US"/>
+          </a:p>
+        </p:txBody>
+      </p:sp>
+      <p:sp>
+        <p:nvSpPr>
+          <p:cNvPr id="21" name="TextBox 20"/>
+          <p:cNvSpPr txBox="1"/>
+          <p:nvPr/>
+        </p:nvSpPr>
+        <p:spPr>
+          <a:xfrm>
+            <a:off x="9753896" y="1734453"/>
+            <a:ext cx="1540806" cy="369332"/>
+          </a:xfrm>
+          <a:prstGeom prst="rect">
+            <a:avLst/>
+          </a:prstGeom>
+          <a:solidFill>
+            <a:schemeClr val="accent6">
+              <a:lumMod val="20000"/>
+              <a:lumOff val="80000"/>
+            </a:schemeClr>
+          </a:solidFill>
+        </p:spPr>
+        <p:txBody>
+          <a:bodyPr wrap="none" rtlCol="0">
+            <a:spAutoFit/>
+          </a:bodyPr>
+          <a:lstStyle/>
+          <a:p>
+            <a:pPr>
+              <a:spcBef>
+                <a:spcPts val="300"/>
+              </a:spcBef>
+            </a:pPr>
+            <a:r>
+              <a:rPr lang="en-US" dirty="0" smtClean="0"/>
+              <a:t>0      1       2      </a:t>
+            </a:r>
+            <a:endParaRPr lang="en-US" dirty="0"/>
+          </a:p>
+        </p:txBody>
+      </p:sp>
+      <p:sp>
+        <p:nvSpPr>
+          <p:cNvPr id="22" name="Rectangle 21"/>
+          <p:cNvSpPr/>
+          <p:nvPr/>
+        </p:nvSpPr>
+        <p:spPr>
+          <a:xfrm>
+            <a:off x="9747928" y="2119535"/>
+            <a:ext cx="1862825" cy="338105"/>
+          </a:xfrm>
+          <a:prstGeom prst="rect">
+            <a:avLst/>
+          </a:prstGeom>
+          <a:solidFill>
+            <a:schemeClr val="accent1">
+              <a:alpha val="33000"/>
+            </a:schemeClr>
+          </a:solidFill>
+        </p:spPr>
+        <p:style>
+          <a:lnRef idx="2">
+            <a:schemeClr val="accent1">
+              <a:shade val="50000"/>
+            </a:schemeClr>
+          </a:lnRef>
+          <a:fillRef idx="1">
+            <a:schemeClr val="accent1"/>
+          </a:fillRef>
+          <a:effectRef idx="0">
+            <a:schemeClr val="accent1"/>
+          </a:effectRef>
+          <a:fontRef idx="minor">
+            <a:schemeClr val="lt1"/>
+          </a:fontRef>
+        </p:style>
+        <p:txBody>
+          <a:bodyPr rtlCol="0" anchor="ctr"/>
+          <a:lstStyle/>
+          <a:p>
+            <a:pPr algn="ctr"/>
+            <a:endParaRPr lang="en-US"/>
+          </a:p>
+        </p:txBody>
+      </p:sp>
+      <p:sp>
+        <p:nvSpPr>
+          <p:cNvPr id="23" name="TextBox 22"/>
+          <p:cNvSpPr txBox="1"/>
+          <p:nvPr/>
+        </p:nvSpPr>
+        <p:spPr>
+          <a:xfrm>
+            <a:off x="9576351" y="1088122"/>
+            <a:ext cx="1805301" cy="584775"/>
+          </a:xfrm>
+          <a:prstGeom prst="rect">
+            <a:avLst/>
+          </a:prstGeom>
+          <a:noFill/>
+        </p:spPr>
+        <p:txBody>
+          <a:bodyPr wrap="none" rtlCol="0">
+            <a:spAutoFit/>
+          </a:bodyPr>
+          <a:lstStyle/>
+          <a:p>
+            <a:pPr algn="ctr"/>
+            <a:r>
+              <a:rPr lang="en-US" sz="1600" b="1" dirty="0">
+                <a:solidFill>
+                  <a:schemeClr val="accent6">
+                    <a:lumMod val="75000"/>
+                  </a:schemeClr>
+                </a:solidFill>
+              </a:rPr>
+              <a:t>POSITIONAL INDEX</a:t>
+            </a:r>
+            <a:endParaRPr lang="en-US" sz="1600" b="1" dirty="0" smtClean="0">
+              <a:solidFill>
+                <a:schemeClr val="accent6">
+                  <a:lumMod val="75000"/>
+                </a:schemeClr>
+              </a:solidFill>
+            </a:endParaRPr>
+          </a:p>
+          <a:p>
+            <a:pPr algn="ctr"/>
+            <a:r>
+              <a:rPr lang="en-US" sz="1600" b="1" dirty="0" smtClean="0">
+                <a:solidFill>
+                  <a:schemeClr val="accent6">
+                    <a:lumMod val="75000"/>
+                  </a:schemeClr>
+                </a:solidFill>
+              </a:rPr>
+              <a:t>ON THE COLUMNS</a:t>
+            </a:r>
+            <a:endParaRPr lang="en-US" sz="1600" b="1" dirty="0">
+              <a:solidFill>
+                <a:schemeClr val="accent6">
+                  <a:lumMod val="75000"/>
+                </a:schemeClr>
+              </a:solidFill>
+            </a:endParaRPr>
+          </a:p>
+        </p:txBody>
+      </p:sp>
+      <p:sp>
+        <p:nvSpPr>
+          <p:cNvPr id="24" name="TextBox 23"/>
+          <p:cNvSpPr txBox="1"/>
+          <p:nvPr/>
+        </p:nvSpPr>
+        <p:spPr>
+          <a:xfrm>
+            <a:off x="11281155" y="1858143"/>
+            <a:ext cx="948401" cy="307777"/>
+          </a:xfrm>
+          <a:prstGeom prst="rect">
+            <a:avLst/>
+          </a:prstGeom>
+          <a:noFill/>
+        </p:spPr>
+        <p:txBody>
+          <a:bodyPr wrap="none" rtlCol="0">
+            <a:spAutoFit/>
+          </a:bodyPr>
+          <a:lstStyle/>
+          <a:p>
+            <a:r>
+              <a:rPr lang="en-US" sz="1400" b="1" dirty="0" smtClean="0">
+                <a:solidFill>
+                  <a:srgbClr val="0070C0"/>
+                </a:solidFill>
+              </a:rPr>
+              <a:t>COLUMNS</a:t>
+            </a:r>
+          </a:p>
+        </p:txBody>
+      </p:sp>
+      <p:sp>
+        <p:nvSpPr>
+          <p:cNvPr id="25" name="TextBox 24"/>
+          <p:cNvSpPr txBox="1"/>
+          <p:nvPr/>
+        </p:nvSpPr>
+        <p:spPr>
+          <a:xfrm rot="1405271">
+            <a:off x="8347505" y="2081337"/>
+            <a:ext cx="652743" cy="307777"/>
+          </a:xfrm>
+          <a:prstGeom prst="rect">
+            <a:avLst/>
+          </a:prstGeom>
+          <a:noFill/>
+        </p:spPr>
+        <p:txBody>
+          <a:bodyPr wrap="none" rtlCol="0">
+            <a:spAutoFit/>
+          </a:bodyPr>
+          <a:lstStyle/>
+          <a:p>
+            <a:r>
+              <a:rPr lang="en-US" sz="1400" b="1" dirty="0" smtClean="0">
+                <a:solidFill>
+                  <a:srgbClr val="0070C0"/>
+                </a:solidFill>
+              </a:rPr>
+              <a:t>INDEX</a:t>
+            </a:r>
+          </a:p>
+        </p:txBody>
+      </p:sp>
+      <p:sp>
+        <p:nvSpPr>
+          <p:cNvPr id="26" name="TextBox 25"/>
+          <p:cNvSpPr txBox="1"/>
+          <p:nvPr/>
+        </p:nvSpPr>
+        <p:spPr>
+          <a:xfrm>
+            <a:off x="7428823" y="3571639"/>
+            <a:ext cx="1164101" cy="584775"/>
+          </a:xfrm>
+          <a:prstGeom prst="rect">
+            <a:avLst/>
+          </a:prstGeom>
+          <a:noFill/>
+        </p:spPr>
+        <p:txBody>
+          <a:bodyPr wrap="none" rtlCol="0">
+            <a:spAutoFit/>
+          </a:bodyPr>
+          <a:lstStyle/>
+          <a:p>
+            <a:pPr algn="ctr"/>
+            <a:r>
+              <a:rPr lang="en-US" sz="1600" b="1" dirty="0">
+                <a:solidFill>
+                  <a:schemeClr val="accent6">
+                    <a:lumMod val="75000"/>
+                  </a:schemeClr>
+                </a:solidFill>
+              </a:rPr>
+              <a:t>POS. </a:t>
+            </a:r>
+            <a:r>
+              <a:rPr lang="en-US" sz="1600" b="1" dirty="0" smtClean="0">
+                <a:solidFill>
+                  <a:schemeClr val="accent6">
+                    <a:lumMod val="75000"/>
+                  </a:schemeClr>
+                </a:solidFill>
+              </a:rPr>
+              <a:t>INDEX</a:t>
+            </a:r>
+          </a:p>
+          <a:p>
+            <a:pPr algn="ctr"/>
+            <a:r>
+              <a:rPr lang="en-US" sz="1600" b="1" dirty="0" smtClean="0">
+                <a:solidFill>
+                  <a:schemeClr val="accent6">
+                    <a:lumMod val="75000"/>
+                  </a:schemeClr>
+                </a:solidFill>
+              </a:rPr>
+              <a:t>ON ROWS</a:t>
+            </a:r>
+            <a:endParaRPr lang="en-US" sz="1600" b="1" dirty="0">
+              <a:solidFill>
+                <a:schemeClr val="accent6">
+                  <a:lumMod val="75000"/>
+                </a:schemeClr>
+              </a:solidFill>
+            </a:endParaRPr>
+          </a:p>
+        </p:txBody>
+      </p:sp>
+      <p:sp>
+        <p:nvSpPr>
+          <p:cNvPr id="16" name="TextBox 15"/>
+          <p:cNvSpPr txBox="1"/>
+          <p:nvPr/>
+        </p:nvSpPr>
+        <p:spPr>
+          <a:xfrm>
+            <a:off x="457821" y="1457819"/>
+            <a:ext cx="7079228" cy="646331"/>
+          </a:xfrm>
+          <a:prstGeom prst="rect">
+            <a:avLst/>
+          </a:prstGeom>
+          <a:noFill/>
+        </p:spPr>
+        <p:txBody>
+          <a:bodyPr wrap="square" rtlCol="0">
+            <a:spAutoFit/>
+          </a:bodyPr>
+          <a:lstStyle/>
+          <a:p>
+            <a:r>
+              <a:rPr lang="en-US" dirty="0">
+                <a:solidFill>
+                  <a:srgbClr val="000000"/>
+                </a:solidFill>
+                <a:latin typeface="Helvetica Neue"/>
+              </a:rPr>
+              <a:t>A new student has joined. Her name is Caroline and she got 4 in hw2. She is not in any program yet.</a:t>
+            </a:r>
+            <a:endParaRPr lang="en-US" dirty="0" smtClean="0">
+              <a:solidFill>
+                <a:srgbClr val="000000"/>
+              </a:solidFill>
+              <a:latin typeface="Helvetica Neue"/>
+            </a:endParaRPr>
+          </a:p>
+        </p:txBody>
+      </p:sp>
+      <p:sp>
+        <p:nvSpPr>
+          <p:cNvPr id="4" name="Footer Placeholder 3"/>
+          <p:cNvSpPr>
+            <a:spLocks noGrp="1"/>
+          </p:cNvSpPr>
+          <p:nvPr>
+            <p:ph type="ftr" sz="quarter" idx="11"/>
+          </p:nvPr>
+        </p:nvSpPr>
+        <p:spPr/>
+        <p:txBody>
+          <a:bodyPr/>
+          <a:lstStyle/>
+          <a:p>
+            <a:r>
+              <a:rPr lang="en-US" smtClean="0"/>
+              <a:t>Michele Samorani - Data Science Analysis with Python</a:t>
+            </a:r>
+            <a:endParaRPr lang="en-US"/>
+          </a:p>
+        </p:txBody>
+      </p:sp>
+      <p:sp>
+        <p:nvSpPr>
+          <p:cNvPr id="7" name="Right Arrow 6"/>
+          <p:cNvSpPr/>
+          <p:nvPr/>
+        </p:nvSpPr>
+        <p:spPr>
+          <a:xfrm>
+            <a:off x="7456557" y="6605650"/>
+            <a:ext cx="1007967" cy="216904"/>
+          </a:xfrm>
+          <a:prstGeom prst="rightArrow">
+            <a:avLst/>
+          </a:prstGeom>
+          <a:solidFill>
+            <a:schemeClr val="accent2"/>
+          </a:solidFill>
+          <a:ln>
+            <a:solidFill>
+              <a:srgbClr val="C00000"/>
+            </a:solidFill>
+          </a:ln>
+        </p:spPr>
+        <p:style>
+          <a:lnRef idx="2">
+            <a:schemeClr val="accent1">
+              <a:shade val="50000"/>
+            </a:schemeClr>
+          </a:lnRef>
+          <a:fillRef idx="1">
+            <a:schemeClr val="accent1"/>
+          </a:fillRef>
+          <a:effectRef idx="0">
+            <a:schemeClr val="accent1"/>
+          </a:effectRef>
+          <a:fontRef idx="minor">
+            <a:schemeClr val="lt1"/>
+          </a:fontRef>
+        </p:style>
+        <p:txBody>
+          <a:bodyPr rtlCol="0" anchor="ctr"/>
+          <a:lstStyle/>
+          <a:p>
+            <a:pPr algn="ctr"/>
+            <a:endParaRPr lang="en-US"/>
+          </a:p>
+        </p:txBody>
+      </p:sp>
+      <p:pic>
+        <p:nvPicPr>
+          <p:cNvPr id="2" name="Picture 1"/>
+          <p:cNvPicPr>
+            <a:picLocks noChangeAspect="1"/>
+          </p:cNvPicPr>
+          <p:nvPr/>
+        </p:nvPicPr>
+        <p:blipFill>
+          <a:blip r:embed="rId4"/>
+          <a:stretch>
+            <a:fillRect/>
+          </a:stretch>
+        </p:blipFill>
+        <p:spPr>
+          <a:xfrm>
+            <a:off x="643012" y="2753871"/>
+            <a:ext cx="4407293" cy="960879"/>
+          </a:xfrm>
+          <a:prstGeom prst="rect">
+            <a:avLst/>
+          </a:prstGeom>
+        </p:spPr>
+      </p:pic>
+    </p:spTree>
+    <p:extLst>
+      <p:ext uri="{BB962C8B-B14F-4D97-AF65-F5344CB8AC3E}">
+        <p14:creationId xmlns:p14="http://schemas.microsoft.com/office/powerpoint/2010/main" val="3498179168"/>
+      </p:ext>
+    </p:extLst>
+  </p:cSld>
+  <p:clrMapOvr>
+    <a:masterClrMapping/>
+  </p:clrMapOvr>
+  <p:timing>
+    <p:tnLst>
+      <p:par>
+        <p:cTn id="1" dur="indefinite" restart="never" nodeType="tmRoot"/>
+      </p:par>
+    </p:tnLst>
+  </p:timing>
+</p:sld>
+</file>
+
+<file path=ppt/slides/slide24.xml><?xml version="1.0" encoding="utf-8"?>
+<p:sld xmlns:a="http://schemas.openxmlformats.org/drawingml/2006/main" xmlns:r="http://schemas.openxmlformats.org/officeDocument/2006/relationships" xmlns:p="http://schemas.openxmlformats.org/presentationml/2006/main">
+  <p:cSld>
+    <p:spTree>
+      <p:nvGrpSpPr>
+        <p:cNvPr id="1" name=""/>
+        <p:cNvGrpSpPr/>
+        <p:nvPr/>
+      </p:nvGrpSpPr>
+      <p:grpSpPr>
+        <a:xfrm>
+          <a:off x="0" y="0"/>
+          <a:ext cx="0" cy="0"/>
+          <a:chOff x="0" y="0"/>
+          <a:chExt cx="0" cy="0"/>
+        </a:xfrm>
+      </p:grpSpPr>
+      <p:pic>
+        <p:nvPicPr>
+          <p:cNvPr id="6" name="Picture 5"/>
+          <p:cNvPicPr>
+            <a:picLocks noChangeAspect="1"/>
+          </p:cNvPicPr>
+          <p:nvPr/>
+        </p:nvPicPr>
+        <p:blipFill>
+          <a:blip r:embed="rId3"/>
+          <a:stretch>
+            <a:fillRect/>
+          </a:stretch>
+        </p:blipFill>
+        <p:spPr>
+          <a:xfrm>
+            <a:off x="8912845" y="2052733"/>
+            <a:ext cx="2806947" cy="4138517"/>
+          </a:xfrm>
+          <a:prstGeom prst="rect">
+            <a:avLst/>
+          </a:prstGeom>
+        </p:spPr>
+      </p:pic>
+      <p:sp>
+        <p:nvSpPr>
+          <p:cNvPr id="14" name="Title 1"/>
+          <p:cNvSpPr>
+            <a:spLocks noGrp="1"/>
+          </p:cNvSpPr>
+          <p:nvPr>
+            <p:ph type="title"/>
+          </p:nvPr>
+        </p:nvSpPr>
+        <p:spPr>
+          <a:xfrm>
+            <a:off x="621748" y="188552"/>
+            <a:ext cx="10515600" cy="723297"/>
+          </a:xfrm>
+        </p:spPr>
+        <p:txBody>
+          <a:bodyPr>
+            <a:normAutofit fontScale="90000"/>
+          </a:bodyPr>
+          <a:lstStyle/>
+          <a:p>
+            <a:r>
+              <a:rPr lang="en-US" sz="5400" b="1" dirty="0" smtClean="0"/>
+              <a:t>Adding columns</a:t>
+            </a:r>
+            <a:endParaRPr lang="en-US" sz="5400" b="1" dirty="0"/>
+          </a:p>
+        </p:txBody>
+      </p:sp>
+      <p:sp>
+        <p:nvSpPr>
+          <p:cNvPr id="18" name="TextBox 17"/>
+          <p:cNvSpPr txBox="1"/>
+          <p:nvPr/>
+        </p:nvSpPr>
+        <p:spPr>
+          <a:xfrm>
+            <a:off x="8464524" y="2704068"/>
+            <a:ext cx="418704" cy="3524042"/>
+          </a:xfrm>
+          <a:prstGeom prst="rect">
+            <a:avLst/>
+          </a:prstGeom>
+          <a:solidFill>
+            <a:schemeClr val="accent6">
+              <a:lumMod val="20000"/>
+              <a:lumOff val="80000"/>
+            </a:schemeClr>
+          </a:solidFill>
+        </p:spPr>
+        <p:txBody>
+          <a:bodyPr wrap="none" rtlCol="0">
+            <a:spAutoFit/>
+          </a:bodyPr>
+          <a:lstStyle/>
+          <a:p>
+            <a:pPr algn="ctr">
+              <a:spcBef>
+                <a:spcPts val="300"/>
+              </a:spcBef>
+            </a:pPr>
+            <a:r>
+              <a:rPr lang="en-US" dirty="0" smtClean="0"/>
+              <a:t>0</a:t>
+            </a:r>
+          </a:p>
+          <a:p>
+            <a:pPr algn="ctr">
+              <a:spcBef>
+                <a:spcPts val="300"/>
+              </a:spcBef>
+            </a:pPr>
+            <a:r>
+              <a:rPr lang="en-US" dirty="0" smtClean="0"/>
+              <a:t>1</a:t>
+            </a:r>
+          </a:p>
+          <a:p>
+            <a:pPr algn="ctr">
+              <a:spcBef>
+                <a:spcPts val="300"/>
+              </a:spcBef>
+            </a:pPr>
+            <a:r>
+              <a:rPr lang="en-US" dirty="0" smtClean="0"/>
+              <a:t>2</a:t>
+            </a:r>
+          </a:p>
+          <a:p>
+            <a:pPr algn="ctr">
+              <a:spcBef>
+                <a:spcPts val="300"/>
+              </a:spcBef>
+            </a:pPr>
+            <a:r>
+              <a:rPr lang="en-US" dirty="0" smtClean="0"/>
+              <a:t>3</a:t>
+            </a:r>
+          </a:p>
+          <a:p>
+            <a:pPr algn="ctr">
+              <a:spcBef>
+                <a:spcPts val="300"/>
+              </a:spcBef>
+            </a:pPr>
+            <a:r>
+              <a:rPr lang="en-US" dirty="0" smtClean="0"/>
+              <a:t>4</a:t>
+            </a:r>
+          </a:p>
+          <a:p>
+            <a:pPr algn="ctr">
+              <a:spcBef>
+                <a:spcPts val="300"/>
+              </a:spcBef>
+            </a:pPr>
+            <a:r>
+              <a:rPr lang="en-US" dirty="0" smtClean="0"/>
+              <a:t>5</a:t>
+            </a:r>
+          </a:p>
+          <a:p>
+            <a:pPr algn="ctr">
+              <a:spcBef>
+                <a:spcPts val="300"/>
+              </a:spcBef>
+            </a:pPr>
+            <a:r>
+              <a:rPr lang="en-US" dirty="0" smtClean="0"/>
+              <a:t>6</a:t>
+            </a:r>
+          </a:p>
+          <a:p>
+            <a:pPr algn="ctr">
+              <a:spcBef>
+                <a:spcPts val="300"/>
+              </a:spcBef>
+            </a:pPr>
+            <a:r>
+              <a:rPr lang="en-US" dirty="0" smtClean="0"/>
+              <a:t>7</a:t>
+            </a:r>
+          </a:p>
+          <a:p>
+            <a:pPr algn="ctr">
+              <a:spcBef>
+                <a:spcPts val="300"/>
+              </a:spcBef>
+            </a:pPr>
+            <a:r>
+              <a:rPr lang="en-US" dirty="0" smtClean="0"/>
+              <a:t>8</a:t>
+            </a:r>
+          </a:p>
+          <a:p>
+            <a:pPr algn="ctr">
+              <a:spcBef>
+                <a:spcPts val="300"/>
+              </a:spcBef>
+            </a:pPr>
+            <a:r>
+              <a:rPr lang="en-US" dirty="0" smtClean="0"/>
+              <a:t>9</a:t>
+            </a:r>
+          </a:p>
+          <a:p>
+            <a:pPr algn="ctr">
+              <a:spcBef>
+                <a:spcPts val="300"/>
+              </a:spcBef>
+            </a:pPr>
+            <a:r>
+              <a:rPr lang="en-US" dirty="0" smtClean="0"/>
+              <a:t>10</a:t>
+            </a:r>
+          </a:p>
+        </p:txBody>
+      </p:sp>
+      <p:sp>
+        <p:nvSpPr>
+          <p:cNvPr id="19" name="Rectangle 18"/>
+          <p:cNvSpPr/>
+          <p:nvPr/>
+        </p:nvSpPr>
+        <p:spPr>
+          <a:xfrm>
+            <a:off x="8912845" y="2719032"/>
+            <a:ext cx="897859" cy="3487968"/>
+          </a:xfrm>
+          <a:prstGeom prst="rect">
+            <a:avLst/>
+          </a:prstGeom>
+          <a:solidFill>
+            <a:schemeClr val="accent1">
+              <a:alpha val="33000"/>
+            </a:schemeClr>
+          </a:solidFill>
+        </p:spPr>
+        <p:style>
+          <a:lnRef idx="2">
+            <a:schemeClr val="accent1">
+              <a:shade val="50000"/>
+            </a:schemeClr>
+          </a:lnRef>
+          <a:fillRef idx="1">
+            <a:schemeClr val="accent1"/>
+          </a:fillRef>
+          <a:effectRef idx="0">
+            <a:schemeClr val="accent1"/>
+          </a:effectRef>
+          <a:fontRef idx="minor">
+            <a:schemeClr val="lt1"/>
+          </a:fontRef>
+        </p:style>
+        <p:txBody>
+          <a:bodyPr rtlCol="0" anchor="ctr"/>
+          <a:lstStyle/>
+          <a:p>
+            <a:pPr algn="ctr"/>
+            <a:endParaRPr lang="en-US"/>
+          </a:p>
+        </p:txBody>
+      </p:sp>
+      <p:sp>
+        <p:nvSpPr>
+          <p:cNvPr id="21" name="TextBox 20"/>
+          <p:cNvSpPr txBox="1"/>
+          <p:nvPr/>
+        </p:nvSpPr>
+        <p:spPr>
+          <a:xfrm>
+            <a:off x="9753896" y="1734453"/>
+            <a:ext cx="1540806" cy="369332"/>
+          </a:xfrm>
+          <a:prstGeom prst="rect">
+            <a:avLst/>
+          </a:prstGeom>
+          <a:solidFill>
+            <a:schemeClr val="accent6">
+              <a:lumMod val="20000"/>
+              <a:lumOff val="80000"/>
+            </a:schemeClr>
+          </a:solidFill>
+        </p:spPr>
+        <p:txBody>
+          <a:bodyPr wrap="none" rtlCol="0">
+            <a:spAutoFit/>
+          </a:bodyPr>
+          <a:lstStyle/>
+          <a:p>
+            <a:pPr>
+              <a:spcBef>
+                <a:spcPts val="300"/>
+              </a:spcBef>
+            </a:pPr>
+            <a:r>
+              <a:rPr lang="en-US" dirty="0" smtClean="0"/>
+              <a:t>0      1       2      </a:t>
+            </a:r>
+            <a:endParaRPr lang="en-US" dirty="0"/>
+          </a:p>
+        </p:txBody>
+      </p:sp>
+      <p:sp>
+        <p:nvSpPr>
+          <p:cNvPr id="22" name="Rectangle 21"/>
+          <p:cNvSpPr/>
+          <p:nvPr/>
+        </p:nvSpPr>
+        <p:spPr>
+          <a:xfrm>
+            <a:off x="9747928" y="2119535"/>
+            <a:ext cx="2252931" cy="338105"/>
+          </a:xfrm>
+          <a:prstGeom prst="rect">
+            <a:avLst/>
+          </a:prstGeom>
+          <a:solidFill>
+            <a:schemeClr val="accent1">
+              <a:alpha val="33000"/>
+            </a:schemeClr>
+          </a:solidFill>
+        </p:spPr>
+        <p:style>
+          <a:lnRef idx="2">
+            <a:schemeClr val="accent1">
+              <a:shade val="50000"/>
+            </a:schemeClr>
+          </a:lnRef>
+          <a:fillRef idx="1">
+            <a:schemeClr val="accent1"/>
+          </a:fillRef>
+          <a:effectRef idx="0">
+            <a:schemeClr val="accent1"/>
+          </a:effectRef>
+          <a:fontRef idx="minor">
+            <a:schemeClr val="lt1"/>
+          </a:fontRef>
+        </p:style>
+        <p:txBody>
+          <a:bodyPr rtlCol="0" anchor="ctr"/>
+          <a:lstStyle/>
+          <a:p>
+            <a:pPr algn="ctr"/>
+            <a:endParaRPr lang="en-US"/>
+          </a:p>
+        </p:txBody>
+      </p:sp>
+      <p:sp>
+        <p:nvSpPr>
+          <p:cNvPr id="23" name="TextBox 22"/>
+          <p:cNvSpPr txBox="1"/>
+          <p:nvPr/>
+        </p:nvSpPr>
+        <p:spPr>
+          <a:xfrm>
+            <a:off x="9576351" y="1088122"/>
+            <a:ext cx="1805301" cy="584775"/>
+          </a:xfrm>
+          <a:prstGeom prst="rect">
+            <a:avLst/>
+          </a:prstGeom>
+          <a:noFill/>
+        </p:spPr>
+        <p:txBody>
+          <a:bodyPr wrap="none" rtlCol="0">
+            <a:spAutoFit/>
+          </a:bodyPr>
+          <a:lstStyle/>
+          <a:p>
+            <a:pPr algn="ctr"/>
+            <a:r>
+              <a:rPr lang="en-US" sz="1600" b="1" dirty="0">
+                <a:solidFill>
+                  <a:schemeClr val="accent6">
+                    <a:lumMod val="75000"/>
+                  </a:schemeClr>
+                </a:solidFill>
+              </a:rPr>
+              <a:t>POSITIONAL INDEX</a:t>
+            </a:r>
+            <a:endParaRPr lang="en-US" sz="1600" b="1" dirty="0" smtClean="0">
+              <a:solidFill>
+                <a:schemeClr val="accent6">
+                  <a:lumMod val="75000"/>
+                </a:schemeClr>
+              </a:solidFill>
+            </a:endParaRPr>
+          </a:p>
+          <a:p>
+            <a:pPr algn="ctr"/>
+            <a:r>
+              <a:rPr lang="en-US" sz="1600" b="1" dirty="0" smtClean="0">
+                <a:solidFill>
+                  <a:schemeClr val="accent6">
+                    <a:lumMod val="75000"/>
+                  </a:schemeClr>
+                </a:solidFill>
+              </a:rPr>
+              <a:t>ON THE COLUMNS</a:t>
+            </a:r>
+            <a:endParaRPr lang="en-US" sz="1600" b="1" dirty="0">
+              <a:solidFill>
+                <a:schemeClr val="accent6">
+                  <a:lumMod val="75000"/>
+                </a:schemeClr>
+              </a:solidFill>
+            </a:endParaRPr>
+          </a:p>
+        </p:txBody>
+      </p:sp>
+      <p:sp>
+        <p:nvSpPr>
+          <p:cNvPr id="24" name="TextBox 23"/>
+          <p:cNvSpPr txBox="1"/>
+          <p:nvPr/>
+        </p:nvSpPr>
+        <p:spPr>
+          <a:xfrm>
+            <a:off x="11281155" y="1858143"/>
+            <a:ext cx="948401" cy="307777"/>
+          </a:xfrm>
+          <a:prstGeom prst="rect">
+            <a:avLst/>
+          </a:prstGeom>
+          <a:noFill/>
+        </p:spPr>
+        <p:txBody>
+          <a:bodyPr wrap="none" rtlCol="0">
+            <a:spAutoFit/>
+          </a:bodyPr>
+          <a:lstStyle/>
+          <a:p>
+            <a:r>
+              <a:rPr lang="en-US" sz="1400" b="1" dirty="0" smtClean="0">
+                <a:solidFill>
+                  <a:srgbClr val="0070C0"/>
+                </a:solidFill>
+              </a:rPr>
+              <a:t>COLUMNS</a:t>
+            </a:r>
+          </a:p>
+        </p:txBody>
+      </p:sp>
+      <p:sp>
+        <p:nvSpPr>
+          <p:cNvPr id="25" name="TextBox 24"/>
+          <p:cNvSpPr txBox="1"/>
+          <p:nvPr/>
+        </p:nvSpPr>
+        <p:spPr>
+          <a:xfrm rot="1405271">
+            <a:off x="8347505" y="2081337"/>
+            <a:ext cx="652743" cy="307777"/>
+          </a:xfrm>
+          <a:prstGeom prst="rect">
+            <a:avLst/>
+          </a:prstGeom>
+          <a:noFill/>
+        </p:spPr>
+        <p:txBody>
+          <a:bodyPr wrap="none" rtlCol="0">
+            <a:spAutoFit/>
+          </a:bodyPr>
+          <a:lstStyle/>
+          <a:p>
+            <a:r>
+              <a:rPr lang="en-US" sz="1400" b="1" dirty="0" smtClean="0">
+                <a:solidFill>
+                  <a:srgbClr val="0070C0"/>
+                </a:solidFill>
+              </a:rPr>
+              <a:t>INDEX</a:t>
+            </a:r>
+          </a:p>
+        </p:txBody>
+      </p:sp>
+      <p:sp>
+        <p:nvSpPr>
+          <p:cNvPr id="26" name="TextBox 25"/>
+          <p:cNvSpPr txBox="1"/>
+          <p:nvPr/>
+        </p:nvSpPr>
+        <p:spPr>
+          <a:xfrm>
+            <a:off x="7428823" y="3571639"/>
+            <a:ext cx="1164101" cy="584775"/>
+          </a:xfrm>
+          <a:prstGeom prst="rect">
+            <a:avLst/>
+          </a:prstGeom>
+          <a:noFill/>
+        </p:spPr>
+        <p:txBody>
+          <a:bodyPr wrap="none" rtlCol="0">
+            <a:spAutoFit/>
+          </a:bodyPr>
+          <a:lstStyle/>
+          <a:p>
+            <a:pPr algn="ctr"/>
+            <a:r>
+              <a:rPr lang="en-US" sz="1600" b="1" dirty="0">
+                <a:solidFill>
+                  <a:schemeClr val="accent6">
+                    <a:lumMod val="75000"/>
+                  </a:schemeClr>
+                </a:solidFill>
+              </a:rPr>
+              <a:t>POS. </a:t>
+            </a:r>
+            <a:r>
+              <a:rPr lang="en-US" sz="1600" b="1" dirty="0" smtClean="0">
+                <a:solidFill>
+                  <a:schemeClr val="accent6">
+                    <a:lumMod val="75000"/>
+                  </a:schemeClr>
+                </a:solidFill>
+              </a:rPr>
+              <a:t>INDEX</a:t>
+            </a:r>
+          </a:p>
+          <a:p>
+            <a:pPr algn="ctr"/>
+            <a:r>
+              <a:rPr lang="en-US" sz="1600" b="1" dirty="0" smtClean="0">
+                <a:solidFill>
+                  <a:schemeClr val="accent6">
+                    <a:lumMod val="75000"/>
+                  </a:schemeClr>
+                </a:solidFill>
+              </a:rPr>
+              <a:t>ON ROWS</a:t>
+            </a:r>
+            <a:endParaRPr lang="en-US" sz="1600" b="1" dirty="0">
+              <a:solidFill>
+                <a:schemeClr val="accent6">
+                  <a:lumMod val="75000"/>
+                </a:schemeClr>
+              </a:solidFill>
+            </a:endParaRPr>
+          </a:p>
+        </p:txBody>
+      </p:sp>
+      <p:sp>
+        <p:nvSpPr>
+          <p:cNvPr id="16" name="TextBox 15"/>
+          <p:cNvSpPr txBox="1"/>
+          <p:nvPr/>
+        </p:nvSpPr>
+        <p:spPr>
+          <a:xfrm>
+            <a:off x="457821" y="1457819"/>
+            <a:ext cx="7079228" cy="369332"/>
+          </a:xfrm>
+          <a:prstGeom prst="rect">
+            <a:avLst/>
+          </a:prstGeom>
+          <a:noFill/>
+        </p:spPr>
+        <p:txBody>
+          <a:bodyPr wrap="square" rtlCol="0">
+            <a:spAutoFit/>
+          </a:bodyPr>
+          <a:lstStyle/>
+          <a:p>
+            <a:r>
+              <a:rPr lang="en-US" dirty="0">
+                <a:solidFill>
+                  <a:srgbClr val="000000"/>
+                </a:solidFill>
+                <a:latin typeface="Helvetica Neue"/>
+              </a:rPr>
+              <a:t>Add an "empty" column hw3</a:t>
+            </a:r>
+            <a:endParaRPr lang="en-US" dirty="0" smtClean="0">
+              <a:solidFill>
+                <a:srgbClr val="000000"/>
+              </a:solidFill>
+              <a:latin typeface="Helvetica Neue"/>
+            </a:endParaRPr>
+          </a:p>
+        </p:txBody>
+      </p:sp>
+      <p:sp>
+        <p:nvSpPr>
+          <p:cNvPr id="4" name="Footer Placeholder 3"/>
+          <p:cNvSpPr>
+            <a:spLocks noGrp="1"/>
+          </p:cNvSpPr>
+          <p:nvPr>
+            <p:ph type="ftr" sz="quarter" idx="11"/>
+          </p:nvPr>
+        </p:nvSpPr>
+        <p:spPr/>
+        <p:txBody>
+          <a:bodyPr/>
+          <a:lstStyle/>
+          <a:p>
+            <a:r>
+              <a:rPr lang="en-US" smtClean="0"/>
+              <a:t>Michele Samorani - Data Science Analysis with Python</a:t>
+            </a:r>
+            <a:endParaRPr lang="en-US"/>
+          </a:p>
+        </p:txBody>
+      </p:sp>
+      <p:sp>
+        <p:nvSpPr>
+          <p:cNvPr id="7" name="Right Arrow 6"/>
+          <p:cNvSpPr/>
+          <p:nvPr/>
+        </p:nvSpPr>
+        <p:spPr>
+          <a:xfrm rot="16200000">
+            <a:off x="11227464" y="6267821"/>
+            <a:ext cx="533644" cy="426261"/>
+          </a:xfrm>
+          <a:prstGeom prst="rightArrow">
+            <a:avLst/>
+          </a:prstGeom>
+          <a:solidFill>
+            <a:schemeClr val="accent2"/>
+          </a:solidFill>
+          <a:ln>
+            <a:solidFill>
+              <a:srgbClr val="C00000"/>
+            </a:solidFill>
+          </a:ln>
+        </p:spPr>
+        <p:style>
+          <a:lnRef idx="2">
+            <a:schemeClr val="accent1">
+              <a:shade val="50000"/>
+            </a:schemeClr>
+          </a:lnRef>
+          <a:fillRef idx="1">
+            <a:schemeClr val="accent1"/>
+          </a:fillRef>
+          <a:effectRef idx="0">
+            <a:schemeClr val="accent1"/>
+          </a:effectRef>
+          <a:fontRef idx="minor">
+            <a:schemeClr val="lt1"/>
+          </a:fontRef>
+        </p:style>
+        <p:txBody>
+          <a:bodyPr rtlCol="0" anchor="ctr"/>
+          <a:lstStyle/>
+          <a:p>
+            <a:pPr algn="ctr"/>
+            <a:endParaRPr lang="en-US"/>
+          </a:p>
+        </p:txBody>
+      </p:sp>
+      <p:pic>
+        <p:nvPicPr>
+          <p:cNvPr id="5" name="Picture 4"/>
+          <p:cNvPicPr>
+            <a:picLocks noChangeAspect="1"/>
+          </p:cNvPicPr>
+          <p:nvPr/>
+        </p:nvPicPr>
+        <p:blipFill>
+          <a:blip r:embed="rId4"/>
+          <a:stretch>
+            <a:fillRect/>
+          </a:stretch>
+        </p:blipFill>
+        <p:spPr>
+          <a:xfrm>
+            <a:off x="547687" y="2119535"/>
+            <a:ext cx="3286125" cy="1895475"/>
+          </a:xfrm>
+          <a:prstGeom prst="rect">
+            <a:avLst/>
+          </a:prstGeom>
+        </p:spPr>
+      </p:pic>
+    </p:spTree>
+    <p:extLst>
+      <p:ext uri="{BB962C8B-B14F-4D97-AF65-F5344CB8AC3E}">
+        <p14:creationId xmlns:p14="http://schemas.microsoft.com/office/powerpoint/2010/main" val="3079610895"/>
+      </p:ext>
+    </p:extLst>
+  </p:cSld>
+  <p:clrMapOvr>
+    <a:masterClrMapping/>
+  </p:clrMapOvr>
+  <p:timing>
+    <p:tnLst>
+      <p:par>
+        <p:cTn id="1" dur="indefinite" restart="never" nodeType="tmRoot"/>
+      </p:par>
+    </p:tnLst>
+  </p:timing>
+</p:sld>
+</file>
+
+<file path=ppt/slides/slide25.xml><?xml version="1.0" encoding="utf-8"?>
+<p:sld xmlns:a="http://schemas.openxmlformats.org/drawingml/2006/main" xmlns:r="http://schemas.openxmlformats.org/officeDocument/2006/relationships" xmlns:p="http://schemas.openxmlformats.org/presentationml/2006/main">
+  <p:cSld>
+    <p:spTree>
+      <p:nvGrpSpPr>
+        <p:cNvPr id="1" name=""/>
+        <p:cNvGrpSpPr/>
+        <p:nvPr/>
+      </p:nvGrpSpPr>
+      <p:grpSpPr>
+        <a:xfrm>
+          <a:off x="0" y="0"/>
+          <a:ext cx="0" cy="0"/>
+          <a:chOff x="0" y="0"/>
+          <a:chExt cx="0" cy="0"/>
+        </a:xfrm>
+      </p:grpSpPr>
+      <p:pic>
+        <p:nvPicPr>
+          <p:cNvPr id="3" name="Picture 2"/>
+          <p:cNvPicPr>
+            <a:picLocks noChangeAspect="1"/>
+          </p:cNvPicPr>
+          <p:nvPr/>
+        </p:nvPicPr>
+        <p:blipFill>
+          <a:blip r:embed="rId3"/>
+          <a:stretch>
+            <a:fillRect/>
+          </a:stretch>
+        </p:blipFill>
+        <p:spPr>
+          <a:xfrm>
+            <a:off x="8681317" y="1874113"/>
+            <a:ext cx="3313886" cy="4228629"/>
+          </a:xfrm>
+          <a:prstGeom prst="rect">
+            <a:avLst/>
+          </a:prstGeom>
+        </p:spPr>
+      </p:pic>
+      <p:sp>
+        <p:nvSpPr>
+          <p:cNvPr id="14" name="Title 1"/>
+          <p:cNvSpPr>
+            <a:spLocks noGrp="1"/>
+          </p:cNvSpPr>
+          <p:nvPr>
+            <p:ph type="title"/>
+          </p:nvPr>
+        </p:nvSpPr>
+        <p:spPr>
+          <a:xfrm>
+            <a:off x="621748" y="188552"/>
+            <a:ext cx="10515600" cy="723297"/>
+          </a:xfrm>
+        </p:spPr>
+        <p:txBody>
+          <a:bodyPr>
+            <a:normAutofit fontScale="90000"/>
+          </a:bodyPr>
+          <a:lstStyle/>
+          <a:p>
+            <a:r>
+              <a:rPr lang="en-US" sz="5400" b="1" dirty="0" smtClean="0"/>
+              <a:t>Adding calculated columns</a:t>
+            </a:r>
+            <a:endParaRPr lang="en-US" sz="5400" b="1" dirty="0"/>
+          </a:p>
+        </p:txBody>
+      </p:sp>
+      <p:sp>
+        <p:nvSpPr>
+          <p:cNvPr id="18" name="TextBox 17"/>
+          <p:cNvSpPr txBox="1"/>
+          <p:nvPr/>
+        </p:nvSpPr>
+        <p:spPr>
+          <a:xfrm>
+            <a:off x="8230171" y="2527795"/>
+            <a:ext cx="418704" cy="3524042"/>
+          </a:xfrm>
+          <a:prstGeom prst="rect">
+            <a:avLst/>
+          </a:prstGeom>
+          <a:solidFill>
+            <a:schemeClr val="accent6">
+              <a:lumMod val="20000"/>
+              <a:lumOff val="80000"/>
+            </a:schemeClr>
+          </a:solidFill>
+        </p:spPr>
+        <p:txBody>
+          <a:bodyPr wrap="none" rtlCol="0">
+            <a:spAutoFit/>
+          </a:bodyPr>
+          <a:lstStyle/>
+          <a:p>
+            <a:pPr algn="ctr">
+              <a:spcBef>
+                <a:spcPts val="300"/>
+              </a:spcBef>
+            </a:pPr>
+            <a:r>
+              <a:rPr lang="en-US" dirty="0" smtClean="0"/>
+              <a:t>0</a:t>
+            </a:r>
+          </a:p>
+          <a:p>
+            <a:pPr algn="ctr">
+              <a:spcBef>
+                <a:spcPts val="300"/>
+              </a:spcBef>
+            </a:pPr>
+            <a:r>
+              <a:rPr lang="en-US" dirty="0" smtClean="0"/>
+              <a:t>1</a:t>
+            </a:r>
+          </a:p>
+          <a:p>
+            <a:pPr algn="ctr">
+              <a:spcBef>
+                <a:spcPts val="300"/>
+              </a:spcBef>
+            </a:pPr>
+            <a:r>
+              <a:rPr lang="en-US" dirty="0" smtClean="0"/>
+              <a:t>2</a:t>
+            </a:r>
+          </a:p>
+          <a:p>
+            <a:pPr algn="ctr">
+              <a:spcBef>
+                <a:spcPts val="300"/>
+              </a:spcBef>
+            </a:pPr>
+            <a:r>
+              <a:rPr lang="en-US" dirty="0" smtClean="0"/>
+              <a:t>3</a:t>
+            </a:r>
+          </a:p>
+          <a:p>
+            <a:pPr algn="ctr">
+              <a:spcBef>
+                <a:spcPts val="300"/>
+              </a:spcBef>
+            </a:pPr>
+            <a:r>
+              <a:rPr lang="en-US" dirty="0" smtClean="0"/>
+              <a:t>4</a:t>
+            </a:r>
+          </a:p>
+          <a:p>
+            <a:pPr algn="ctr">
+              <a:spcBef>
+                <a:spcPts val="300"/>
+              </a:spcBef>
+            </a:pPr>
+            <a:r>
+              <a:rPr lang="en-US" dirty="0" smtClean="0"/>
+              <a:t>5</a:t>
+            </a:r>
+          </a:p>
+          <a:p>
+            <a:pPr algn="ctr">
+              <a:spcBef>
+                <a:spcPts val="300"/>
+              </a:spcBef>
+            </a:pPr>
+            <a:r>
+              <a:rPr lang="en-US" dirty="0" smtClean="0"/>
+              <a:t>6</a:t>
+            </a:r>
+          </a:p>
+          <a:p>
+            <a:pPr algn="ctr">
+              <a:spcBef>
+                <a:spcPts val="300"/>
+              </a:spcBef>
+            </a:pPr>
+            <a:r>
+              <a:rPr lang="en-US" dirty="0" smtClean="0"/>
+              <a:t>7</a:t>
+            </a:r>
+          </a:p>
+          <a:p>
+            <a:pPr algn="ctr">
+              <a:spcBef>
+                <a:spcPts val="300"/>
+              </a:spcBef>
+            </a:pPr>
+            <a:r>
+              <a:rPr lang="en-US" dirty="0" smtClean="0"/>
+              <a:t>8</a:t>
+            </a:r>
+          </a:p>
+          <a:p>
+            <a:pPr algn="ctr">
+              <a:spcBef>
+                <a:spcPts val="300"/>
+              </a:spcBef>
+            </a:pPr>
+            <a:r>
+              <a:rPr lang="en-US" dirty="0" smtClean="0"/>
+              <a:t>9</a:t>
+            </a:r>
+          </a:p>
+          <a:p>
+            <a:pPr algn="ctr">
+              <a:spcBef>
+                <a:spcPts val="300"/>
+              </a:spcBef>
+            </a:pPr>
+            <a:r>
+              <a:rPr lang="en-US" dirty="0" smtClean="0"/>
+              <a:t>10</a:t>
+            </a:r>
+          </a:p>
+        </p:txBody>
+      </p:sp>
+      <p:sp>
+        <p:nvSpPr>
+          <p:cNvPr id="19" name="Rectangle 18"/>
+          <p:cNvSpPr/>
+          <p:nvPr/>
+        </p:nvSpPr>
+        <p:spPr>
+          <a:xfrm>
+            <a:off x="8678492" y="2542759"/>
+            <a:ext cx="897859" cy="3487968"/>
+          </a:xfrm>
+          <a:prstGeom prst="rect">
+            <a:avLst/>
+          </a:prstGeom>
+          <a:solidFill>
+            <a:schemeClr val="accent1">
+              <a:alpha val="33000"/>
+            </a:schemeClr>
+          </a:solidFill>
+        </p:spPr>
+        <p:style>
+          <a:lnRef idx="2">
+            <a:schemeClr val="accent1">
+              <a:shade val="50000"/>
+            </a:schemeClr>
+          </a:lnRef>
+          <a:fillRef idx="1">
+            <a:schemeClr val="accent1"/>
+          </a:fillRef>
+          <a:effectRef idx="0">
+            <a:schemeClr val="accent1"/>
+          </a:effectRef>
+          <a:fontRef idx="minor">
+            <a:schemeClr val="lt1"/>
+          </a:fontRef>
+        </p:style>
+        <p:txBody>
+          <a:bodyPr rtlCol="0" anchor="ctr"/>
+          <a:lstStyle/>
+          <a:p>
+            <a:pPr algn="ctr"/>
+            <a:endParaRPr lang="en-US"/>
+          </a:p>
+        </p:txBody>
+      </p:sp>
+      <p:sp>
+        <p:nvSpPr>
+          <p:cNvPr id="21" name="TextBox 20"/>
+          <p:cNvSpPr txBox="1"/>
+          <p:nvPr/>
+        </p:nvSpPr>
+        <p:spPr>
+          <a:xfrm>
+            <a:off x="9519543" y="1558180"/>
+            <a:ext cx="1540806" cy="369332"/>
+          </a:xfrm>
+          <a:prstGeom prst="rect">
+            <a:avLst/>
+          </a:prstGeom>
+          <a:solidFill>
+            <a:schemeClr val="accent6">
+              <a:lumMod val="20000"/>
+              <a:lumOff val="80000"/>
+            </a:schemeClr>
+          </a:solidFill>
+        </p:spPr>
+        <p:txBody>
+          <a:bodyPr wrap="none" rtlCol="0">
+            <a:spAutoFit/>
+          </a:bodyPr>
+          <a:lstStyle/>
+          <a:p>
+            <a:pPr>
+              <a:spcBef>
+                <a:spcPts val="300"/>
+              </a:spcBef>
+            </a:pPr>
+            <a:r>
+              <a:rPr lang="en-US" dirty="0" smtClean="0"/>
+              <a:t>0      1       2      </a:t>
+            </a:r>
+            <a:endParaRPr lang="en-US" dirty="0"/>
+          </a:p>
+        </p:txBody>
+      </p:sp>
+      <p:sp>
+        <p:nvSpPr>
+          <p:cNvPr id="22" name="Rectangle 21"/>
+          <p:cNvSpPr/>
+          <p:nvPr/>
+        </p:nvSpPr>
+        <p:spPr>
+          <a:xfrm>
+            <a:off x="9513575" y="1943262"/>
+            <a:ext cx="2380572" cy="338105"/>
+          </a:xfrm>
+          <a:prstGeom prst="rect">
+            <a:avLst/>
+          </a:prstGeom>
+          <a:solidFill>
+            <a:schemeClr val="accent1">
+              <a:alpha val="33000"/>
+            </a:schemeClr>
+          </a:solidFill>
+        </p:spPr>
+        <p:style>
+          <a:lnRef idx="2">
+            <a:schemeClr val="accent1">
+              <a:shade val="50000"/>
+            </a:schemeClr>
+          </a:lnRef>
+          <a:fillRef idx="1">
+            <a:schemeClr val="accent1"/>
+          </a:fillRef>
+          <a:effectRef idx="0">
+            <a:schemeClr val="accent1"/>
+          </a:effectRef>
+          <a:fontRef idx="minor">
+            <a:schemeClr val="lt1"/>
+          </a:fontRef>
+        </p:style>
+        <p:txBody>
+          <a:bodyPr rtlCol="0" anchor="ctr"/>
+          <a:lstStyle/>
+          <a:p>
+            <a:pPr algn="ctr"/>
+            <a:endParaRPr lang="en-US"/>
+          </a:p>
+        </p:txBody>
+      </p:sp>
+      <p:sp>
+        <p:nvSpPr>
+          <p:cNvPr id="23" name="TextBox 22"/>
+          <p:cNvSpPr txBox="1"/>
+          <p:nvPr/>
+        </p:nvSpPr>
+        <p:spPr>
+          <a:xfrm>
+            <a:off x="9341998" y="911849"/>
+            <a:ext cx="1805301" cy="584775"/>
+          </a:xfrm>
+          <a:prstGeom prst="rect">
+            <a:avLst/>
+          </a:prstGeom>
+          <a:noFill/>
+        </p:spPr>
+        <p:txBody>
+          <a:bodyPr wrap="none" rtlCol="0">
+            <a:spAutoFit/>
+          </a:bodyPr>
+          <a:lstStyle/>
+          <a:p>
+            <a:pPr algn="ctr"/>
+            <a:r>
+              <a:rPr lang="en-US" sz="1600" b="1" dirty="0">
+                <a:solidFill>
+                  <a:schemeClr val="accent6">
+                    <a:lumMod val="75000"/>
+                  </a:schemeClr>
+                </a:solidFill>
+              </a:rPr>
+              <a:t>POSITIONAL INDEX</a:t>
+            </a:r>
+            <a:endParaRPr lang="en-US" sz="1600" b="1" dirty="0" smtClean="0">
+              <a:solidFill>
+                <a:schemeClr val="accent6">
+                  <a:lumMod val="75000"/>
+                </a:schemeClr>
+              </a:solidFill>
+            </a:endParaRPr>
+          </a:p>
+          <a:p>
+            <a:pPr algn="ctr"/>
+            <a:r>
+              <a:rPr lang="en-US" sz="1600" b="1" dirty="0" smtClean="0">
+                <a:solidFill>
+                  <a:schemeClr val="accent6">
+                    <a:lumMod val="75000"/>
+                  </a:schemeClr>
+                </a:solidFill>
+              </a:rPr>
+              <a:t>ON THE COLUMNS</a:t>
+            </a:r>
+            <a:endParaRPr lang="en-US" sz="1600" b="1" dirty="0">
+              <a:solidFill>
+                <a:schemeClr val="accent6">
+                  <a:lumMod val="75000"/>
+                </a:schemeClr>
+              </a:solidFill>
+            </a:endParaRPr>
+          </a:p>
+        </p:txBody>
+      </p:sp>
+      <p:sp>
+        <p:nvSpPr>
+          <p:cNvPr id="24" name="TextBox 23"/>
+          <p:cNvSpPr txBox="1"/>
+          <p:nvPr/>
+        </p:nvSpPr>
+        <p:spPr>
+          <a:xfrm>
+            <a:off x="11046802" y="1681870"/>
+            <a:ext cx="948401" cy="307777"/>
+          </a:xfrm>
+          <a:prstGeom prst="rect">
+            <a:avLst/>
+          </a:prstGeom>
+          <a:noFill/>
+        </p:spPr>
+        <p:txBody>
+          <a:bodyPr wrap="none" rtlCol="0">
+            <a:spAutoFit/>
+          </a:bodyPr>
+          <a:lstStyle/>
+          <a:p>
+            <a:r>
+              <a:rPr lang="en-US" sz="1400" b="1" dirty="0" smtClean="0">
+                <a:solidFill>
+                  <a:srgbClr val="0070C0"/>
+                </a:solidFill>
+              </a:rPr>
+              <a:t>COLUMNS</a:t>
+            </a:r>
+          </a:p>
+        </p:txBody>
+      </p:sp>
+      <p:sp>
+        <p:nvSpPr>
+          <p:cNvPr id="25" name="TextBox 24"/>
+          <p:cNvSpPr txBox="1"/>
+          <p:nvPr/>
+        </p:nvSpPr>
+        <p:spPr>
+          <a:xfrm rot="1405271">
+            <a:off x="8113152" y="1905064"/>
+            <a:ext cx="652743" cy="307777"/>
+          </a:xfrm>
+          <a:prstGeom prst="rect">
+            <a:avLst/>
+          </a:prstGeom>
+          <a:noFill/>
+        </p:spPr>
+        <p:txBody>
+          <a:bodyPr wrap="none" rtlCol="0">
+            <a:spAutoFit/>
+          </a:bodyPr>
+          <a:lstStyle/>
+          <a:p>
+            <a:r>
+              <a:rPr lang="en-US" sz="1400" b="1" dirty="0" smtClean="0">
+                <a:solidFill>
+                  <a:srgbClr val="0070C0"/>
+                </a:solidFill>
+              </a:rPr>
+              <a:t>INDEX</a:t>
+            </a:r>
+          </a:p>
+        </p:txBody>
+      </p:sp>
+      <p:sp>
+        <p:nvSpPr>
+          <p:cNvPr id="26" name="TextBox 25"/>
+          <p:cNvSpPr txBox="1"/>
+          <p:nvPr/>
+        </p:nvSpPr>
+        <p:spPr>
+          <a:xfrm>
+            <a:off x="7194470" y="3395366"/>
+            <a:ext cx="1164101" cy="584775"/>
+          </a:xfrm>
+          <a:prstGeom prst="rect">
+            <a:avLst/>
+          </a:prstGeom>
+          <a:noFill/>
+        </p:spPr>
+        <p:txBody>
+          <a:bodyPr wrap="none" rtlCol="0">
+            <a:spAutoFit/>
+          </a:bodyPr>
+          <a:lstStyle/>
+          <a:p>
+            <a:pPr algn="ctr"/>
+            <a:r>
+              <a:rPr lang="en-US" sz="1600" b="1" dirty="0">
+                <a:solidFill>
+                  <a:schemeClr val="accent6">
+                    <a:lumMod val="75000"/>
+                  </a:schemeClr>
+                </a:solidFill>
+              </a:rPr>
+              <a:t>POS. </a:t>
+            </a:r>
+            <a:r>
+              <a:rPr lang="en-US" sz="1600" b="1" dirty="0" smtClean="0">
+                <a:solidFill>
+                  <a:schemeClr val="accent6">
+                    <a:lumMod val="75000"/>
+                  </a:schemeClr>
+                </a:solidFill>
+              </a:rPr>
+              <a:t>INDEX</a:t>
+            </a:r>
+          </a:p>
+          <a:p>
+            <a:pPr algn="ctr"/>
+            <a:r>
+              <a:rPr lang="en-US" sz="1600" b="1" dirty="0" smtClean="0">
+                <a:solidFill>
+                  <a:schemeClr val="accent6">
+                    <a:lumMod val="75000"/>
+                  </a:schemeClr>
+                </a:solidFill>
+              </a:rPr>
+              <a:t>ON ROWS</a:t>
+            </a:r>
+            <a:endParaRPr lang="en-US" sz="1600" b="1" dirty="0">
+              <a:solidFill>
+                <a:schemeClr val="accent6">
+                  <a:lumMod val="75000"/>
+                </a:schemeClr>
+              </a:solidFill>
+            </a:endParaRPr>
+          </a:p>
+        </p:txBody>
+      </p:sp>
+      <p:sp>
+        <p:nvSpPr>
+          <p:cNvPr id="16" name="TextBox 15"/>
+          <p:cNvSpPr txBox="1"/>
+          <p:nvPr/>
+        </p:nvSpPr>
+        <p:spPr>
+          <a:xfrm>
+            <a:off x="457820" y="1217466"/>
+            <a:ext cx="8267080" cy="369332"/>
+          </a:xfrm>
+          <a:prstGeom prst="rect">
+            <a:avLst/>
+          </a:prstGeom>
+          <a:noFill/>
+        </p:spPr>
+        <p:txBody>
+          <a:bodyPr wrap="square" rtlCol="0">
+            <a:spAutoFit/>
+          </a:bodyPr>
+          <a:lstStyle/>
+          <a:p>
+            <a:r>
+              <a:rPr lang="en-US" dirty="0" smtClean="0">
+                <a:solidFill>
+                  <a:srgbClr val="000000"/>
+                </a:solidFill>
+                <a:latin typeface="Helvetica Neue"/>
+              </a:rPr>
+              <a:t>Let's </a:t>
+            </a:r>
+            <a:r>
+              <a:rPr lang="en-US" dirty="0">
+                <a:solidFill>
+                  <a:srgbClr val="000000"/>
+                </a:solidFill>
+                <a:latin typeface="Helvetica Neue"/>
+              </a:rPr>
+              <a:t>add a column with the final grade. It is computed as 0.2*hw1 + 0.8*hw2</a:t>
+            </a:r>
+            <a:r>
+              <a:rPr lang="en-US" dirty="0" smtClean="0">
+                <a:solidFill>
+                  <a:srgbClr val="000000"/>
+                </a:solidFill>
+                <a:latin typeface="Helvetica Neue"/>
+              </a:rPr>
+              <a:t>.</a:t>
+            </a:r>
+            <a:endParaRPr lang="en-US" dirty="0">
+              <a:solidFill>
+                <a:srgbClr val="000000"/>
+              </a:solidFill>
+              <a:latin typeface="Helvetica Neue"/>
+            </a:endParaRPr>
+          </a:p>
+        </p:txBody>
+      </p:sp>
+      <p:sp>
+        <p:nvSpPr>
+          <p:cNvPr id="4" name="Footer Placeholder 3"/>
+          <p:cNvSpPr>
+            <a:spLocks noGrp="1"/>
+          </p:cNvSpPr>
+          <p:nvPr>
+            <p:ph type="ftr" sz="quarter" idx="11"/>
+          </p:nvPr>
+        </p:nvSpPr>
+        <p:spPr/>
+        <p:txBody>
+          <a:bodyPr/>
+          <a:lstStyle/>
+          <a:p>
+            <a:r>
+              <a:rPr lang="en-US" smtClean="0"/>
+              <a:t>Michele Samorani - Data Science Analysis with Python</a:t>
+            </a:r>
+            <a:endParaRPr lang="en-US"/>
+          </a:p>
+        </p:txBody>
+      </p:sp>
+      <p:sp>
+        <p:nvSpPr>
+          <p:cNvPr id="7" name="Right Arrow 6"/>
+          <p:cNvSpPr/>
+          <p:nvPr/>
+        </p:nvSpPr>
+        <p:spPr>
+          <a:xfrm rot="16200000">
+            <a:off x="10993111" y="6091548"/>
+            <a:ext cx="533644" cy="426261"/>
+          </a:xfrm>
+          <a:prstGeom prst="rightArrow">
+            <a:avLst/>
+          </a:prstGeom>
+          <a:solidFill>
+            <a:schemeClr val="accent2"/>
+          </a:solidFill>
+          <a:ln>
+            <a:solidFill>
+              <a:srgbClr val="C00000"/>
+            </a:solidFill>
+          </a:ln>
+        </p:spPr>
+        <p:style>
+          <a:lnRef idx="2">
+            <a:schemeClr val="accent1">
+              <a:shade val="50000"/>
+            </a:schemeClr>
+          </a:lnRef>
+          <a:fillRef idx="1">
+            <a:schemeClr val="accent1"/>
+          </a:fillRef>
+          <a:effectRef idx="0">
+            <a:schemeClr val="accent1"/>
+          </a:effectRef>
+          <a:fontRef idx="minor">
+            <a:schemeClr val="lt1"/>
+          </a:fontRef>
+        </p:style>
+        <p:txBody>
+          <a:bodyPr rtlCol="0" anchor="ctr"/>
+          <a:lstStyle/>
+          <a:p>
+            <a:pPr algn="ctr"/>
+            <a:endParaRPr lang="en-US"/>
+          </a:p>
+        </p:txBody>
+      </p:sp>
+      <p:pic>
+        <p:nvPicPr>
+          <p:cNvPr id="5" name="Picture 4"/>
+          <p:cNvPicPr>
+            <a:picLocks noChangeAspect="1"/>
+          </p:cNvPicPr>
+          <p:nvPr/>
+        </p:nvPicPr>
+        <p:blipFill rotWithShape="1">
+          <a:blip r:embed="rId4"/>
+          <a:srcRect b="55707"/>
+          <a:stretch/>
+        </p:blipFill>
+        <p:spPr>
+          <a:xfrm>
+            <a:off x="547687" y="2119535"/>
+            <a:ext cx="3286125" cy="839565"/>
+          </a:xfrm>
+          <a:prstGeom prst="rect">
+            <a:avLst/>
+          </a:prstGeom>
+        </p:spPr>
+      </p:pic>
+      <p:pic>
+        <p:nvPicPr>
+          <p:cNvPr id="2" name="Picture 1"/>
+          <p:cNvPicPr>
+            <a:picLocks noChangeAspect="1"/>
+          </p:cNvPicPr>
+          <p:nvPr/>
+        </p:nvPicPr>
+        <p:blipFill>
+          <a:blip r:embed="rId5"/>
+          <a:stretch>
+            <a:fillRect/>
+          </a:stretch>
+        </p:blipFill>
+        <p:spPr>
+          <a:xfrm>
+            <a:off x="547687" y="3115688"/>
+            <a:ext cx="6674402" cy="855885"/>
+          </a:xfrm>
+          <a:prstGeom prst="rect">
+            <a:avLst/>
+          </a:prstGeom>
+        </p:spPr>
+      </p:pic>
+    </p:spTree>
+    <p:extLst>
+      <p:ext uri="{BB962C8B-B14F-4D97-AF65-F5344CB8AC3E}">
+        <p14:creationId xmlns:p14="http://schemas.microsoft.com/office/powerpoint/2010/main" val="1061752001"/>
+      </p:ext>
+    </p:extLst>
+  </p:cSld>
+  <p:clrMapOvr>
+    <a:masterClrMapping/>
+  </p:clrMapOvr>
+  <p:timing>
+    <p:tnLst>
+      <p:par>
+        <p:cTn id="1" dur="indefinite" restart="never" nodeType="tmRoot"/>
+      </p:par>
+    </p:tnLst>
+  </p:timing>
 </p:sld>
 </file>
 
@@ -13640,16 +16826,7 @@
                 </a:solidFill>
                 <a:latin typeface="Helvetica Neue"/>
               </a:rPr>
-              <a:t> </a:t>
-            </a:r>
-            <a:r>
-              <a:rPr lang="en-US" dirty="0">
-                <a:solidFill>
-                  <a:srgbClr val="000000"/>
-                </a:solidFill>
-                <a:latin typeface="Helvetica Neue"/>
-              </a:rPr>
-              <a:t>is the information needed to select the rows: positional index or range of integers</a:t>
+              <a:t> is the information needed to select the rows: positional index or range of integers</a:t>
             </a:r>
             <a:endParaRPr lang="en-US" dirty="0" smtClean="0">
               <a:solidFill>
@@ -13691,23 +16868,8 @@
                 </a:solidFill>
                 <a:latin typeface="Helvetica Neue"/>
               </a:rPr>
-              <a:t> </a:t>
-            </a:r>
-            <a:r>
-              <a:rPr lang="en-US" dirty="0">
-                <a:solidFill>
-                  <a:srgbClr val="000000"/>
-                </a:solidFill>
-                <a:latin typeface="Helvetica Neue"/>
-              </a:rPr>
-              <a:t>is the information needed to select the columns: positional index or range of integers</a:t>
-            </a:r>
-            <a:endParaRPr lang="en-US" dirty="0">
-              <a:solidFill>
-                <a:srgbClr val="000000"/>
-              </a:solidFill>
-              <a:latin typeface="Helvetica Neue"/>
-            </a:endParaRPr>
+              <a:t> is the information needed to select the columns: positional index or range of integers</a:t>
+            </a:r>
           </a:p>
           <a:p>
             <a:endParaRPr lang="en-US" sz="2000" dirty="0" smtClean="0"/>
